--- a/src/main/resources/Blockchain Tyccoon Presentation.pptx
+++ b/src/main/resources/Blockchain Tyccoon Presentation.pptx
@@ -6,6 +6,10 @@
   </p:sldMasterIdLst>
   <p:sldIdLst>
     <p:sldId id="256" r:id="rId2"/>
+    <p:sldId id="260" r:id="rId3"/>
+    <p:sldId id="257" r:id="rId4"/>
+    <p:sldId id="258" r:id="rId5"/>
+    <p:sldId id="259" r:id="rId6"/>
   </p:sldIdLst>
   <p:sldSz cx="12192000" cy="6858000"/>
   <p:notesSz cx="6858000" cy="9144000"/>
@@ -104,7 +108,3319 @@
       </a:defRPr>
     </a:lvl9pPr>
   </p:defaultTextStyle>
+  <p:extLst>
+    <p:ext uri="{EFAFB233-063F-42B5-8137-9DF3F51BA10A}">
+      <p15:sldGuideLst xmlns:p15="http://schemas.microsoft.com/office/powerpoint/2012/main"/>
+    </p:ext>
+  </p:extLst>
 </p:presentation>
+</file>
+
+<file path=ppt/diagrams/colors1.xml><?xml version="1.0" encoding="utf-8"?>
+<dgm:colorsDef xmlns:dgm="http://schemas.openxmlformats.org/drawingml/2006/diagram" xmlns:a="http://schemas.openxmlformats.org/drawingml/2006/main" uniqueId="urn:microsoft.com/office/officeart/2018/5/colors/Iconchunking_neutralbg_accent1_2">
+  <dgm:title val=""/>
+  <dgm:desc val=""/>
+  <dgm:catLst>
+    <dgm:cat type="accent1" pri="11200"/>
+  </dgm:catLst>
+  <dgm:styleLbl name="node0">
+    <dgm:fillClrLst meth="repeat">
+      <a:schemeClr val="accent1"/>
+    </dgm:fillClrLst>
+    <dgm:linClrLst meth="repeat">
+      <a:schemeClr val="lt1"/>
+    </dgm:linClrLst>
+    <dgm:effectClrLst/>
+    <dgm:txLinClrLst/>
+    <dgm:txFillClrLst/>
+    <dgm:txEffectClrLst/>
+  </dgm:styleLbl>
+  <dgm:styleLbl name="alignNode1">
+    <dgm:fillClrLst meth="repeat">
+      <a:schemeClr val="accent1"/>
+    </dgm:fillClrLst>
+    <dgm:linClrLst meth="repeat">
+      <a:schemeClr val="accent1"/>
+    </dgm:linClrLst>
+    <dgm:effectClrLst/>
+    <dgm:txLinClrLst/>
+    <dgm:txFillClrLst/>
+    <dgm:txEffectClrLst/>
+  </dgm:styleLbl>
+  <dgm:styleLbl name="node1">
+    <dgm:fillClrLst meth="repeat">
+      <a:schemeClr val="accent1"/>
+    </dgm:fillClrLst>
+    <dgm:linClrLst meth="repeat">
+      <a:schemeClr val="lt1">
+        <a:alpha val="0"/>
+      </a:schemeClr>
+    </dgm:linClrLst>
+    <dgm:effectClrLst/>
+    <dgm:txLinClrLst/>
+    <dgm:txFillClrLst/>
+    <dgm:txEffectClrLst/>
+  </dgm:styleLbl>
+  <dgm:styleLbl name="lnNode1">
+    <dgm:fillClrLst meth="repeat">
+      <a:schemeClr val="accent1"/>
+    </dgm:fillClrLst>
+    <dgm:linClrLst meth="repeat">
+      <a:schemeClr val="lt1"/>
+    </dgm:linClrLst>
+    <dgm:effectClrLst/>
+    <dgm:txLinClrLst/>
+    <dgm:txFillClrLst/>
+    <dgm:txEffectClrLst/>
+  </dgm:styleLbl>
+  <dgm:styleLbl name="vennNode1">
+    <dgm:fillClrLst meth="repeat">
+      <a:schemeClr val="accent1">
+        <a:alpha val="50000"/>
+      </a:schemeClr>
+    </dgm:fillClrLst>
+    <dgm:linClrLst meth="repeat">
+      <a:schemeClr val="lt1"/>
+    </dgm:linClrLst>
+    <dgm:effectClrLst/>
+    <dgm:txLinClrLst/>
+    <dgm:txFillClrLst/>
+    <dgm:txEffectClrLst/>
+  </dgm:styleLbl>
+  <dgm:styleLbl name="node2">
+    <dgm:fillClrLst meth="repeat">
+      <a:schemeClr val="accent1"/>
+    </dgm:fillClrLst>
+    <dgm:linClrLst meth="repeat">
+      <a:schemeClr val="lt1"/>
+    </dgm:linClrLst>
+    <dgm:effectClrLst/>
+    <dgm:txLinClrLst/>
+    <dgm:txFillClrLst/>
+    <dgm:txEffectClrLst/>
+  </dgm:styleLbl>
+  <dgm:styleLbl name="node3">
+    <dgm:fillClrLst meth="repeat">
+      <a:schemeClr val="accent1"/>
+    </dgm:fillClrLst>
+    <dgm:linClrLst meth="repeat">
+      <a:schemeClr val="lt1"/>
+    </dgm:linClrLst>
+    <dgm:effectClrLst/>
+    <dgm:txLinClrLst/>
+    <dgm:txFillClrLst/>
+    <dgm:txEffectClrLst/>
+  </dgm:styleLbl>
+  <dgm:styleLbl name="node4">
+    <dgm:fillClrLst meth="repeat">
+      <a:schemeClr val="accent1"/>
+    </dgm:fillClrLst>
+    <dgm:linClrLst meth="repeat">
+      <a:schemeClr val="lt1"/>
+    </dgm:linClrLst>
+    <dgm:effectClrLst/>
+    <dgm:txLinClrLst/>
+    <dgm:txFillClrLst/>
+    <dgm:txEffectClrLst/>
+  </dgm:styleLbl>
+  <dgm:styleLbl name="fgImgPlace1">
+    <dgm:fillClrLst meth="repeat">
+      <a:schemeClr val="accent1">
+        <a:tint val="50000"/>
+      </a:schemeClr>
+    </dgm:fillClrLst>
+    <dgm:linClrLst meth="repeat">
+      <a:schemeClr val="lt1"/>
+    </dgm:linClrLst>
+    <dgm:effectClrLst/>
+    <dgm:txLinClrLst/>
+    <dgm:txFillClrLst meth="repeat">
+      <a:schemeClr val="lt1"/>
+    </dgm:txFillClrLst>
+    <dgm:txEffectClrLst/>
+  </dgm:styleLbl>
+  <dgm:styleLbl name="alignImgPlace1">
+    <dgm:fillClrLst meth="repeat">
+      <a:schemeClr val="accent1">
+        <a:tint val="50000"/>
+      </a:schemeClr>
+    </dgm:fillClrLst>
+    <dgm:linClrLst meth="repeat">
+      <a:schemeClr val="lt1"/>
+    </dgm:linClrLst>
+    <dgm:effectClrLst/>
+    <dgm:txLinClrLst/>
+    <dgm:txFillClrLst meth="repeat">
+      <a:schemeClr val="lt1"/>
+    </dgm:txFillClrLst>
+    <dgm:txEffectClrLst/>
+  </dgm:styleLbl>
+  <dgm:styleLbl name="bgImgPlace1">
+    <dgm:fillClrLst meth="repeat">
+      <a:schemeClr val="accent1">
+        <a:tint val="50000"/>
+      </a:schemeClr>
+    </dgm:fillClrLst>
+    <dgm:linClrLst meth="repeat">
+      <a:schemeClr val="lt1"/>
+    </dgm:linClrLst>
+    <dgm:effectClrLst/>
+    <dgm:txLinClrLst/>
+    <dgm:txFillClrLst meth="repeat">
+      <a:schemeClr val="lt1"/>
+    </dgm:txFillClrLst>
+    <dgm:txEffectClrLst/>
+  </dgm:styleLbl>
+  <dgm:styleLbl name="sibTrans2D1">
+    <dgm:fillClrLst meth="repeat">
+      <a:schemeClr val="accent1">
+        <a:tint val="60000"/>
+      </a:schemeClr>
+    </dgm:fillClrLst>
+    <dgm:linClrLst meth="repeat">
+      <a:schemeClr val="accent1">
+        <a:tint val="60000"/>
+      </a:schemeClr>
+    </dgm:linClrLst>
+    <dgm:effectClrLst/>
+    <dgm:txLinClrLst/>
+    <dgm:txFillClrLst/>
+    <dgm:txEffectClrLst/>
+  </dgm:styleLbl>
+  <dgm:styleLbl name="fgSibTrans2D1">
+    <dgm:fillClrLst meth="repeat">
+      <a:schemeClr val="accent1">
+        <a:tint val="60000"/>
+      </a:schemeClr>
+    </dgm:fillClrLst>
+    <dgm:linClrLst meth="repeat">
+      <a:schemeClr val="accent1">
+        <a:tint val="60000"/>
+      </a:schemeClr>
+    </dgm:linClrLst>
+    <dgm:effectClrLst/>
+    <dgm:txLinClrLst/>
+    <dgm:txFillClrLst/>
+    <dgm:txEffectClrLst/>
+  </dgm:styleLbl>
+  <dgm:styleLbl name="bgSibTrans2D1">
+    <dgm:fillClrLst meth="repeat">
+      <a:schemeClr val="accent1">
+        <a:tint val="60000"/>
+      </a:schemeClr>
+    </dgm:fillClrLst>
+    <dgm:linClrLst meth="repeat">
+      <a:schemeClr val="accent1">
+        <a:tint val="60000"/>
+      </a:schemeClr>
+    </dgm:linClrLst>
+    <dgm:effectClrLst/>
+    <dgm:txLinClrLst/>
+    <dgm:txFillClrLst/>
+    <dgm:txEffectClrLst/>
+  </dgm:styleLbl>
+  <dgm:styleLbl name="sibTrans1D1">
+    <dgm:fillClrLst meth="repeat">
+      <a:schemeClr val="accent1"/>
+    </dgm:fillClrLst>
+    <dgm:linClrLst meth="repeat">
+      <a:schemeClr val="accent1"/>
+    </dgm:linClrLst>
+    <dgm:effectClrLst/>
+    <dgm:txLinClrLst/>
+    <dgm:txFillClrLst meth="repeat">
+      <a:schemeClr val="tx1"/>
+    </dgm:txFillClrLst>
+    <dgm:txEffectClrLst/>
+  </dgm:styleLbl>
+  <dgm:styleLbl name="callout">
+    <dgm:fillClrLst meth="repeat">
+      <a:schemeClr val="accent1"/>
+    </dgm:fillClrLst>
+    <dgm:linClrLst meth="repeat">
+      <a:schemeClr val="accent1">
+        <a:tint val="50000"/>
+      </a:schemeClr>
+    </dgm:linClrLst>
+    <dgm:effectClrLst/>
+    <dgm:txLinClrLst/>
+    <dgm:txFillClrLst meth="repeat">
+      <a:schemeClr val="tx1"/>
+    </dgm:txFillClrLst>
+    <dgm:txEffectClrLst/>
+  </dgm:styleLbl>
+  <dgm:styleLbl name="asst0">
+    <dgm:fillClrLst meth="repeat">
+      <a:schemeClr val="accent1"/>
+    </dgm:fillClrLst>
+    <dgm:linClrLst meth="repeat">
+      <a:schemeClr val="lt1"/>
+    </dgm:linClrLst>
+    <dgm:effectClrLst/>
+    <dgm:txLinClrLst/>
+    <dgm:txFillClrLst/>
+    <dgm:txEffectClrLst/>
+  </dgm:styleLbl>
+  <dgm:styleLbl name="asst1">
+    <dgm:fillClrLst meth="repeat">
+      <a:schemeClr val="accent1"/>
+    </dgm:fillClrLst>
+    <dgm:linClrLst meth="repeat">
+      <a:schemeClr val="lt1"/>
+    </dgm:linClrLst>
+    <dgm:effectClrLst/>
+    <dgm:txLinClrLst/>
+    <dgm:txFillClrLst/>
+    <dgm:txEffectClrLst/>
+  </dgm:styleLbl>
+  <dgm:styleLbl name="asst2">
+    <dgm:fillClrLst meth="repeat">
+      <a:schemeClr val="accent1"/>
+    </dgm:fillClrLst>
+    <dgm:linClrLst meth="repeat">
+      <a:schemeClr val="lt1"/>
+    </dgm:linClrLst>
+    <dgm:effectClrLst/>
+    <dgm:txLinClrLst/>
+    <dgm:txFillClrLst/>
+    <dgm:txEffectClrLst/>
+  </dgm:styleLbl>
+  <dgm:styleLbl name="asst3">
+    <dgm:fillClrLst meth="repeat">
+      <a:schemeClr val="accent1"/>
+    </dgm:fillClrLst>
+    <dgm:linClrLst meth="repeat">
+      <a:schemeClr val="lt1"/>
+    </dgm:linClrLst>
+    <dgm:effectClrLst/>
+    <dgm:txLinClrLst/>
+    <dgm:txFillClrLst/>
+    <dgm:txEffectClrLst/>
+  </dgm:styleLbl>
+  <dgm:styleLbl name="asst4">
+    <dgm:fillClrLst meth="repeat">
+      <a:schemeClr val="accent1"/>
+    </dgm:fillClrLst>
+    <dgm:linClrLst meth="repeat">
+      <a:schemeClr val="lt1"/>
+    </dgm:linClrLst>
+    <dgm:effectClrLst/>
+    <dgm:txLinClrLst/>
+    <dgm:txFillClrLst/>
+    <dgm:txEffectClrLst/>
+  </dgm:styleLbl>
+  <dgm:styleLbl name="parChTrans2D1">
+    <dgm:fillClrLst meth="repeat">
+      <a:schemeClr val="accent1">
+        <a:tint val="60000"/>
+      </a:schemeClr>
+    </dgm:fillClrLst>
+    <dgm:linClrLst meth="repeat">
+      <a:schemeClr val="accent1">
+        <a:tint val="60000"/>
+      </a:schemeClr>
+    </dgm:linClrLst>
+    <dgm:effectClrLst/>
+    <dgm:txLinClrLst/>
+    <dgm:txFillClrLst meth="repeat">
+      <a:schemeClr val="lt1"/>
+    </dgm:txFillClrLst>
+    <dgm:txEffectClrLst/>
+  </dgm:styleLbl>
+  <dgm:styleLbl name="parChTrans2D2">
+    <dgm:fillClrLst meth="repeat">
+      <a:schemeClr val="accent1"/>
+    </dgm:fillClrLst>
+    <dgm:linClrLst meth="repeat">
+      <a:schemeClr val="accent1"/>
+    </dgm:linClrLst>
+    <dgm:effectClrLst/>
+    <dgm:txLinClrLst/>
+    <dgm:txFillClrLst meth="repeat">
+      <a:schemeClr val="lt1"/>
+    </dgm:txFillClrLst>
+    <dgm:txEffectClrLst/>
+  </dgm:styleLbl>
+  <dgm:styleLbl name="parChTrans2D3">
+    <dgm:fillClrLst meth="repeat">
+      <a:schemeClr val="accent1"/>
+    </dgm:fillClrLst>
+    <dgm:linClrLst meth="repeat">
+      <a:schemeClr val="accent1"/>
+    </dgm:linClrLst>
+    <dgm:effectClrLst/>
+    <dgm:txLinClrLst/>
+    <dgm:txFillClrLst meth="repeat">
+      <a:schemeClr val="lt1"/>
+    </dgm:txFillClrLst>
+    <dgm:txEffectClrLst/>
+  </dgm:styleLbl>
+  <dgm:styleLbl name="parChTrans2D4">
+    <dgm:fillClrLst meth="repeat">
+      <a:schemeClr val="accent1"/>
+    </dgm:fillClrLst>
+    <dgm:linClrLst meth="repeat">
+      <a:schemeClr val="accent1"/>
+    </dgm:linClrLst>
+    <dgm:effectClrLst/>
+    <dgm:txLinClrLst/>
+    <dgm:txFillClrLst meth="repeat">
+      <a:schemeClr val="lt1"/>
+    </dgm:txFillClrLst>
+    <dgm:txEffectClrLst/>
+  </dgm:styleLbl>
+  <dgm:styleLbl name="parChTrans1D1">
+    <dgm:fillClrLst meth="repeat">
+      <a:schemeClr val="accent1"/>
+    </dgm:fillClrLst>
+    <dgm:linClrLst meth="repeat">
+      <a:schemeClr val="accent1">
+        <a:shade val="60000"/>
+      </a:schemeClr>
+    </dgm:linClrLst>
+    <dgm:effectClrLst/>
+    <dgm:txLinClrLst/>
+    <dgm:txFillClrLst meth="repeat">
+      <a:schemeClr val="tx1"/>
+    </dgm:txFillClrLst>
+    <dgm:txEffectClrLst/>
+  </dgm:styleLbl>
+  <dgm:styleLbl name="parChTrans1D2">
+    <dgm:fillClrLst meth="repeat">
+      <a:schemeClr val="accent1"/>
+    </dgm:fillClrLst>
+    <dgm:linClrLst meth="repeat">
+      <a:schemeClr val="accent1">
+        <a:shade val="60000"/>
+      </a:schemeClr>
+    </dgm:linClrLst>
+    <dgm:effectClrLst/>
+    <dgm:txLinClrLst/>
+    <dgm:txFillClrLst meth="repeat">
+      <a:schemeClr val="tx1"/>
+    </dgm:txFillClrLst>
+    <dgm:txEffectClrLst/>
+  </dgm:styleLbl>
+  <dgm:styleLbl name="parChTrans1D3">
+    <dgm:fillClrLst meth="repeat">
+      <a:schemeClr val="accent1"/>
+    </dgm:fillClrLst>
+    <dgm:linClrLst meth="repeat">
+      <a:schemeClr val="accent1">
+        <a:shade val="80000"/>
+      </a:schemeClr>
+    </dgm:linClrLst>
+    <dgm:effectClrLst/>
+    <dgm:txLinClrLst/>
+    <dgm:txFillClrLst meth="repeat">
+      <a:schemeClr val="tx1"/>
+    </dgm:txFillClrLst>
+    <dgm:txEffectClrLst/>
+  </dgm:styleLbl>
+  <dgm:styleLbl name="parChTrans1D4">
+    <dgm:fillClrLst meth="repeat">
+      <a:schemeClr val="accent1"/>
+    </dgm:fillClrLst>
+    <dgm:linClrLst meth="repeat">
+      <a:schemeClr val="accent1">
+        <a:shade val="80000"/>
+      </a:schemeClr>
+    </dgm:linClrLst>
+    <dgm:effectClrLst/>
+    <dgm:txLinClrLst/>
+    <dgm:txFillClrLst meth="repeat">
+      <a:schemeClr val="tx1"/>
+    </dgm:txFillClrLst>
+    <dgm:txEffectClrLst/>
+  </dgm:styleLbl>
+  <dgm:styleLbl name="fgAcc1">
+    <dgm:fillClrLst meth="repeat">
+      <a:schemeClr val="lt1">
+        <a:alpha val="90000"/>
+      </a:schemeClr>
+    </dgm:fillClrLst>
+    <dgm:linClrLst meth="repeat">
+      <a:schemeClr val="accent1"/>
+    </dgm:linClrLst>
+    <dgm:effectClrLst/>
+    <dgm:txLinClrLst/>
+    <dgm:txFillClrLst meth="repeat">
+      <a:schemeClr val="dk1"/>
+    </dgm:txFillClrLst>
+    <dgm:txEffectClrLst/>
+  </dgm:styleLbl>
+  <dgm:styleLbl name="conFgAcc1">
+    <dgm:fillClrLst meth="repeat">
+      <a:schemeClr val="lt1">
+        <a:alpha val="90000"/>
+      </a:schemeClr>
+    </dgm:fillClrLst>
+    <dgm:linClrLst meth="repeat">
+      <a:schemeClr val="accent1"/>
+    </dgm:linClrLst>
+    <dgm:effectClrLst/>
+    <dgm:txLinClrLst/>
+    <dgm:txFillClrLst meth="repeat">
+      <a:schemeClr val="dk1"/>
+    </dgm:txFillClrLst>
+    <dgm:txEffectClrLst/>
+  </dgm:styleLbl>
+  <dgm:styleLbl name="alignAcc1">
+    <dgm:fillClrLst meth="repeat">
+      <a:schemeClr val="lt1">
+        <a:alpha val="90000"/>
+      </a:schemeClr>
+    </dgm:fillClrLst>
+    <dgm:linClrLst meth="repeat">
+      <a:schemeClr val="accent1"/>
+    </dgm:linClrLst>
+    <dgm:effectClrLst/>
+    <dgm:txLinClrLst/>
+    <dgm:txFillClrLst meth="repeat">
+      <a:schemeClr val="dk1"/>
+    </dgm:txFillClrLst>
+    <dgm:txEffectClrLst/>
+  </dgm:styleLbl>
+  <dgm:styleLbl name="trAlignAcc1">
+    <dgm:fillClrLst meth="repeat">
+      <a:schemeClr val="lt1">
+        <a:alpha val="40000"/>
+      </a:schemeClr>
+    </dgm:fillClrLst>
+    <dgm:linClrLst meth="repeat">
+      <a:schemeClr val="accent1"/>
+    </dgm:linClrLst>
+    <dgm:effectClrLst/>
+    <dgm:txLinClrLst/>
+    <dgm:txFillClrLst meth="repeat">
+      <a:schemeClr val="dk1"/>
+    </dgm:txFillClrLst>
+    <dgm:txEffectClrLst/>
+  </dgm:styleLbl>
+  <dgm:styleLbl name="bgAcc1">
+    <dgm:fillClrLst meth="repeat">
+      <a:schemeClr val="lt1">
+        <a:alpha val="90000"/>
+      </a:schemeClr>
+    </dgm:fillClrLst>
+    <dgm:linClrLst meth="repeat">
+      <a:schemeClr val="accent1"/>
+    </dgm:linClrLst>
+    <dgm:effectClrLst/>
+    <dgm:txLinClrLst/>
+    <dgm:txFillClrLst meth="repeat">
+      <a:schemeClr val="dk1"/>
+    </dgm:txFillClrLst>
+    <dgm:txEffectClrLst/>
+  </dgm:styleLbl>
+  <dgm:styleLbl name="solidFgAcc1">
+    <dgm:fillClrLst meth="repeat">
+      <a:schemeClr val="lt1"/>
+    </dgm:fillClrLst>
+    <dgm:linClrLst meth="repeat">
+      <a:schemeClr val="accent1"/>
+    </dgm:linClrLst>
+    <dgm:effectClrLst/>
+    <dgm:txLinClrLst/>
+    <dgm:txFillClrLst meth="repeat">
+      <a:schemeClr val="dk1"/>
+    </dgm:txFillClrLst>
+    <dgm:txEffectClrLst/>
+  </dgm:styleLbl>
+  <dgm:styleLbl name="solidAlignAcc1">
+    <dgm:fillClrLst meth="repeat">
+      <a:schemeClr val="lt1"/>
+    </dgm:fillClrLst>
+    <dgm:linClrLst meth="repeat">
+      <a:schemeClr val="accent1"/>
+    </dgm:linClrLst>
+    <dgm:effectClrLst/>
+    <dgm:txLinClrLst/>
+    <dgm:txFillClrLst meth="repeat">
+      <a:schemeClr val="dk1"/>
+    </dgm:txFillClrLst>
+    <dgm:txEffectClrLst/>
+  </dgm:styleLbl>
+  <dgm:styleLbl name="solidBgAcc1">
+    <dgm:fillClrLst meth="repeat">
+      <a:schemeClr val="lt1"/>
+    </dgm:fillClrLst>
+    <dgm:linClrLst meth="repeat">
+      <a:schemeClr val="accent1"/>
+    </dgm:linClrLst>
+    <dgm:effectClrLst/>
+    <dgm:txLinClrLst/>
+    <dgm:txFillClrLst meth="repeat">
+      <a:schemeClr val="dk1"/>
+    </dgm:txFillClrLst>
+    <dgm:txEffectClrLst/>
+  </dgm:styleLbl>
+  <dgm:styleLbl name="fgAccFollowNode1">
+    <dgm:fillClrLst meth="repeat">
+      <a:schemeClr val="accent1">
+        <a:alpha val="90000"/>
+        <a:tint val="40000"/>
+      </a:schemeClr>
+    </dgm:fillClrLst>
+    <dgm:linClrLst meth="repeat">
+      <a:schemeClr val="accent1">
+        <a:alpha val="90000"/>
+        <a:tint val="40000"/>
+      </a:schemeClr>
+    </dgm:linClrLst>
+    <dgm:effectClrLst/>
+    <dgm:txLinClrLst/>
+    <dgm:txFillClrLst meth="repeat">
+      <a:schemeClr val="dk1"/>
+    </dgm:txFillClrLst>
+    <dgm:txEffectClrLst/>
+  </dgm:styleLbl>
+  <dgm:styleLbl name="alignAccFollowNode1">
+    <dgm:fillClrLst meth="repeat">
+      <a:schemeClr val="accent1">
+        <a:alpha val="90000"/>
+        <a:tint val="40000"/>
+      </a:schemeClr>
+    </dgm:fillClrLst>
+    <dgm:linClrLst meth="repeat">
+      <a:schemeClr val="accent1">
+        <a:alpha val="90000"/>
+        <a:tint val="40000"/>
+      </a:schemeClr>
+    </dgm:linClrLst>
+    <dgm:effectClrLst/>
+    <dgm:txLinClrLst/>
+    <dgm:txFillClrLst meth="repeat">
+      <a:schemeClr val="dk1"/>
+    </dgm:txFillClrLst>
+    <dgm:txEffectClrLst/>
+  </dgm:styleLbl>
+  <dgm:styleLbl name="bgAccFollowNode1">
+    <dgm:fillClrLst meth="repeat">
+      <a:schemeClr val="accent1">
+        <a:alpha val="90000"/>
+        <a:tint val="40000"/>
+      </a:schemeClr>
+    </dgm:fillClrLst>
+    <dgm:linClrLst meth="repeat">
+      <a:schemeClr val="accent1">
+        <a:alpha val="90000"/>
+        <a:tint val="40000"/>
+      </a:schemeClr>
+    </dgm:linClrLst>
+    <dgm:effectClrLst/>
+    <dgm:txLinClrLst/>
+    <dgm:txFillClrLst meth="repeat">
+      <a:schemeClr val="dk1"/>
+    </dgm:txFillClrLst>
+    <dgm:txEffectClrLst/>
+  </dgm:styleLbl>
+  <dgm:styleLbl name="fgAcc0">
+    <dgm:fillClrLst meth="repeat">
+      <a:schemeClr val="lt1">
+        <a:alpha val="90000"/>
+      </a:schemeClr>
+    </dgm:fillClrLst>
+    <dgm:linClrLst meth="repeat">
+      <a:schemeClr val="accent1"/>
+    </dgm:linClrLst>
+    <dgm:effectClrLst/>
+    <dgm:txLinClrLst/>
+    <dgm:txFillClrLst meth="repeat">
+      <a:schemeClr val="dk1"/>
+    </dgm:txFillClrLst>
+    <dgm:txEffectClrLst/>
+  </dgm:styleLbl>
+  <dgm:styleLbl name="fgAcc2">
+    <dgm:fillClrLst meth="repeat">
+      <a:schemeClr val="lt1">
+        <a:alpha val="90000"/>
+      </a:schemeClr>
+    </dgm:fillClrLst>
+    <dgm:linClrLst meth="repeat">
+      <a:schemeClr val="accent1"/>
+    </dgm:linClrLst>
+    <dgm:effectClrLst/>
+    <dgm:txLinClrLst/>
+    <dgm:txFillClrLst meth="repeat">
+      <a:schemeClr val="dk1"/>
+    </dgm:txFillClrLst>
+    <dgm:txEffectClrLst/>
+  </dgm:styleLbl>
+  <dgm:styleLbl name="fgAcc3">
+    <dgm:fillClrLst meth="repeat">
+      <a:schemeClr val="lt1">
+        <a:alpha val="90000"/>
+      </a:schemeClr>
+    </dgm:fillClrLst>
+    <dgm:linClrLst meth="repeat">
+      <a:schemeClr val="accent1"/>
+    </dgm:linClrLst>
+    <dgm:effectClrLst/>
+    <dgm:txLinClrLst/>
+    <dgm:txFillClrLst meth="repeat">
+      <a:schemeClr val="dk1"/>
+    </dgm:txFillClrLst>
+    <dgm:txEffectClrLst/>
+  </dgm:styleLbl>
+  <dgm:styleLbl name="fgAcc4">
+    <dgm:fillClrLst meth="repeat">
+      <a:schemeClr val="lt1">
+        <a:alpha val="90000"/>
+      </a:schemeClr>
+    </dgm:fillClrLst>
+    <dgm:linClrLst meth="repeat">
+      <a:schemeClr val="accent1"/>
+    </dgm:linClrLst>
+    <dgm:effectClrLst/>
+    <dgm:txLinClrLst/>
+    <dgm:txFillClrLst meth="repeat">
+      <a:schemeClr val="dk1"/>
+    </dgm:txFillClrLst>
+    <dgm:txEffectClrLst/>
+  </dgm:styleLbl>
+  <dgm:styleLbl name="bgShp">
+    <dgm:fillClrLst meth="repeat">
+      <a:schemeClr val="bg1">
+        <a:lumMod val="95000"/>
+      </a:schemeClr>
+    </dgm:fillClrLst>
+    <dgm:linClrLst meth="repeat">
+      <a:schemeClr val="accent1"/>
+    </dgm:linClrLst>
+    <dgm:effectClrLst/>
+    <dgm:txLinClrLst/>
+    <dgm:txFillClrLst meth="repeat">
+      <a:schemeClr val="dk1"/>
+    </dgm:txFillClrLst>
+    <dgm:txEffectClrLst/>
+  </dgm:styleLbl>
+  <dgm:styleLbl name="dkBgShp">
+    <dgm:fillClrLst meth="repeat">
+      <a:schemeClr val="accent1">
+        <a:shade val="80000"/>
+      </a:schemeClr>
+    </dgm:fillClrLst>
+    <dgm:linClrLst meth="repeat">
+      <a:schemeClr val="accent1"/>
+    </dgm:linClrLst>
+    <dgm:effectClrLst/>
+    <dgm:txLinClrLst/>
+    <dgm:txFillClrLst meth="repeat">
+      <a:schemeClr val="lt1"/>
+    </dgm:txFillClrLst>
+    <dgm:txEffectClrLst/>
+  </dgm:styleLbl>
+  <dgm:styleLbl name="trBgShp">
+    <dgm:fillClrLst meth="repeat">
+      <a:schemeClr val="accent1">
+        <a:tint val="50000"/>
+        <a:alpha val="40000"/>
+      </a:schemeClr>
+    </dgm:fillClrLst>
+    <dgm:linClrLst meth="repeat">
+      <a:schemeClr val="accent1"/>
+    </dgm:linClrLst>
+    <dgm:effectClrLst/>
+    <dgm:txLinClrLst/>
+    <dgm:txFillClrLst meth="repeat">
+      <a:schemeClr val="lt1"/>
+    </dgm:txFillClrLst>
+    <dgm:txEffectClrLst/>
+  </dgm:styleLbl>
+  <dgm:styleLbl name="fgShp">
+    <dgm:fillClrLst meth="repeat">
+      <a:schemeClr val="accent1">
+        <a:tint val="60000"/>
+      </a:schemeClr>
+    </dgm:fillClrLst>
+    <dgm:linClrLst meth="repeat">
+      <a:schemeClr val="lt1"/>
+    </dgm:linClrLst>
+    <dgm:effectClrLst/>
+    <dgm:txLinClrLst/>
+    <dgm:txFillClrLst meth="repeat">
+      <a:schemeClr val="dk1"/>
+    </dgm:txFillClrLst>
+    <dgm:txEffectClrLst/>
+  </dgm:styleLbl>
+  <dgm:styleLbl name="revTx">
+    <dgm:fillClrLst meth="repeat">
+      <a:schemeClr val="lt1">
+        <a:alpha val="0"/>
+      </a:schemeClr>
+    </dgm:fillClrLst>
+    <dgm:linClrLst meth="repeat">
+      <a:schemeClr val="dk1">
+        <a:alpha val="0"/>
+      </a:schemeClr>
+    </dgm:linClrLst>
+    <dgm:effectClrLst/>
+    <dgm:txLinClrLst/>
+    <dgm:txFillClrLst meth="repeat">
+      <a:schemeClr val="tx1"/>
+    </dgm:txFillClrLst>
+    <dgm:txEffectClrLst/>
+  </dgm:styleLbl>
+</dgm:colorsDef>
+</file>
+
+<file path=ppt/diagrams/data1.xml><?xml version="1.0" encoding="utf-8"?>
+<dgm:dataModel xmlns:dgm="http://schemas.openxmlformats.org/drawingml/2006/diagram" xmlns:a="http://schemas.openxmlformats.org/drawingml/2006/main">
+  <dgm:ptLst>
+    <dgm:pt modelId="{3F62CB2B-86B5-4A75-B09E-DA5F2AEE559B}" type="doc">
+      <dgm:prSet loTypeId="urn:microsoft.com/office/officeart/2018/5/layout/IconCircleLabelList" loCatId="icon" qsTypeId="urn:microsoft.com/office/officeart/2005/8/quickstyle/simple1" qsCatId="simple" csTypeId="urn:microsoft.com/office/officeart/2018/5/colors/Iconchunking_neutralbg_accent1_2" csCatId="accent1" phldr="1"/>
+      <dgm:spPr/>
+      <dgm:t>
+        <a:bodyPr/>
+        <a:lstStyle/>
+        <a:p>
+          <a:endParaRPr lang="en-US"/>
+        </a:p>
+      </dgm:t>
+    </dgm:pt>
+    <dgm:pt modelId="{980B32DC-409F-4EFC-9E61-2B5F91BF3C92}">
+      <dgm:prSet/>
+      <dgm:spPr/>
+      <dgm:t>
+        <a:bodyPr/>
+        <a:lstStyle/>
+        <a:p>
+          <a:pPr>
+            <a:defRPr cap="all"/>
+          </a:pPr>
+          <a:r>
+            <a:rPr lang="en-GB"/>
+            <a:t>Project is using Java as its game engine</a:t>
+          </a:r>
+          <a:endParaRPr lang="en-US"/>
+        </a:p>
+      </dgm:t>
+    </dgm:pt>
+    <dgm:pt modelId="{423DEF1A-7800-456F-A0F1-F047F3804C4E}" type="parTrans" cxnId="{3232F0EA-9138-45C9-81BB-F4374138E677}">
+      <dgm:prSet/>
+      <dgm:spPr/>
+      <dgm:t>
+        <a:bodyPr/>
+        <a:lstStyle/>
+        <a:p>
+          <a:endParaRPr lang="en-US"/>
+        </a:p>
+      </dgm:t>
+    </dgm:pt>
+    <dgm:pt modelId="{4650A306-EB81-4E82-8C5E-2BDB73C9EBCA}" type="sibTrans" cxnId="{3232F0EA-9138-45C9-81BB-F4374138E677}">
+      <dgm:prSet/>
+      <dgm:spPr/>
+      <dgm:t>
+        <a:bodyPr/>
+        <a:lstStyle/>
+        <a:p>
+          <a:endParaRPr lang="en-US"/>
+        </a:p>
+      </dgm:t>
+    </dgm:pt>
+    <dgm:pt modelId="{02AB31F6-4AE7-4A34-8AB7-C5C096289FD7}">
+      <dgm:prSet/>
+      <dgm:spPr/>
+      <dgm:t>
+        <a:bodyPr/>
+        <a:lstStyle/>
+        <a:p>
+          <a:pPr>
+            <a:defRPr cap="all"/>
+          </a:pPr>
+          <a:r>
+            <a:rPr lang="en-GB"/>
+            <a:t>JavaFX framework to create graphical components</a:t>
+          </a:r>
+          <a:endParaRPr lang="en-US"/>
+        </a:p>
+      </dgm:t>
+    </dgm:pt>
+    <dgm:pt modelId="{D5FAA0E4-0F22-40E0-BFB3-4A0890FAB86B}" type="parTrans" cxnId="{6E5BC35D-C382-4E1D-9A43-ADC291806D0A}">
+      <dgm:prSet/>
+      <dgm:spPr/>
+      <dgm:t>
+        <a:bodyPr/>
+        <a:lstStyle/>
+        <a:p>
+          <a:endParaRPr lang="en-US"/>
+        </a:p>
+      </dgm:t>
+    </dgm:pt>
+    <dgm:pt modelId="{18F088C3-8A41-4377-AB74-0D07C563F48F}" type="sibTrans" cxnId="{6E5BC35D-C382-4E1D-9A43-ADC291806D0A}">
+      <dgm:prSet/>
+      <dgm:spPr/>
+      <dgm:t>
+        <a:bodyPr/>
+        <a:lstStyle/>
+        <a:p>
+          <a:endParaRPr lang="en-US"/>
+        </a:p>
+      </dgm:t>
+    </dgm:pt>
+    <dgm:pt modelId="{6BCBF765-979F-455E-AF25-8F6439A65E49}">
+      <dgm:prSet/>
+      <dgm:spPr/>
+      <dgm:t>
+        <a:bodyPr/>
+        <a:lstStyle/>
+        <a:p>
+          <a:pPr>
+            <a:defRPr cap="all"/>
+          </a:pPr>
+          <a:r>
+            <a:rPr lang="en-GB"/>
+            <a:t>Codebase and other resources are stored in GitHub</a:t>
+          </a:r>
+          <a:endParaRPr lang="en-US"/>
+        </a:p>
+      </dgm:t>
+    </dgm:pt>
+    <dgm:pt modelId="{50A4B6DD-4D21-4AF8-8995-A33D46C1E250}" type="parTrans" cxnId="{184D9415-40C4-40CB-9ED1-A415AF04C266}">
+      <dgm:prSet/>
+      <dgm:spPr/>
+      <dgm:t>
+        <a:bodyPr/>
+        <a:lstStyle/>
+        <a:p>
+          <a:endParaRPr lang="en-US"/>
+        </a:p>
+      </dgm:t>
+    </dgm:pt>
+    <dgm:pt modelId="{88C38DE3-3FBC-415A-A386-3A519AC1271E}" type="sibTrans" cxnId="{184D9415-40C4-40CB-9ED1-A415AF04C266}">
+      <dgm:prSet/>
+      <dgm:spPr/>
+      <dgm:t>
+        <a:bodyPr/>
+        <a:lstStyle/>
+        <a:p>
+          <a:endParaRPr lang="en-US"/>
+        </a:p>
+      </dgm:t>
+    </dgm:pt>
+    <dgm:pt modelId="{DF04B189-FB02-4557-B5A8-2E970FAFEE84}">
+      <dgm:prSet/>
+      <dgm:spPr/>
+      <dgm:t>
+        <a:bodyPr/>
+        <a:lstStyle/>
+        <a:p>
+          <a:pPr>
+            <a:defRPr cap="all"/>
+          </a:pPr>
+          <a:r>
+            <a:rPr lang="en-GB"/>
+            <a:t>Git as version control system</a:t>
+          </a:r>
+          <a:endParaRPr lang="en-US"/>
+        </a:p>
+      </dgm:t>
+    </dgm:pt>
+    <dgm:pt modelId="{1C35B5BF-0A8E-48D7-B09A-42DEB7CBB3A6}" type="parTrans" cxnId="{D9C3D366-3A92-4CE3-AF5A-A9FBB01CAF1B}">
+      <dgm:prSet/>
+      <dgm:spPr/>
+      <dgm:t>
+        <a:bodyPr/>
+        <a:lstStyle/>
+        <a:p>
+          <a:endParaRPr lang="en-US"/>
+        </a:p>
+      </dgm:t>
+    </dgm:pt>
+    <dgm:pt modelId="{64007A45-70B1-42FD-A2E8-565596684AD2}" type="sibTrans" cxnId="{D9C3D366-3A92-4CE3-AF5A-A9FBB01CAF1B}">
+      <dgm:prSet/>
+      <dgm:spPr/>
+      <dgm:t>
+        <a:bodyPr/>
+        <a:lstStyle/>
+        <a:p>
+          <a:endParaRPr lang="en-US"/>
+        </a:p>
+      </dgm:t>
+    </dgm:pt>
+    <dgm:pt modelId="{4D53641A-4967-4596-AA22-4137B0889F9F}">
+      <dgm:prSet/>
+      <dgm:spPr/>
+      <dgm:t>
+        <a:bodyPr/>
+        <a:lstStyle/>
+        <a:p>
+          <a:pPr>
+            <a:defRPr cap="all"/>
+          </a:pPr>
+          <a:r>
+            <a:rPr lang="fi-FI"/>
+            <a:t>Graphical elements were created in Photoshop</a:t>
+          </a:r>
+          <a:endParaRPr lang="en-US"/>
+        </a:p>
+      </dgm:t>
+    </dgm:pt>
+    <dgm:pt modelId="{8F22D27F-7AAC-47EC-870E-A9345BD4243B}" type="parTrans" cxnId="{84A49C2C-4429-49F7-98C6-D03E55FD26A1}">
+      <dgm:prSet/>
+      <dgm:spPr/>
+      <dgm:t>
+        <a:bodyPr/>
+        <a:lstStyle/>
+        <a:p>
+          <a:endParaRPr lang="en-US"/>
+        </a:p>
+      </dgm:t>
+    </dgm:pt>
+    <dgm:pt modelId="{6BD18A32-0C19-44A8-A78C-DD7BC3EF8243}" type="sibTrans" cxnId="{84A49C2C-4429-49F7-98C6-D03E55FD26A1}">
+      <dgm:prSet/>
+      <dgm:spPr/>
+      <dgm:t>
+        <a:bodyPr/>
+        <a:lstStyle/>
+        <a:p>
+          <a:endParaRPr lang="en-US"/>
+        </a:p>
+      </dgm:t>
+    </dgm:pt>
+    <dgm:pt modelId="{E73C5AF3-FD28-4AD4-B37D-7274E73BAD64}" type="pres">
+      <dgm:prSet presAssocID="{3F62CB2B-86B5-4A75-B09E-DA5F2AEE559B}" presName="root" presStyleCnt="0">
+        <dgm:presLayoutVars>
+          <dgm:dir/>
+          <dgm:resizeHandles val="exact"/>
+        </dgm:presLayoutVars>
+      </dgm:prSet>
+      <dgm:spPr/>
+    </dgm:pt>
+    <dgm:pt modelId="{ED99D1B8-3C31-4C25-809E-4E05FAF0E0E6}" type="pres">
+      <dgm:prSet presAssocID="{980B32DC-409F-4EFC-9E61-2B5F91BF3C92}" presName="compNode" presStyleCnt="0"/>
+      <dgm:spPr/>
+    </dgm:pt>
+    <dgm:pt modelId="{2A8B2EAA-78B7-4343-AFA3-6A5E4BCCFE21}" type="pres">
+      <dgm:prSet presAssocID="{980B32DC-409F-4EFC-9E61-2B5F91BF3C92}" presName="iconBgRect" presStyleLbl="bgShp" presStyleIdx="0" presStyleCnt="5"/>
+      <dgm:spPr/>
+    </dgm:pt>
+    <dgm:pt modelId="{8F8FC0DC-344A-4969-B745-DDBC3330F5B6}" type="pres">
+      <dgm:prSet presAssocID="{980B32DC-409F-4EFC-9E61-2B5F91BF3C92}" presName="iconRect" presStyleLbl="node1" presStyleIdx="0" presStyleCnt="5"/>
+      <dgm:spPr>
+        <a:blipFill>
+          <a:blip xmlns:r="http://schemas.openxmlformats.org/officeDocument/2006/relationships" r:embed="rId1">
+            <a:extLst>
+              <a:ext uri="{28A0092B-C50C-407E-A947-70E740481C1C}">
+                <a14:useLocalDpi xmlns:a14="http://schemas.microsoft.com/office/drawing/2010/main" val="0"/>
+              </a:ext>
+              <a:ext uri="{96DAC541-7B7A-43D3-8B79-37D633B846F1}">
+                <asvg:svgBlip xmlns:asvg="http://schemas.microsoft.com/office/drawing/2016/SVG/main" r:embed="rId2"/>
+              </a:ext>
+            </a:extLst>
+          </a:blip>
+          <a:stretch>
+            <a:fillRect/>
+          </a:stretch>
+        </a:blipFill>
+        <a:ln>
+          <a:noFill/>
+        </a:ln>
+      </dgm:spPr>
+      <dgm:extLst>
+        <a:ext uri="{E40237B7-FDA0-4F09-8148-C483321AD2D9}">
+          <dgm14:cNvPr xmlns:dgm14="http://schemas.microsoft.com/office/drawing/2010/diagram" id="0" name="" descr="Computer"/>
+        </a:ext>
+      </dgm:extLst>
+    </dgm:pt>
+    <dgm:pt modelId="{FC941006-8F43-4C6E-81C1-CE70AED87F28}" type="pres">
+      <dgm:prSet presAssocID="{980B32DC-409F-4EFC-9E61-2B5F91BF3C92}" presName="spaceRect" presStyleCnt="0"/>
+      <dgm:spPr/>
+    </dgm:pt>
+    <dgm:pt modelId="{2EF842C3-61F8-41E1-9CCE-EBB88BA84952}" type="pres">
+      <dgm:prSet presAssocID="{980B32DC-409F-4EFC-9E61-2B5F91BF3C92}" presName="textRect" presStyleLbl="revTx" presStyleIdx="0" presStyleCnt="5">
+        <dgm:presLayoutVars>
+          <dgm:chMax val="1"/>
+          <dgm:chPref val="1"/>
+        </dgm:presLayoutVars>
+      </dgm:prSet>
+      <dgm:spPr/>
+    </dgm:pt>
+    <dgm:pt modelId="{4C32DA41-A4B6-4A38-80BA-27CC740617DF}" type="pres">
+      <dgm:prSet presAssocID="{4650A306-EB81-4E82-8C5E-2BDB73C9EBCA}" presName="sibTrans" presStyleCnt="0"/>
+      <dgm:spPr/>
+    </dgm:pt>
+    <dgm:pt modelId="{5CE5F51C-44A2-4B93-A4E8-AA515E8AFE46}" type="pres">
+      <dgm:prSet presAssocID="{02AB31F6-4AE7-4A34-8AB7-C5C096289FD7}" presName="compNode" presStyleCnt="0"/>
+      <dgm:spPr/>
+    </dgm:pt>
+    <dgm:pt modelId="{D3C6C9F7-4B64-4CB5-821A-744E212F5D90}" type="pres">
+      <dgm:prSet presAssocID="{02AB31F6-4AE7-4A34-8AB7-C5C096289FD7}" presName="iconBgRect" presStyleLbl="bgShp" presStyleIdx="1" presStyleCnt="5"/>
+      <dgm:spPr/>
+    </dgm:pt>
+    <dgm:pt modelId="{E1667E0B-97C1-4F75-83CD-4DA836FE8E3C}" type="pres">
+      <dgm:prSet presAssocID="{02AB31F6-4AE7-4A34-8AB7-C5C096289FD7}" presName="iconRect" presStyleLbl="node1" presStyleIdx="1" presStyleCnt="5"/>
+      <dgm:spPr>
+        <a:blipFill>
+          <a:blip xmlns:r="http://schemas.openxmlformats.org/officeDocument/2006/relationships" r:embed="rId3">
+            <a:extLst>
+              <a:ext uri="{28A0092B-C50C-407E-A947-70E740481C1C}">
+                <a14:useLocalDpi xmlns:a14="http://schemas.microsoft.com/office/drawing/2010/main" val="0"/>
+              </a:ext>
+              <a:ext uri="{96DAC541-7B7A-43D3-8B79-37D633B846F1}">
+                <asvg:svgBlip xmlns:asvg="http://schemas.microsoft.com/office/drawing/2016/SVG/main" r:embed="rId4"/>
+              </a:ext>
+            </a:extLst>
+          </a:blip>
+          <a:stretch>
+            <a:fillRect/>
+          </a:stretch>
+        </a:blipFill>
+        <a:ln>
+          <a:noFill/>
+        </a:ln>
+      </dgm:spPr>
+      <dgm:extLst>
+        <a:ext uri="{E40237B7-FDA0-4F09-8148-C483321AD2D9}">
+          <dgm14:cNvPr xmlns:dgm14="http://schemas.microsoft.com/office/drawing/2010/diagram" id="0" name="" descr="Gears"/>
+        </a:ext>
+      </dgm:extLst>
+    </dgm:pt>
+    <dgm:pt modelId="{655D7BE5-6320-4612-A664-6DE279331BCC}" type="pres">
+      <dgm:prSet presAssocID="{02AB31F6-4AE7-4A34-8AB7-C5C096289FD7}" presName="spaceRect" presStyleCnt="0"/>
+      <dgm:spPr/>
+    </dgm:pt>
+    <dgm:pt modelId="{EB916BA4-841F-4688-82E7-2405C8A23D5B}" type="pres">
+      <dgm:prSet presAssocID="{02AB31F6-4AE7-4A34-8AB7-C5C096289FD7}" presName="textRect" presStyleLbl="revTx" presStyleIdx="1" presStyleCnt="5">
+        <dgm:presLayoutVars>
+          <dgm:chMax val="1"/>
+          <dgm:chPref val="1"/>
+        </dgm:presLayoutVars>
+      </dgm:prSet>
+      <dgm:spPr/>
+    </dgm:pt>
+    <dgm:pt modelId="{2B3B66D3-1A84-4235-9693-CAE10193905C}" type="pres">
+      <dgm:prSet presAssocID="{18F088C3-8A41-4377-AB74-0D07C563F48F}" presName="sibTrans" presStyleCnt="0"/>
+      <dgm:spPr/>
+    </dgm:pt>
+    <dgm:pt modelId="{16715137-3A47-4DC6-9DB6-3738878D3F5E}" type="pres">
+      <dgm:prSet presAssocID="{6BCBF765-979F-455E-AF25-8F6439A65E49}" presName="compNode" presStyleCnt="0"/>
+      <dgm:spPr/>
+    </dgm:pt>
+    <dgm:pt modelId="{3E9BA13C-85DB-4C23-8144-3ACD4B08FBBF}" type="pres">
+      <dgm:prSet presAssocID="{6BCBF765-979F-455E-AF25-8F6439A65E49}" presName="iconBgRect" presStyleLbl="bgShp" presStyleIdx="2" presStyleCnt="5"/>
+      <dgm:spPr/>
+    </dgm:pt>
+    <dgm:pt modelId="{4A5CFC44-73AE-466D-A57E-AA6D58C0EE47}" type="pres">
+      <dgm:prSet presAssocID="{6BCBF765-979F-455E-AF25-8F6439A65E49}" presName="iconRect" presStyleLbl="node1" presStyleIdx="2" presStyleCnt="5"/>
+      <dgm:spPr>
+        <a:blipFill>
+          <a:blip xmlns:r="http://schemas.openxmlformats.org/officeDocument/2006/relationships" r:embed="rId5">
+            <a:extLst>
+              <a:ext uri="{28A0092B-C50C-407E-A947-70E740481C1C}">
+                <a14:useLocalDpi xmlns:a14="http://schemas.microsoft.com/office/drawing/2010/main" val="0"/>
+              </a:ext>
+              <a:ext uri="{96DAC541-7B7A-43D3-8B79-37D633B846F1}">
+                <asvg:svgBlip xmlns:asvg="http://schemas.microsoft.com/office/drawing/2016/SVG/main" r:embed="rId6"/>
+              </a:ext>
+            </a:extLst>
+          </a:blip>
+          <a:stretch>
+            <a:fillRect/>
+          </a:stretch>
+        </a:blipFill>
+        <a:ln>
+          <a:noFill/>
+        </a:ln>
+      </dgm:spPr>
+      <dgm:extLst>
+        <a:ext uri="{E40237B7-FDA0-4F09-8148-C483321AD2D9}">
+          <dgm14:cNvPr xmlns:dgm14="http://schemas.microsoft.com/office/drawing/2010/diagram" id="0" name="" descr="Open Folder"/>
+        </a:ext>
+      </dgm:extLst>
+    </dgm:pt>
+    <dgm:pt modelId="{4EC1B19D-0833-406A-A9BE-E8DA32B4935A}" type="pres">
+      <dgm:prSet presAssocID="{6BCBF765-979F-455E-AF25-8F6439A65E49}" presName="spaceRect" presStyleCnt="0"/>
+      <dgm:spPr/>
+    </dgm:pt>
+    <dgm:pt modelId="{98254A95-E2F8-44B9-AA27-3591CDEA408B}" type="pres">
+      <dgm:prSet presAssocID="{6BCBF765-979F-455E-AF25-8F6439A65E49}" presName="textRect" presStyleLbl="revTx" presStyleIdx="2" presStyleCnt="5">
+        <dgm:presLayoutVars>
+          <dgm:chMax val="1"/>
+          <dgm:chPref val="1"/>
+        </dgm:presLayoutVars>
+      </dgm:prSet>
+      <dgm:spPr/>
+    </dgm:pt>
+    <dgm:pt modelId="{67E6E960-611A-41C3-9145-72C1666CB26E}" type="pres">
+      <dgm:prSet presAssocID="{88C38DE3-3FBC-415A-A386-3A519AC1271E}" presName="sibTrans" presStyleCnt="0"/>
+      <dgm:spPr/>
+    </dgm:pt>
+    <dgm:pt modelId="{1F433553-7517-4787-A543-91D98D0B103D}" type="pres">
+      <dgm:prSet presAssocID="{DF04B189-FB02-4557-B5A8-2E970FAFEE84}" presName="compNode" presStyleCnt="0"/>
+      <dgm:spPr/>
+    </dgm:pt>
+    <dgm:pt modelId="{08E0D134-BFE8-4AD4-846F-A4B85D2D3C0D}" type="pres">
+      <dgm:prSet presAssocID="{DF04B189-FB02-4557-B5A8-2E970FAFEE84}" presName="iconBgRect" presStyleLbl="bgShp" presStyleIdx="3" presStyleCnt="5"/>
+      <dgm:spPr/>
+    </dgm:pt>
+    <dgm:pt modelId="{6986210B-6F0C-4F8D-9B6C-5FD97295DADA}" type="pres">
+      <dgm:prSet presAssocID="{DF04B189-FB02-4557-B5A8-2E970FAFEE84}" presName="iconRect" presStyleLbl="node1" presStyleIdx="3" presStyleCnt="5"/>
+      <dgm:spPr>
+        <a:blipFill>
+          <a:blip xmlns:r="http://schemas.openxmlformats.org/officeDocument/2006/relationships" r:embed="rId7">
+            <a:extLst>
+              <a:ext uri="{28A0092B-C50C-407E-A947-70E740481C1C}">
+                <a14:useLocalDpi xmlns:a14="http://schemas.microsoft.com/office/drawing/2010/main" val="0"/>
+              </a:ext>
+              <a:ext uri="{96DAC541-7B7A-43D3-8B79-37D633B846F1}">
+                <asvg:svgBlip xmlns:asvg="http://schemas.microsoft.com/office/drawing/2016/SVG/main" r:embed="rId8"/>
+              </a:ext>
+            </a:extLst>
+          </a:blip>
+          <a:stretch>
+            <a:fillRect/>
+          </a:stretch>
+        </a:blipFill>
+        <a:ln>
+          <a:noFill/>
+        </a:ln>
+      </dgm:spPr>
+      <dgm:extLst>
+        <a:ext uri="{E40237B7-FDA0-4F09-8148-C483321AD2D9}">
+          <dgm14:cNvPr xmlns:dgm14="http://schemas.microsoft.com/office/drawing/2010/diagram" id="0" name="" descr="Database"/>
+        </a:ext>
+      </dgm:extLst>
+    </dgm:pt>
+    <dgm:pt modelId="{6D13C264-7342-4163-9B3A-A4006D3974A1}" type="pres">
+      <dgm:prSet presAssocID="{DF04B189-FB02-4557-B5A8-2E970FAFEE84}" presName="spaceRect" presStyleCnt="0"/>
+      <dgm:spPr/>
+    </dgm:pt>
+    <dgm:pt modelId="{DD4A53BC-4B82-4E28-A029-4B65D6C6EC04}" type="pres">
+      <dgm:prSet presAssocID="{DF04B189-FB02-4557-B5A8-2E970FAFEE84}" presName="textRect" presStyleLbl="revTx" presStyleIdx="3" presStyleCnt="5">
+        <dgm:presLayoutVars>
+          <dgm:chMax val="1"/>
+          <dgm:chPref val="1"/>
+        </dgm:presLayoutVars>
+      </dgm:prSet>
+      <dgm:spPr/>
+    </dgm:pt>
+    <dgm:pt modelId="{B7957C38-D380-4E43-AA81-08A9471943A5}" type="pres">
+      <dgm:prSet presAssocID="{64007A45-70B1-42FD-A2E8-565596684AD2}" presName="sibTrans" presStyleCnt="0"/>
+      <dgm:spPr/>
+    </dgm:pt>
+    <dgm:pt modelId="{C3776E25-0123-493F-AA88-D4E7002AA111}" type="pres">
+      <dgm:prSet presAssocID="{4D53641A-4967-4596-AA22-4137B0889F9F}" presName="compNode" presStyleCnt="0"/>
+      <dgm:spPr/>
+    </dgm:pt>
+    <dgm:pt modelId="{1BD8D85F-8E09-4F90-AF91-6AB3AE3E804C}" type="pres">
+      <dgm:prSet presAssocID="{4D53641A-4967-4596-AA22-4137B0889F9F}" presName="iconBgRect" presStyleLbl="bgShp" presStyleIdx="4" presStyleCnt="5"/>
+      <dgm:spPr/>
+    </dgm:pt>
+    <dgm:pt modelId="{4389CBF8-4793-45A2-A862-AA0712ED3965}" type="pres">
+      <dgm:prSet presAssocID="{4D53641A-4967-4596-AA22-4137B0889F9F}" presName="iconRect" presStyleLbl="node1" presStyleIdx="4" presStyleCnt="5"/>
+      <dgm:spPr>
+        <a:blipFill>
+          <a:blip xmlns:r="http://schemas.openxmlformats.org/officeDocument/2006/relationships" r:embed="rId9">
+            <a:extLst>
+              <a:ext uri="{28A0092B-C50C-407E-A947-70E740481C1C}">
+                <a14:useLocalDpi xmlns:a14="http://schemas.microsoft.com/office/drawing/2010/main" val="0"/>
+              </a:ext>
+              <a:ext uri="{96DAC541-7B7A-43D3-8B79-37D633B846F1}">
+                <asvg:svgBlip xmlns:asvg="http://schemas.microsoft.com/office/drawing/2016/SVG/main" r:embed="rId10"/>
+              </a:ext>
+            </a:extLst>
+          </a:blip>
+          <a:stretch>
+            <a:fillRect/>
+          </a:stretch>
+        </a:blipFill>
+        <a:ln>
+          <a:noFill/>
+        </a:ln>
+      </dgm:spPr>
+      <dgm:extLst>
+        <a:ext uri="{E40237B7-FDA0-4F09-8148-C483321AD2D9}">
+          <dgm14:cNvPr xmlns:dgm14="http://schemas.microsoft.com/office/drawing/2010/diagram" id="0" name="" descr="Camera"/>
+        </a:ext>
+      </dgm:extLst>
+    </dgm:pt>
+    <dgm:pt modelId="{9D824391-F726-4BF4-83BD-BF0ACEDEF504}" type="pres">
+      <dgm:prSet presAssocID="{4D53641A-4967-4596-AA22-4137B0889F9F}" presName="spaceRect" presStyleCnt="0"/>
+      <dgm:spPr/>
+    </dgm:pt>
+    <dgm:pt modelId="{6E80931A-5D38-4BE6-9274-58A977F2BCAE}" type="pres">
+      <dgm:prSet presAssocID="{4D53641A-4967-4596-AA22-4137B0889F9F}" presName="textRect" presStyleLbl="revTx" presStyleIdx="4" presStyleCnt="5">
+        <dgm:presLayoutVars>
+          <dgm:chMax val="1"/>
+          <dgm:chPref val="1"/>
+        </dgm:presLayoutVars>
+      </dgm:prSet>
+      <dgm:spPr/>
+    </dgm:pt>
+  </dgm:ptLst>
+  <dgm:cxnLst>
+    <dgm:cxn modelId="{A64F4605-9896-419B-8766-57BE89D94B4E}" type="presOf" srcId="{3F62CB2B-86B5-4A75-B09E-DA5F2AEE559B}" destId="{E73C5AF3-FD28-4AD4-B37D-7274E73BAD64}" srcOrd="0" destOrd="0" presId="urn:microsoft.com/office/officeart/2018/5/layout/IconCircleLabelList"/>
+    <dgm:cxn modelId="{5128D00C-3CA2-4E0B-99C5-52F1991C29A5}" type="presOf" srcId="{02AB31F6-4AE7-4A34-8AB7-C5C096289FD7}" destId="{EB916BA4-841F-4688-82E7-2405C8A23D5B}" srcOrd="0" destOrd="0" presId="urn:microsoft.com/office/officeart/2018/5/layout/IconCircleLabelList"/>
+    <dgm:cxn modelId="{184D9415-40C4-40CB-9ED1-A415AF04C266}" srcId="{3F62CB2B-86B5-4A75-B09E-DA5F2AEE559B}" destId="{6BCBF765-979F-455E-AF25-8F6439A65E49}" srcOrd="2" destOrd="0" parTransId="{50A4B6DD-4D21-4AF8-8995-A33D46C1E250}" sibTransId="{88C38DE3-3FBC-415A-A386-3A519AC1271E}"/>
+    <dgm:cxn modelId="{84A49C2C-4429-49F7-98C6-D03E55FD26A1}" srcId="{3F62CB2B-86B5-4A75-B09E-DA5F2AEE559B}" destId="{4D53641A-4967-4596-AA22-4137B0889F9F}" srcOrd="4" destOrd="0" parTransId="{8F22D27F-7AAC-47EC-870E-A9345BD4243B}" sibTransId="{6BD18A32-0C19-44A8-A78C-DD7BC3EF8243}"/>
+    <dgm:cxn modelId="{6E5BC35D-C382-4E1D-9A43-ADC291806D0A}" srcId="{3F62CB2B-86B5-4A75-B09E-DA5F2AEE559B}" destId="{02AB31F6-4AE7-4A34-8AB7-C5C096289FD7}" srcOrd="1" destOrd="0" parTransId="{D5FAA0E4-0F22-40E0-BFB3-4A0890FAB86B}" sibTransId="{18F088C3-8A41-4377-AB74-0D07C563F48F}"/>
+    <dgm:cxn modelId="{9CECB866-687E-4C17-9529-CAEC72B83F2D}" type="presOf" srcId="{DF04B189-FB02-4557-B5A8-2E970FAFEE84}" destId="{DD4A53BC-4B82-4E28-A029-4B65D6C6EC04}" srcOrd="0" destOrd="0" presId="urn:microsoft.com/office/officeart/2018/5/layout/IconCircleLabelList"/>
+    <dgm:cxn modelId="{D9C3D366-3A92-4CE3-AF5A-A9FBB01CAF1B}" srcId="{3F62CB2B-86B5-4A75-B09E-DA5F2AEE559B}" destId="{DF04B189-FB02-4557-B5A8-2E970FAFEE84}" srcOrd="3" destOrd="0" parTransId="{1C35B5BF-0A8E-48D7-B09A-42DEB7CBB3A6}" sibTransId="{64007A45-70B1-42FD-A2E8-565596684AD2}"/>
+    <dgm:cxn modelId="{B6A69852-5050-40E2-A4F0-8ADC5B0082CF}" type="presOf" srcId="{4D53641A-4967-4596-AA22-4137B0889F9F}" destId="{6E80931A-5D38-4BE6-9274-58A977F2BCAE}" srcOrd="0" destOrd="0" presId="urn:microsoft.com/office/officeart/2018/5/layout/IconCircleLabelList"/>
+    <dgm:cxn modelId="{E6F3587A-91F0-4F58-8E3C-4575DD2FD8C8}" type="presOf" srcId="{980B32DC-409F-4EFC-9E61-2B5F91BF3C92}" destId="{2EF842C3-61F8-41E1-9CCE-EBB88BA84952}" srcOrd="0" destOrd="0" presId="urn:microsoft.com/office/officeart/2018/5/layout/IconCircleLabelList"/>
+    <dgm:cxn modelId="{31524390-EA3E-4FF0-AEF7-667D3AA83094}" type="presOf" srcId="{6BCBF765-979F-455E-AF25-8F6439A65E49}" destId="{98254A95-E2F8-44B9-AA27-3591CDEA408B}" srcOrd="0" destOrd="0" presId="urn:microsoft.com/office/officeart/2018/5/layout/IconCircleLabelList"/>
+    <dgm:cxn modelId="{3232F0EA-9138-45C9-81BB-F4374138E677}" srcId="{3F62CB2B-86B5-4A75-B09E-DA5F2AEE559B}" destId="{980B32DC-409F-4EFC-9E61-2B5F91BF3C92}" srcOrd="0" destOrd="0" parTransId="{423DEF1A-7800-456F-A0F1-F047F3804C4E}" sibTransId="{4650A306-EB81-4E82-8C5E-2BDB73C9EBCA}"/>
+    <dgm:cxn modelId="{4C5FE03C-CD76-4FC6-870C-8EFC5ACAF531}" type="presParOf" srcId="{E73C5AF3-FD28-4AD4-B37D-7274E73BAD64}" destId="{ED99D1B8-3C31-4C25-809E-4E05FAF0E0E6}" srcOrd="0" destOrd="0" presId="urn:microsoft.com/office/officeart/2018/5/layout/IconCircleLabelList"/>
+    <dgm:cxn modelId="{98363FBD-4304-489D-BDD7-79E25C7E1238}" type="presParOf" srcId="{ED99D1B8-3C31-4C25-809E-4E05FAF0E0E6}" destId="{2A8B2EAA-78B7-4343-AFA3-6A5E4BCCFE21}" srcOrd="0" destOrd="0" presId="urn:microsoft.com/office/officeart/2018/5/layout/IconCircleLabelList"/>
+    <dgm:cxn modelId="{5C7083B2-F37D-4726-A7E2-631E3A74F239}" type="presParOf" srcId="{ED99D1B8-3C31-4C25-809E-4E05FAF0E0E6}" destId="{8F8FC0DC-344A-4969-B745-DDBC3330F5B6}" srcOrd="1" destOrd="0" presId="urn:microsoft.com/office/officeart/2018/5/layout/IconCircleLabelList"/>
+    <dgm:cxn modelId="{73406226-87E6-4011-ADFD-F5B64B9B5E2C}" type="presParOf" srcId="{ED99D1B8-3C31-4C25-809E-4E05FAF0E0E6}" destId="{FC941006-8F43-4C6E-81C1-CE70AED87F28}" srcOrd="2" destOrd="0" presId="urn:microsoft.com/office/officeart/2018/5/layout/IconCircleLabelList"/>
+    <dgm:cxn modelId="{34D21150-E194-419F-B1FB-45127C119042}" type="presParOf" srcId="{ED99D1B8-3C31-4C25-809E-4E05FAF0E0E6}" destId="{2EF842C3-61F8-41E1-9CCE-EBB88BA84952}" srcOrd="3" destOrd="0" presId="urn:microsoft.com/office/officeart/2018/5/layout/IconCircleLabelList"/>
+    <dgm:cxn modelId="{C3A2D063-FFF4-48E5-932B-6EB0C822E8FB}" type="presParOf" srcId="{E73C5AF3-FD28-4AD4-B37D-7274E73BAD64}" destId="{4C32DA41-A4B6-4A38-80BA-27CC740617DF}" srcOrd="1" destOrd="0" presId="urn:microsoft.com/office/officeart/2018/5/layout/IconCircleLabelList"/>
+    <dgm:cxn modelId="{0D09EE62-9498-4286-BCED-A4EB92531749}" type="presParOf" srcId="{E73C5AF3-FD28-4AD4-B37D-7274E73BAD64}" destId="{5CE5F51C-44A2-4B93-A4E8-AA515E8AFE46}" srcOrd="2" destOrd="0" presId="urn:microsoft.com/office/officeart/2018/5/layout/IconCircleLabelList"/>
+    <dgm:cxn modelId="{1C73E366-750F-4948-B533-A66955745D6C}" type="presParOf" srcId="{5CE5F51C-44A2-4B93-A4E8-AA515E8AFE46}" destId="{D3C6C9F7-4B64-4CB5-821A-744E212F5D90}" srcOrd="0" destOrd="0" presId="urn:microsoft.com/office/officeart/2018/5/layout/IconCircleLabelList"/>
+    <dgm:cxn modelId="{962B64F2-50E8-42B6-9879-B7679E75F567}" type="presParOf" srcId="{5CE5F51C-44A2-4B93-A4E8-AA515E8AFE46}" destId="{E1667E0B-97C1-4F75-83CD-4DA836FE8E3C}" srcOrd="1" destOrd="0" presId="urn:microsoft.com/office/officeart/2018/5/layout/IconCircleLabelList"/>
+    <dgm:cxn modelId="{414F95C9-282D-473A-BDA8-17ED72A56A16}" type="presParOf" srcId="{5CE5F51C-44A2-4B93-A4E8-AA515E8AFE46}" destId="{655D7BE5-6320-4612-A664-6DE279331BCC}" srcOrd="2" destOrd="0" presId="urn:microsoft.com/office/officeart/2018/5/layout/IconCircleLabelList"/>
+    <dgm:cxn modelId="{E5323ACF-8013-485D-8242-C855C600852E}" type="presParOf" srcId="{5CE5F51C-44A2-4B93-A4E8-AA515E8AFE46}" destId="{EB916BA4-841F-4688-82E7-2405C8A23D5B}" srcOrd="3" destOrd="0" presId="urn:microsoft.com/office/officeart/2018/5/layout/IconCircleLabelList"/>
+    <dgm:cxn modelId="{50FD8CFE-F541-48FE-969C-04861C6095AD}" type="presParOf" srcId="{E73C5AF3-FD28-4AD4-B37D-7274E73BAD64}" destId="{2B3B66D3-1A84-4235-9693-CAE10193905C}" srcOrd="3" destOrd="0" presId="urn:microsoft.com/office/officeart/2018/5/layout/IconCircleLabelList"/>
+    <dgm:cxn modelId="{11204E8B-1C06-47A7-97D4-F1EEF130469A}" type="presParOf" srcId="{E73C5AF3-FD28-4AD4-B37D-7274E73BAD64}" destId="{16715137-3A47-4DC6-9DB6-3738878D3F5E}" srcOrd="4" destOrd="0" presId="urn:microsoft.com/office/officeart/2018/5/layout/IconCircleLabelList"/>
+    <dgm:cxn modelId="{04B56FBB-C73D-4F52-9952-F06603F2D364}" type="presParOf" srcId="{16715137-3A47-4DC6-9DB6-3738878D3F5E}" destId="{3E9BA13C-85DB-4C23-8144-3ACD4B08FBBF}" srcOrd="0" destOrd="0" presId="urn:microsoft.com/office/officeart/2018/5/layout/IconCircleLabelList"/>
+    <dgm:cxn modelId="{3CDE6400-8B1A-4DFB-9472-D8071E586206}" type="presParOf" srcId="{16715137-3A47-4DC6-9DB6-3738878D3F5E}" destId="{4A5CFC44-73AE-466D-A57E-AA6D58C0EE47}" srcOrd="1" destOrd="0" presId="urn:microsoft.com/office/officeart/2018/5/layout/IconCircleLabelList"/>
+    <dgm:cxn modelId="{57E8910A-28EF-49A9-8FDE-469A36C42315}" type="presParOf" srcId="{16715137-3A47-4DC6-9DB6-3738878D3F5E}" destId="{4EC1B19D-0833-406A-A9BE-E8DA32B4935A}" srcOrd="2" destOrd="0" presId="urn:microsoft.com/office/officeart/2018/5/layout/IconCircleLabelList"/>
+    <dgm:cxn modelId="{1D2066E4-9F01-4DA5-AEBA-BE8DF19DFD7D}" type="presParOf" srcId="{16715137-3A47-4DC6-9DB6-3738878D3F5E}" destId="{98254A95-E2F8-44B9-AA27-3591CDEA408B}" srcOrd="3" destOrd="0" presId="urn:microsoft.com/office/officeart/2018/5/layout/IconCircleLabelList"/>
+    <dgm:cxn modelId="{AC77E284-AF36-416C-9365-AC3E97DA5B48}" type="presParOf" srcId="{E73C5AF3-FD28-4AD4-B37D-7274E73BAD64}" destId="{67E6E960-611A-41C3-9145-72C1666CB26E}" srcOrd="5" destOrd="0" presId="urn:microsoft.com/office/officeart/2018/5/layout/IconCircleLabelList"/>
+    <dgm:cxn modelId="{14FE52F3-07F8-4FF5-BB15-BB7732ACDC73}" type="presParOf" srcId="{E73C5AF3-FD28-4AD4-B37D-7274E73BAD64}" destId="{1F433553-7517-4787-A543-91D98D0B103D}" srcOrd="6" destOrd="0" presId="urn:microsoft.com/office/officeart/2018/5/layout/IconCircleLabelList"/>
+    <dgm:cxn modelId="{86FBCAEC-DED7-4BB8-AFF6-E2CA7D1CF875}" type="presParOf" srcId="{1F433553-7517-4787-A543-91D98D0B103D}" destId="{08E0D134-BFE8-4AD4-846F-A4B85D2D3C0D}" srcOrd="0" destOrd="0" presId="urn:microsoft.com/office/officeart/2018/5/layout/IconCircleLabelList"/>
+    <dgm:cxn modelId="{56C04FD1-FC98-46AA-99F2-207164D84724}" type="presParOf" srcId="{1F433553-7517-4787-A543-91D98D0B103D}" destId="{6986210B-6F0C-4F8D-9B6C-5FD97295DADA}" srcOrd="1" destOrd="0" presId="urn:microsoft.com/office/officeart/2018/5/layout/IconCircleLabelList"/>
+    <dgm:cxn modelId="{892999E3-85DC-4428-B3C4-4F1C3CE94C73}" type="presParOf" srcId="{1F433553-7517-4787-A543-91D98D0B103D}" destId="{6D13C264-7342-4163-9B3A-A4006D3974A1}" srcOrd="2" destOrd="0" presId="urn:microsoft.com/office/officeart/2018/5/layout/IconCircleLabelList"/>
+    <dgm:cxn modelId="{74185C41-2566-454D-A89A-67BAE000C1D2}" type="presParOf" srcId="{1F433553-7517-4787-A543-91D98D0B103D}" destId="{DD4A53BC-4B82-4E28-A029-4B65D6C6EC04}" srcOrd="3" destOrd="0" presId="urn:microsoft.com/office/officeart/2018/5/layout/IconCircleLabelList"/>
+    <dgm:cxn modelId="{BD3FCE09-80B4-4E36-BAE9-0F15AEE1B5E3}" type="presParOf" srcId="{E73C5AF3-FD28-4AD4-B37D-7274E73BAD64}" destId="{B7957C38-D380-4E43-AA81-08A9471943A5}" srcOrd="7" destOrd="0" presId="urn:microsoft.com/office/officeart/2018/5/layout/IconCircleLabelList"/>
+    <dgm:cxn modelId="{B4F963F0-20BC-4FE3-B5F9-3A44C813AA6C}" type="presParOf" srcId="{E73C5AF3-FD28-4AD4-B37D-7274E73BAD64}" destId="{C3776E25-0123-493F-AA88-D4E7002AA111}" srcOrd="8" destOrd="0" presId="urn:microsoft.com/office/officeart/2018/5/layout/IconCircleLabelList"/>
+    <dgm:cxn modelId="{59E291C6-BDEE-4E3F-9F9F-2BE07CBFA0C8}" type="presParOf" srcId="{C3776E25-0123-493F-AA88-D4E7002AA111}" destId="{1BD8D85F-8E09-4F90-AF91-6AB3AE3E804C}" srcOrd="0" destOrd="0" presId="urn:microsoft.com/office/officeart/2018/5/layout/IconCircleLabelList"/>
+    <dgm:cxn modelId="{BB626352-CB03-4952-9F5F-914D39C64897}" type="presParOf" srcId="{C3776E25-0123-493F-AA88-D4E7002AA111}" destId="{4389CBF8-4793-45A2-A862-AA0712ED3965}" srcOrd="1" destOrd="0" presId="urn:microsoft.com/office/officeart/2018/5/layout/IconCircleLabelList"/>
+    <dgm:cxn modelId="{FA605C9B-EE8B-4EF0-856A-B6297F0665D0}" type="presParOf" srcId="{C3776E25-0123-493F-AA88-D4E7002AA111}" destId="{9D824391-F726-4BF4-83BD-BF0ACEDEF504}" srcOrd="2" destOrd="0" presId="urn:microsoft.com/office/officeart/2018/5/layout/IconCircleLabelList"/>
+    <dgm:cxn modelId="{7AFACE09-FDA6-4F94-A7EF-0C6F2A5F3923}" type="presParOf" srcId="{C3776E25-0123-493F-AA88-D4E7002AA111}" destId="{6E80931A-5D38-4BE6-9274-58A977F2BCAE}" srcOrd="3" destOrd="0" presId="urn:microsoft.com/office/officeart/2018/5/layout/IconCircleLabelList"/>
+  </dgm:cxnLst>
+  <dgm:bg/>
+  <dgm:whole/>
+  <dgm:extLst>
+    <a:ext uri="http://schemas.microsoft.com/office/drawing/2008/diagram">
+      <dsp:dataModelExt xmlns:dsp="http://schemas.microsoft.com/office/drawing/2008/diagram" relId="rId6" minVer="http://schemas.openxmlformats.org/drawingml/2006/diagram"/>
+    </a:ext>
+  </dgm:extLst>
+</dgm:dataModel>
+</file>
+
+<file path=ppt/diagrams/drawing1.xml><?xml version="1.0" encoding="utf-8"?>
+<dsp:drawing xmlns:dgm="http://schemas.openxmlformats.org/drawingml/2006/diagram" xmlns:dsp="http://schemas.microsoft.com/office/drawing/2008/diagram" xmlns:a="http://schemas.openxmlformats.org/drawingml/2006/main">
+  <dsp:spTree>
+    <dsp:nvGrpSpPr>
+      <dsp:cNvPr id="0" name=""/>
+      <dsp:cNvGrpSpPr/>
+    </dsp:nvGrpSpPr>
+    <dsp:grpSpPr/>
+    <dsp:sp modelId="{2A8B2EAA-78B7-4343-AFA3-6A5E4BCCFE21}">
+      <dsp:nvSpPr>
+        <dsp:cNvPr id="0" name=""/>
+        <dsp:cNvSpPr/>
+      </dsp:nvSpPr>
+      <dsp:spPr>
+        <a:xfrm>
+          <a:off x="684914" y="1016402"/>
+          <a:ext cx="1098000" cy="1098000"/>
+        </a:xfrm>
+        <a:prstGeom prst="ellipse">
+          <a:avLst/>
+        </a:prstGeom>
+        <a:solidFill>
+          <a:schemeClr val="bg1">
+            <a:lumMod val="95000"/>
+            <a:hueOff val="0"/>
+            <a:satOff val="0"/>
+            <a:lumOff val="0"/>
+            <a:alphaOff val="0"/>
+          </a:schemeClr>
+        </a:solidFill>
+        <a:ln>
+          <a:noFill/>
+        </a:ln>
+        <a:effectLst/>
+      </dsp:spPr>
+      <dsp:style>
+        <a:lnRef idx="0">
+          <a:scrgbClr r="0" g="0" b="0"/>
+        </a:lnRef>
+        <a:fillRef idx="1">
+          <a:scrgbClr r="0" g="0" b="0"/>
+        </a:fillRef>
+        <a:effectRef idx="0">
+          <a:scrgbClr r="0" g="0" b="0"/>
+        </a:effectRef>
+        <a:fontRef idx="minor"/>
+      </dsp:style>
+    </dsp:sp>
+    <dsp:sp modelId="{8F8FC0DC-344A-4969-B745-DDBC3330F5B6}">
+      <dsp:nvSpPr>
+        <dsp:cNvPr id="0" name=""/>
+        <dsp:cNvSpPr/>
+      </dsp:nvSpPr>
+      <dsp:spPr>
+        <a:xfrm>
+          <a:off x="918914" y="1250402"/>
+          <a:ext cx="630000" cy="630000"/>
+        </a:xfrm>
+        <a:prstGeom prst="rect">
+          <a:avLst/>
+        </a:prstGeom>
+        <a:blipFill>
+          <a:blip xmlns:r="http://schemas.openxmlformats.org/officeDocument/2006/relationships" r:embed="rId1">
+            <a:extLst>
+              <a:ext uri="{28A0092B-C50C-407E-A947-70E740481C1C}">
+                <a14:useLocalDpi xmlns:a14="http://schemas.microsoft.com/office/drawing/2010/main" val="0"/>
+              </a:ext>
+              <a:ext uri="{96DAC541-7B7A-43D3-8B79-37D633B846F1}">
+                <asvg:svgBlip xmlns:asvg="http://schemas.microsoft.com/office/drawing/2016/SVG/main" r:embed="rId2"/>
+              </a:ext>
+            </a:extLst>
+          </a:blip>
+          <a:stretch>
+            <a:fillRect/>
+          </a:stretch>
+        </a:blipFill>
+        <a:ln w="19050" cap="flat" cmpd="sng" algn="ctr">
+          <a:noFill/>
+          <a:prstDash val="solid"/>
+          <a:miter lim="800000"/>
+        </a:ln>
+        <a:effectLst/>
+      </dsp:spPr>
+      <dsp:style>
+        <a:lnRef idx="2">
+          <a:scrgbClr r="0" g="0" b="0"/>
+        </a:lnRef>
+        <a:fillRef idx="1">
+          <a:scrgbClr r="0" g="0" b="0"/>
+        </a:fillRef>
+        <a:effectRef idx="0">
+          <a:scrgbClr r="0" g="0" b="0"/>
+        </a:effectRef>
+        <a:fontRef idx="minor">
+          <a:schemeClr val="lt1"/>
+        </a:fontRef>
+      </dsp:style>
+    </dsp:sp>
+    <dsp:sp modelId="{2EF842C3-61F8-41E1-9CCE-EBB88BA84952}">
+      <dsp:nvSpPr>
+        <dsp:cNvPr id="0" name=""/>
+        <dsp:cNvSpPr/>
+      </dsp:nvSpPr>
+      <dsp:spPr>
+        <a:xfrm>
+          <a:off x="333914" y="2456402"/>
+          <a:ext cx="1800000" cy="720000"/>
+        </a:xfrm>
+        <a:prstGeom prst="rect">
+          <a:avLst/>
+        </a:prstGeom>
+        <a:noFill/>
+        <a:ln>
+          <a:noFill/>
+        </a:ln>
+        <a:effectLst/>
+      </dsp:spPr>
+      <dsp:style>
+        <a:lnRef idx="0">
+          <a:scrgbClr r="0" g="0" b="0"/>
+        </a:lnRef>
+        <a:fillRef idx="0">
+          <a:scrgbClr r="0" g="0" b="0"/>
+        </a:fillRef>
+        <a:effectRef idx="0">
+          <a:scrgbClr r="0" g="0" b="0"/>
+        </a:effectRef>
+        <a:fontRef idx="minor"/>
+      </dsp:style>
+      <dsp:txBody>
+        <a:bodyPr spcFirstLastPara="0" vert="horz" wrap="square" lIns="0" tIns="0" rIns="0" bIns="0" numCol="1" spcCol="1270" anchor="t" anchorCtr="0">
+          <a:noAutofit/>
+        </a:bodyPr>
+        <a:lstStyle/>
+        <a:p>
+          <a:pPr marL="0" lvl="0" indent="0" algn="ctr" defTabSz="577850">
+            <a:lnSpc>
+              <a:spcPct val="90000"/>
+            </a:lnSpc>
+            <a:spcBef>
+              <a:spcPct val="0"/>
+            </a:spcBef>
+            <a:spcAft>
+              <a:spcPct val="35000"/>
+            </a:spcAft>
+            <a:buNone/>
+            <a:defRPr cap="all"/>
+          </a:pPr>
+          <a:r>
+            <a:rPr lang="en-GB" sz="1300" kern="1200"/>
+            <a:t>Project is using Java as its game engine</a:t>
+          </a:r>
+          <a:endParaRPr lang="en-US" sz="1300" kern="1200"/>
+        </a:p>
+      </dsp:txBody>
+      <dsp:txXfrm>
+        <a:off x="333914" y="2456402"/>
+        <a:ext cx="1800000" cy="720000"/>
+      </dsp:txXfrm>
+    </dsp:sp>
+    <dsp:sp modelId="{D3C6C9F7-4B64-4CB5-821A-744E212F5D90}">
+      <dsp:nvSpPr>
+        <dsp:cNvPr id="0" name=""/>
+        <dsp:cNvSpPr/>
+      </dsp:nvSpPr>
+      <dsp:spPr>
+        <a:xfrm>
+          <a:off x="2799914" y="1016402"/>
+          <a:ext cx="1098000" cy="1098000"/>
+        </a:xfrm>
+        <a:prstGeom prst="ellipse">
+          <a:avLst/>
+        </a:prstGeom>
+        <a:solidFill>
+          <a:schemeClr val="bg1">
+            <a:lumMod val="95000"/>
+            <a:hueOff val="0"/>
+            <a:satOff val="0"/>
+            <a:lumOff val="0"/>
+            <a:alphaOff val="0"/>
+          </a:schemeClr>
+        </a:solidFill>
+        <a:ln>
+          <a:noFill/>
+        </a:ln>
+        <a:effectLst/>
+      </dsp:spPr>
+      <dsp:style>
+        <a:lnRef idx="0">
+          <a:scrgbClr r="0" g="0" b="0"/>
+        </a:lnRef>
+        <a:fillRef idx="1">
+          <a:scrgbClr r="0" g="0" b="0"/>
+        </a:fillRef>
+        <a:effectRef idx="0">
+          <a:scrgbClr r="0" g="0" b="0"/>
+        </a:effectRef>
+        <a:fontRef idx="minor"/>
+      </dsp:style>
+    </dsp:sp>
+    <dsp:sp modelId="{E1667E0B-97C1-4F75-83CD-4DA836FE8E3C}">
+      <dsp:nvSpPr>
+        <dsp:cNvPr id="0" name=""/>
+        <dsp:cNvSpPr/>
+      </dsp:nvSpPr>
+      <dsp:spPr>
+        <a:xfrm>
+          <a:off x="3033914" y="1250402"/>
+          <a:ext cx="630000" cy="630000"/>
+        </a:xfrm>
+        <a:prstGeom prst="rect">
+          <a:avLst/>
+        </a:prstGeom>
+        <a:blipFill>
+          <a:blip xmlns:r="http://schemas.openxmlformats.org/officeDocument/2006/relationships" r:embed="rId3">
+            <a:extLst>
+              <a:ext uri="{28A0092B-C50C-407E-A947-70E740481C1C}">
+                <a14:useLocalDpi xmlns:a14="http://schemas.microsoft.com/office/drawing/2010/main" val="0"/>
+              </a:ext>
+              <a:ext uri="{96DAC541-7B7A-43D3-8B79-37D633B846F1}">
+                <asvg:svgBlip xmlns:asvg="http://schemas.microsoft.com/office/drawing/2016/SVG/main" r:embed="rId4"/>
+              </a:ext>
+            </a:extLst>
+          </a:blip>
+          <a:stretch>
+            <a:fillRect/>
+          </a:stretch>
+        </a:blipFill>
+        <a:ln w="19050" cap="flat" cmpd="sng" algn="ctr">
+          <a:noFill/>
+          <a:prstDash val="solid"/>
+          <a:miter lim="800000"/>
+        </a:ln>
+        <a:effectLst/>
+      </dsp:spPr>
+      <dsp:style>
+        <a:lnRef idx="2">
+          <a:scrgbClr r="0" g="0" b="0"/>
+        </a:lnRef>
+        <a:fillRef idx="1">
+          <a:scrgbClr r="0" g="0" b="0"/>
+        </a:fillRef>
+        <a:effectRef idx="0">
+          <a:scrgbClr r="0" g="0" b="0"/>
+        </a:effectRef>
+        <a:fontRef idx="minor">
+          <a:schemeClr val="lt1"/>
+        </a:fontRef>
+      </dsp:style>
+    </dsp:sp>
+    <dsp:sp modelId="{EB916BA4-841F-4688-82E7-2405C8A23D5B}">
+      <dsp:nvSpPr>
+        <dsp:cNvPr id="0" name=""/>
+        <dsp:cNvSpPr/>
+      </dsp:nvSpPr>
+      <dsp:spPr>
+        <a:xfrm>
+          <a:off x="2448914" y="2456402"/>
+          <a:ext cx="1800000" cy="720000"/>
+        </a:xfrm>
+        <a:prstGeom prst="rect">
+          <a:avLst/>
+        </a:prstGeom>
+        <a:noFill/>
+        <a:ln>
+          <a:noFill/>
+        </a:ln>
+        <a:effectLst/>
+      </dsp:spPr>
+      <dsp:style>
+        <a:lnRef idx="0">
+          <a:scrgbClr r="0" g="0" b="0"/>
+        </a:lnRef>
+        <a:fillRef idx="0">
+          <a:scrgbClr r="0" g="0" b="0"/>
+        </a:fillRef>
+        <a:effectRef idx="0">
+          <a:scrgbClr r="0" g="0" b="0"/>
+        </a:effectRef>
+        <a:fontRef idx="minor"/>
+      </dsp:style>
+      <dsp:txBody>
+        <a:bodyPr spcFirstLastPara="0" vert="horz" wrap="square" lIns="0" tIns="0" rIns="0" bIns="0" numCol="1" spcCol="1270" anchor="t" anchorCtr="0">
+          <a:noAutofit/>
+        </a:bodyPr>
+        <a:lstStyle/>
+        <a:p>
+          <a:pPr marL="0" lvl="0" indent="0" algn="ctr" defTabSz="577850">
+            <a:lnSpc>
+              <a:spcPct val="90000"/>
+            </a:lnSpc>
+            <a:spcBef>
+              <a:spcPct val="0"/>
+            </a:spcBef>
+            <a:spcAft>
+              <a:spcPct val="35000"/>
+            </a:spcAft>
+            <a:buNone/>
+            <a:defRPr cap="all"/>
+          </a:pPr>
+          <a:r>
+            <a:rPr lang="en-GB" sz="1300" kern="1200"/>
+            <a:t>JavaFX framework to create graphical components</a:t>
+          </a:r>
+          <a:endParaRPr lang="en-US" sz="1300" kern="1200"/>
+        </a:p>
+      </dsp:txBody>
+      <dsp:txXfrm>
+        <a:off x="2448914" y="2456402"/>
+        <a:ext cx="1800000" cy="720000"/>
+      </dsp:txXfrm>
+    </dsp:sp>
+    <dsp:sp modelId="{3E9BA13C-85DB-4C23-8144-3ACD4B08FBBF}">
+      <dsp:nvSpPr>
+        <dsp:cNvPr id="0" name=""/>
+        <dsp:cNvSpPr/>
+      </dsp:nvSpPr>
+      <dsp:spPr>
+        <a:xfrm>
+          <a:off x="4914914" y="1016402"/>
+          <a:ext cx="1098000" cy="1098000"/>
+        </a:xfrm>
+        <a:prstGeom prst="ellipse">
+          <a:avLst/>
+        </a:prstGeom>
+        <a:solidFill>
+          <a:schemeClr val="bg1">
+            <a:lumMod val="95000"/>
+            <a:hueOff val="0"/>
+            <a:satOff val="0"/>
+            <a:lumOff val="0"/>
+            <a:alphaOff val="0"/>
+          </a:schemeClr>
+        </a:solidFill>
+        <a:ln>
+          <a:noFill/>
+        </a:ln>
+        <a:effectLst/>
+      </dsp:spPr>
+      <dsp:style>
+        <a:lnRef idx="0">
+          <a:scrgbClr r="0" g="0" b="0"/>
+        </a:lnRef>
+        <a:fillRef idx="1">
+          <a:scrgbClr r="0" g="0" b="0"/>
+        </a:fillRef>
+        <a:effectRef idx="0">
+          <a:scrgbClr r="0" g="0" b="0"/>
+        </a:effectRef>
+        <a:fontRef idx="minor"/>
+      </dsp:style>
+    </dsp:sp>
+    <dsp:sp modelId="{4A5CFC44-73AE-466D-A57E-AA6D58C0EE47}">
+      <dsp:nvSpPr>
+        <dsp:cNvPr id="0" name=""/>
+        <dsp:cNvSpPr/>
+      </dsp:nvSpPr>
+      <dsp:spPr>
+        <a:xfrm>
+          <a:off x="5148914" y="1250402"/>
+          <a:ext cx="630000" cy="630000"/>
+        </a:xfrm>
+        <a:prstGeom prst="rect">
+          <a:avLst/>
+        </a:prstGeom>
+        <a:blipFill>
+          <a:blip xmlns:r="http://schemas.openxmlformats.org/officeDocument/2006/relationships" r:embed="rId5">
+            <a:extLst>
+              <a:ext uri="{28A0092B-C50C-407E-A947-70E740481C1C}">
+                <a14:useLocalDpi xmlns:a14="http://schemas.microsoft.com/office/drawing/2010/main" val="0"/>
+              </a:ext>
+              <a:ext uri="{96DAC541-7B7A-43D3-8B79-37D633B846F1}">
+                <asvg:svgBlip xmlns:asvg="http://schemas.microsoft.com/office/drawing/2016/SVG/main" r:embed="rId6"/>
+              </a:ext>
+            </a:extLst>
+          </a:blip>
+          <a:stretch>
+            <a:fillRect/>
+          </a:stretch>
+        </a:blipFill>
+        <a:ln w="19050" cap="flat" cmpd="sng" algn="ctr">
+          <a:noFill/>
+          <a:prstDash val="solid"/>
+          <a:miter lim="800000"/>
+        </a:ln>
+        <a:effectLst/>
+      </dsp:spPr>
+      <dsp:style>
+        <a:lnRef idx="2">
+          <a:scrgbClr r="0" g="0" b="0"/>
+        </a:lnRef>
+        <a:fillRef idx="1">
+          <a:scrgbClr r="0" g="0" b="0"/>
+        </a:fillRef>
+        <a:effectRef idx="0">
+          <a:scrgbClr r="0" g="0" b="0"/>
+        </a:effectRef>
+        <a:fontRef idx="minor">
+          <a:schemeClr val="lt1"/>
+        </a:fontRef>
+      </dsp:style>
+    </dsp:sp>
+    <dsp:sp modelId="{98254A95-E2F8-44B9-AA27-3591CDEA408B}">
+      <dsp:nvSpPr>
+        <dsp:cNvPr id="0" name=""/>
+        <dsp:cNvSpPr/>
+      </dsp:nvSpPr>
+      <dsp:spPr>
+        <a:xfrm>
+          <a:off x="4563914" y="2456402"/>
+          <a:ext cx="1800000" cy="720000"/>
+        </a:xfrm>
+        <a:prstGeom prst="rect">
+          <a:avLst/>
+        </a:prstGeom>
+        <a:noFill/>
+        <a:ln>
+          <a:noFill/>
+        </a:ln>
+        <a:effectLst/>
+      </dsp:spPr>
+      <dsp:style>
+        <a:lnRef idx="0">
+          <a:scrgbClr r="0" g="0" b="0"/>
+        </a:lnRef>
+        <a:fillRef idx="0">
+          <a:scrgbClr r="0" g="0" b="0"/>
+        </a:fillRef>
+        <a:effectRef idx="0">
+          <a:scrgbClr r="0" g="0" b="0"/>
+        </a:effectRef>
+        <a:fontRef idx="minor"/>
+      </dsp:style>
+      <dsp:txBody>
+        <a:bodyPr spcFirstLastPara="0" vert="horz" wrap="square" lIns="0" tIns="0" rIns="0" bIns="0" numCol="1" spcCol="1270" anchor="t" anchorCtr="0">
+          <a:noAutofit/>
+        </a:bodyPr>
+        <a:lstStyle/>
+        <a:p>
+          <a:pPr marL="0" lvl="0" indent="0" algn="ctr" defTabSz="577850">
+            <a:lnSpc>
+              <a:spcPct val="90000"/>
+            </a:lnSpc>
+            <a:spcBef>
+              <a:spcPct val="0"/>
+            </a:spcBef>
+            <a:spcAft>
+              <a:spcPct val="35000"/>
+            </a:spcAft>
+            <a:buNone/>
+            <a:defRPr cap="all"/>
+          </a:pPr>
+          <a:r>
+            <a:rPr lang="en-GB" sz="1300" kern="1200"/>
+            <a:t>Codebase and other resources are stored in GitHub</a:t>
+          </a:r>
+          <a:endParaRPr lang="en-US" sz="1300" kern="1200"/>
+        </a:p>
+      </dsp:txBody>
+      <dsp:txXfrm>
+        <a:off x="4563914" y="2456402"/>
+        <a:ext cx="1800000" cy="720000"/>
+      </dsp:txXfrm>
+    </dsp:sp>
+    <dsp:sp modelId="{08E0D134-BFE8-4AD4-846F-A4B85D2D3C0D}">
+      <dsp:nvSpPr>
+        <dsp:cNvPr id="0" name=""/>
+        <dsp:cNvSpPr/>
+      </dsp:nvSpPr>
+      <dsp:spPr>
+        <a:xfrm>
+          <a:off x="7029914" y="1016402"/>
+          <a:ext cx="1098000" cy="1098000"/>
+        </a:xfrm>
+        <a:prstGeom prst="ellipse">
+          <a:avLst/>
+        </a:prstGeom>
+        <a:solidFill>
+          <a:schemeClr val="bg1">
+            <a:lumMod val="95000"/>
+            <a:hueOff val="0"/>
+            <a:satOff val="0"/>
+            <a:lumOff val="0"/>
+            <a:alphaOff val="0"/>
+          </a:schemeClr>
+        </a:solidFill>
+        <a:ln>
+          <a:noFill/>
+        </a:ln>
+        <a:effectLst/>
+      </dsp:spPr>
+      <dsp:style>
+        <a:lnRef idx="0">
+          <a:scrgbClr r="0" g="0" b="0"/>
+        </a:lnRef>
+        <a:fillRef idx="1">
+          <a:scrgbClr r="0" g="0" b="0"/>
+        </a:fillRef>
+        <a:effectRef idx="0">
+          <a:scrgbClr r="0" g="0" b="0"/>
+        </a:effectRef>
+        <a:fontRef idx="minor"/>
+      </dsp:style>
+    </dsp:sp>
+    <dsp:sp modelId="{6986210B-6F0C-4F8D-9B6C-5FD97295DADA}">
+      <dsp:nvSpPr>
+        <dsp:cNvPr id="0" name=""/>
+        <dsp:cNvSpPr/>
+      </dsp:nvSpPr>
+      <dsp:spPr>
+        <a:xfrm>
+          <a:off x="7263914" y="1250402"/>
+          <a:ext cx="630000" cy="630000"/>
+        </a:xfrm>
+        <a:prstGeom prst="rect">
+          <a:avLst/>
+        </a:prstGeom>
+        <a:blipFill>
+          <a:blip xmlns:r="http://schemas.openxmlformats.org/officeDocument/2006/relationships" r:embed="rId7">
+            <a:extLst>
+              <a:ext uri="{28A0092B-C50C-407E-A947-70E740481C1C}">
+                <a14:useLocalDpi xmlns:a14="http://schemas.microsoft.com/office/drawing/2010/main" val="0"/>
+              </a:ext>
+              <a:ext uri="{96DAC541-7B7A-43D3-8B79-37D633B846F1}">
+                <asvg:svgBlip xmlns:asvg="http://schemas.microsoft.com/office/drawing/2016/SVG/main" r:embed="rId8"/>
+              </a:ext>
+            </a:extLst>
+          </a:blip>
+          <a:stretch>
+            <a:fillRect/>
+          </a:stretch>
+        </a:blipFill>
+        <a:ln w="19050" cap="flat" cmpd="sng" algn="ctr">
+          <a:noFill/>
+          <a:prstDash val="solid"/>
+          <a:miter lim="800000"/>
+        </a:ln>
+        <a:effectLst/>
+      </dsp:spPr>
+      <dsp:style>
+        <a:lnRef idx="2">
+          <a:scrgbClr r="0" g="0" b="0"/>
+        </a:lnRef>
+        <a:fillRef idx="1">
+          <a:scrgbClr r="0" g="0" b="0"/>
+        </a:fillRef>
+        <a:effectRef idx="0">
+          <a:scrgbClr r="0" g="0" b="0"/>
+        </a:effectRef>
+        <a:fontRef idx="minor">
+          <a:schemeClr val="lt1"/>
+        </a:fontRef>
+      </dsp:style>
+    </dsp:sp>
+    <dsp:sp modelId="{DD4A53BC-4B82-4E28-A029-4B65D6C6EC04}">
+      <dsp:nvSpPr>
+        <dsp:cNvPr id="0" name=""/>
+        <dsp:cNvSpPr/>
+      </dsp:nvSpPr>
+      <dsp:spPr>
+        <a:xfrm>
+          <a:off x="6678914" y="2456402"/>
+          <a:ext cx="1800000" cy="720000"/>
+        </a:xfrm>
+        <a:prstGeom prst="rect">
+          <a:avLst/>
+        </a:prstGeom>
+        <a:noFill/>
+        <a:ln>
+          <a:noFill/>
+        </a:ln>
+        <a:effectLst/>
+      </dsp:spPr>
+      <dsp:style>
+        <a:lnRef idx="0">
+          <a:scrgbClr r="0" g="0" b="0"/>
+        </a:lnRef>
+        <a:fillRef idx="0">
+          <a:scrgbClr r="0" g="0" b="0"/>
+        </a:fillRef>
+        <a:effectRef idx="0">
+          <a:scrgbClr r="0" g="0" b="0"/>
+        </a:effectRef>
+        <a:fontRef idx="minor"/>
+      </dsp:style>
+      <dsp:txBody>
+        <a:bodyPr spcFirstLastPara="0" vert="horz" wrap="square" lIns="0" tIns="0" rIns="0" bIns="0" numCol="1" spcCol="1270" anchor="t" anchorCtr="0">
+          <a:noAutofit/>
+        </a:bodyPr>
+        <a:lstStyle/>
+        <a:p>
+          <a:pPr marL="0" lvl="0" indent="0" algn="ctr" defTabSz="577850">
+            <a:lnSpc>
+              <a:spcPct val="90000"/>
+            </a:lnSpc>
+            <a:spcBef>
+              <a:spcPct val="0"/>
+            </a:spcBef>
+            <a:spcAft>
+              <a:spcPct val="35000"/>
+            </a:spcAft>
+            <a:buNone/>
+            <a:defRPr cap="all"/>
+          </a:pPr>
+          <a:r>
+            <a:rPr lang="en-GB" sz="1300" kern="1200"/>
+            <a:t>Git as version control system</a:t>
+          </a:r>
+          <a:endParaRPr lang="en-US" sz="1300" kern="1200"/>
+        </a:p>
+      </dsp:txBody>
+      <dsp:txXfrm>
+        <a:off x="6678914" y="2456402"/>
+        <a:ext cx="1800000" cy="720000"/>
+      </dsp:txXfrm>
+    </dsp:sp>
+    <dsp:sp modelId="{1BD8D85F-8E09-4F90-AF91-6AB3AE3E804C}">
+      <dsp:nvSpPr>
+        <dsp:cNvPr id="0" name=""/>
+        <dsp:cNvSpPr/>
+      </dsp:nvSpPr>
+      <dsp:spPr>
+        <a:xfrm>
+          <a:off x="9144914" y="1016402"/>
+          <a:ext cx="1098000" cy="1098000"/>
+        </a:xfrm>
+        <a:prstGeom prst="ellipse">
+          <a:avLst/>
+        </a:prstGeom>
+        <a:solidFill>
+          <a:schemeClr val="bg1">
+            <a:lumMod val="95000"/>
+            <a:hueOff val="0"/>
+            <a:satOff val="0"/>
+            <a:lumOff val="0"/>
+            <a:alphaOff val="0"/>
+          </a:schemeClr>
+        </a:solidFill>
+        <a:ln>
+          <a:noFill/>
+        </a:ln>
+        <a:effectLst/>
+      </dsp:spPr>
+      <dsp:style>
+        <a:lnRef idx="0">
+          <a:scrgbClr r="0" g="0" b="0"/>
+        </a:lnRef>
+        <a:fillRef idx="1">
+          <a:scrgbClr r="0" g="0" b="0"/>
+        </a:fillRef>
+        <a:effectRef idx="0">
+          <a:scrgbClr r="0" g="0" b="0"/>
+        </a:effectRef>
+        <a:fontRef idx="minor"/>
+      </dsp:style>
+    </dsp:sp>
+    <dsp:sp modelId="{4389CBF8-4793-45A2-A862-AA0712ED3965}">
+      <dsp:nvSpPr>
+        <dsp:cNvPr id="0" name=""/>
+        <dsp:cNvSpPr/>
+      </dsp:nvSpPr>
+      <dsp:spPr>
+        <a:xfrm>
+          <a:off x="9378914" y="1250402"/>
+          <a:ext cx="630000" cy="630000"/>
+        </a:xfrm>
+        <a:prstGeom prst="rect">
+          <a:avLst/>
+        </a:prstGeom>
+        <a:blipFill>
+          <a:blip xmlns:r="http://schemas.openxmlformats.org/officeDocument/2006/relationships" r:embed="rId9">
+            <a:extLst>
+              <a:ext uri="{28A0092B-C50C-407E-A947-70E740481C1C}">
+                <a14:useLocalDpi xmlns:a14="http://schemas.microsoft.com/office/drawing/2010/main" val="0"/>
+              </a:ext>
+              <a:ext uri="{96DAC541-7B7A-43D3-8B79-37D633B846F1}">
+                <asvg:svgBlip xmlns:asvg="http://schemas.microsoft.com/office/drawing/2016/SVG/main" r:embed="rId10"/>
+              </a:ext>
+            </a:extLst>
+          </a:blip>
+          <a:stretch>
+            <a:fillRect/>
+          </a:stretch>
+        </a:blipFill>
+        <a:ln w="19050" cap="flat" cmpd="sng" algn="ctr">
+          <a:noFill/>
+          <a:prstDash val="solid"/>
+          <a:miter lim="800000"/>
+        </a:ln>
+        <a:effectLst/>
+      </dsp:spPr>
+      <dsp:style>
+        <a:lnRef idx="2">
+          <a:scrgbClr r="0" g="0" b="0"/>
+        </a:lnRef>
+        <a:fillRef idx="1">
+          <a:scrgbClr r="0" g="0" b="0"/>
+        </a:fillRef>
+        <a:effectRef idx="0">
+          <a:scrgbClr r="0" g="0" b="0"/>
+        </a:effectRef>
+        <a:fontRef idx="minor">
+          <a:schemeClr val="lt1"/>
+        </a:fontRef>
+      </dsp:style>
+    </dsp:sp>
+    <dsp:sp modelId="{6E80931A-5D38-4BE6-9274-58A977F2BCAE}">
+      <dsp:nvSpPr>
+        <dsp:cNvPr id="0" name=""/>
+        <dsp:cNvSpPr/>
+      </dsp:nvSpPr>
+      <dsp:spPr>
+        <a:xfrm>
+          <a:off x="8793914" y="2456402"/>
+          <a:ext cx="1800000" cy="720000"/>
+        </a:xfrm>
+        <a:prstGeom prst="rect">
+          <a:avLst/>
+        </a:prstGeom>
+        <a:noFill/>
+        <a:ln>
+          <a:noFill/>
+        </a:ln>
+        <a:effectLst/>
+      </dsp:spPr>
+      <dsp:style>
+        <a:lnRef idx="0">
+          <a:scrgbClr r="0" g="0" b="0"/>
+        </a:lnRef>
+        <a:fillRef idx="0">
+          <a:scrgbClr r="0" g="0" b="0"/>
+        </a:fillRef>
+        <a:effectRef idx="0">
+          <a:scrgbClr r="0" g="0" b="0"/>
+        </a:effectRef>
+        <a:fontRef idx="minor"/>
+      </dsp:style>
+      <dsp:txBody>
+        <a:bodyPr spcFirstLastPara="0" vert="horz" wrap="square" lIns="0" tIns="0" rIns="0" bIns="0" numCol="1" spcCol="1270" anchor="t" anchorCtr="0">
+          <a:noAutofit/>
+        </a:bodyPr>
+        <a:lstStyle/>
+        <a:p>
+          <a:pPr marL="0" lvl="0" indent="0" algn="ctr" defTabSz="577850">
+            <a:lnSpc>
+              <a:spcPct val="90000"/>
+            </a:lnSpc>
+            <a:spcBef>
+              <a:spcPct val="0"/>
+            </a:spcBef>
+            <a:spcAft>
+              <a:spcPct val="35000"/>
+            </a:spcAft>
+            <a:buNone/>
+            <a:defRPr cap="all"/>
+          </a:pPr>
+          <a:r>
+            <a:rPr lang="fi-FI" sz="1300" kern="1200"/>
+            <a:t>Graphical elements were created in Photoshop</a:t>
+          </a:r>
+          <a:endParaRPr lang="en-US" sz="1300" kern="1200"/>
+        </a:p>
+      </dsp:txBody>
+      <dsp:txXfrm>
+        <a:off x="8793914" y="2456402"/>
+        <a:ext cx="1800000" cy="720000"/>
+      </dsp:txXfrm>
+    </dsp:sp>
+  </dsp:spTree>
+</dsp:drawing>
+</file>
+
+<file path=ppt/diagrams/layout1.xml><?xml version="1.0" encoding="utf-8"?>
+<dgm:layoutDef xmlns:dgm="http://schemas.openxmlformats.org/drawingml/2006/diagram" xmlns:a="http://schemas.openxmlformats.org/drawingml/2006/main" uniqueId="urn:microsoft.com/office/officeart/2018/5/layout/IconCircleLabelList">
+  <dgm:title val="Icon Circle Label List"/>
+  <dgm:desc val="Use to show non-sequential or grouped chunks of information accompanied by a related visuals. Works best with icons or small pictures with short text captions."/>
+  <dgm:catLst>
+    <dgm:cat type="icon" pri="500"/>
+  </dgm:catLst>
+  <dgm:sampData useDef="1">
+    <dgm:dataModel>
+      <dgm:ptLst/>
+      <dgm:bg/>
+      <dgm:whole/>
+    </dgm:dataModel>
+  </dgm:sampData>
+  <dgm:styleData useDef="1">
+    <dgm:dataModel>
+      <dgm:ptLst/>
+      <dgm:bg/>
+      <dgm:whole/>
+    </dgm:dataModel>
+  </dgm:styleData>
+  <dgm:clrData useDef="1">
+    <dgm:dataModel>
+      <dgm:ptLst/>
+      <dgm:bg/>
+      <dgm:whole/>
+    </dgm:dataModel>
+  </dgm:clrData>
+  <dgm:layoutNode name="root">
+    <dgm:varLst>
+      <dgm:dir/>
+      <dgm:resizeHandles val="exact"/>
+    </dgm:varLst>
+    <dgm:choose name="Name0">
+      <dgm:if name="Name1" axis="self" func="var" arg="dir" op="equ" val="norm">
+        <dgm:alg type="snake">
+          <dgm:param type="grDir" val="tL"/>
+          <dgm:param type="flowDir" val="row"/>
+          <dgm:param type="contDir" val="sameDir"/>
+          <dgm:param type="off" val="ctr"/>
+          <dgm:param type="vertAlign" val="mid"/>
+          <dgm:param type="horzAlign" val="ctr"/>
+        </dgm:alg>
+      </dgm:if>
+      <dgm:else name="Name2">
+        <dgm:alg type="snake">
+          <dgm:param type="grDir" val="tR"/>
+          <dgm:param type="flowDir" val="row"/>
+          <dgm:param type="contDir" val="sameDir"/>
+          <dgm:param type="off" val="ctr"/>
+          <dgm:param type="vertAlign" val="mid"/>
+          <dgm:param type="horzAlign" val="ctr"/>
+        </dgm:alg>
+      </dgm:else>
+    </dgm:choose>
+    <dgm:shape xmlns:r="http://schemas.openxmlformats.org/officeDocument/2006/relationships" r:blip="">
+      <dgm:adjLst/>
+    </dgm:shape>
+    <dgm:presOf/>
+    <dgm:choose name="Name3">
+      <dgm:if name="Name4" axis="ch" ptType="node" func="cnt" op="lte" val="2">
+        <dgm:constrLst>
+          <dgm:constr type="h" for="ch" forName="compNode" refType="h" fact="0.4"/>
+          <dgm:constr type="w" for="ch" forName="compNode" val="100"/>
+          <dgm:constr type="w" for="ch" forName="sibTrans" refType="w" refFor="ch" refForName="compNode" fact="0.175"/>
+          <dgm:constr type="sp" refType="w" refFor="ch" refForName="compNode" op="equ" fact="0.25"/>
+          <dgm:constr type="primFontSz" for="des" ptType="node" op="equ" val="44"/>
+          <dgm:constr type="h" for="des" forName="compNode" op="equ"/>
+          <dgm:constr type="h" for="des" forName="textRect" op="equ"/>
+        </dgm:constrLst>
+      </dgm:if>
+      <dgm:if name="Name5" axis="ch" ptType="node" func="cnt" op="lte" val="3">
+        <dgm:constrLst>
+          <dgm:constr type="h" for="ch" forName="compNode" refType="h" fact="0.4"/>
+          <dgm:constr type="w" for="ch" forName="compNode" val="100"/>
+          <dgm:constr type="w" for="ch" forName="sibTrans" refType="w" refFor="ch" refForName="compNode" fact="0.175"/>
+          <dgm:constr type="sp" refType="w" refFor="ch" refForName="compNode" op="equ" fact="0.25"/>
+          <dgm:constr type="primFontSz" for="des" ptType="node" op="equ" val="40"/>
+          <dgm:constr type="h" for="des" forName="compNode" op="equ"/>
+          <dgm:constr type="h" for="des" forName="textRect" op="equ"/>
+        </dgm:constrLst>
+      </dgm:if>
+      <dgm:if name="Name6" axis="ch" ptType="node" func="cnt" op="lte" val="4">
+        <dgm:constrLst>
+          <dgm:constr type="h" for="ch" forName="compNode" refType="h" fact="0.4"/>
+          <dgm:constr type="w" for="ch" forName="compNode" refType="w"/>
+          <dgm:constr type="w" for="ch" forName="sibTrans" refType="w" refFor="ch" refForName="compNode" fact="0.175"/>
+          <dgm:constr type="sp" refType="w" refFor="ch" refForName="compNode" op="equ" fact="0.25"/>
+          <dgm:constr type="primFontSz" for="des" ptType="node" op="equ" val="32"/>
+          <dgm:constr type="h" for="des" forName="compNode" op="equ"/>
+          <dgm:constr type="h" for="des" forName="textRect" op="equ"/>
+        </dgm:constrLst>
+      </dgm:if>
+      <dgm:else name="Name7">
+        <dgm:constrLst>
+          <dgm:constr type="h" for="ch" forName="compNode" refType="h" fact="0.4"/>
+          <dgm:constr type="w" for="ch" forName="compNode" refType="w"/>
+          <dgm:constr type="w" for="ch" forName="sibTrans" refType="w" refFor="ch" refForName="compNode" fact="0.175"/>
+          <dgm:constr type="sp" refType="w" refFor="ch" refForName="compNode" op="equ" fact="0.25"/>
+          <dgm:constr type="primFontSz" for="des" ptType="node" op="equ" val="24"/>
+          <dgm:constr type="h" for="des" forName="compNode" op="equ"/>
+          <dgm:constr type="h" for="des" forName="textRect" op="equ"/>
+        </dgm:constrLst>
+      </dgm:else>
+    </dgm:choose>
+    <dgm:ruleLst>
+      <dgm:rule type="w" for="ch" forName="compNode" val="50" fact="NaN" max="NaN"/>
+    </dgm:ruleLst>
+    <dgm:forEach name="Name8" axis="ch" ptType="node">
+      <dgm:layoutNode name="compNode">
+        <dgm:alg type="composite"/>
+        <dgm:shape xmlns:r="http://schemas.openxmlformats.org/officeDocument/2006/relationships" r:blip="">
+          <dgm:adjLst/>
+        </dgm:shape>
+        <dgm:presOf axis="self"/>
+        <dgm:constrLst>
+          <dgm:constr type="w" for="ch" forName="iconBgRect" refType="w" fact="0.61"/>
+          <dgm:constr type="h" for="ch" forName="iconBgRect" refType="w" refFor="ch" refForName="iconBgRect"/>
+          <dgm:constr type="t" for="ch" forName="iconBgRect"/>
+          <dgm:constr type="ctrX" for="ch" forName="iconBgRect" refType="w" fact="0.5"/>
+          <dgm:constr type="w" for="ch" forName="iconRect" refType="w" fact="0.35"/>
+          <dgm:constr type="h" for="ch" forName="iconRect" refType="w" refFor="ch" refForName="iconRect"/>
+          <dgm:constr type="ctrX" for="ch" forName="iconRect" refType="ctrX" refFor="ch" refForName="iconBgRect"/>
+          <dgm:constr type="ctrY" for="ch" forName="iconRect" refType="ctrY" refFor="ch" refForName="iconBgRect"/>
+          <dgm:constr type="h" for="ch" forName="spaceRect" refType="w" fact="0.19"/>
+          <dgm:constr type="w" for="ch" forName="spaceRect" refType="w"/>
+          <dgm:constr type="l" for="ch" forName="spaceRect"/>
+          <dgm:constr type="t" for="ch" forName="spaceRect" refType="b" refFor="ch" refForName="iconBgRect"/>
+          <dgm:constr type="h" for="ch" forName="textRect" val="20"/>
+          <dgm:constr type="w" for="ch" forName="textRect" refType="w"/>
+          <dgm:constr type="l" for="ch" forName="textRect"/>
+          <dgm:constr type="t" for="ch" forName="textRect" refType="b" refFor="ch" refForName="spaceRect"/>
+        </dgm:constrLst>
+        <dgm:ruleLst>
+          <dgm:rule type="h" val="INF" fact="NaN" max="NaN"/>
+        </dgm:ruleLst>
+        <dgm:layoutNode name="iconBgRect" styleLbl="bgShp">
+          <dgm:alg type="sp"/>
+          <dgm:shape xmlns:r="http://schemas.openxmlformats.org/officeDocument/2006/relationships" type="ellipse" r:blip="">
+            <dgm:adjLst/>
+          </dgm:shape>
+          <dgm:presOf/>
+          <dgm:constrLst/>
+          <dgm:ruleLst/>
+        </dgm:layoutNode>
+        <dgm:layoutNode name="iconRect" styleLbl="node1">
+          <dgm:alg type="sp"/>
+          <dgm:shape xmlns:r="http://schemas.openxmlformats.org/officeDocument/2006/relationships" type="rect" r:blip="" blipPhldr="1">
+            <dgm:adjLst/>
+          </dgm:shape>
+          <dgm:presOf/>
+          <dgm:constrLst/>
+          <dgm:ruleLst/>
+        </dgm:layoutNode>
+        <dgm:layoutNode name="spaceRect">
+          <dgm:alg type="sp"/>
+          <dgm:shape xmlns:r="http://schemas.openxmlformats.org/officeDocument/2006/relationships" r:blip="">
+            <dgm:adjLst/>
+          </dgm:shape>
+          <dgm:presOf/>
+          <dgm:constrLst/>
+          <dgm:ruleLst/>
+        </dgm:layoutNode>
+        <dgm:layoutNode name="textRect" styleLbl="revTx">
+          <dgm:varLst>
+            <dgm:chMax val="1"/>
+            <dgm:chPref val="1"/>
+          </dgm:varLst>
+          <dgm:alg type="tx">
+            <dgm:param type="txAnchorVert" val="t"/>
+          </dgm:alg>
+          <dgm:shape xmlns:r="http://schemas.openxmlformats.org/officeDocument/2006/relationships" type="rect" r:blip="">
+            <dgm:adjLst/>
+          </dgm:shape>
+          <dgm:presOf axis="self" ptType="node"/>
+          <dgm:constrLst>
+            <dgm:constr type="lMarg"/>
+            <dgm:constr type="rMarg"/>
+            <dgm:constr type="tMarg"/>
+            <dgm:constr type="bMarg"/>
+          </dgm:constrLst>
+          <dgm:ruleLst>
+            <dgm:rule type="primFontSz" val="11" fact="NaN" max="NaN"/>
+            <dgm:rule type="h" val="INF" fact="NaN" max="NaN"/>
+          </dgm:ruleLst>
+        </dgm:layoutNode>
+      </dgm:layoutNode>
+      <dgm:forEach name="Name9" axis="followSib" ptType="sibTrans" cnt="1">
+        <dgm:layoutNode name="sibTrans">
+          <dgm:alg type="sp"/>
+          <dgm:shape xmlns:r="http://schemas.openxmlformats.org/officeDocument/2006/relationships" r:blip="">
+            <dgm:adjLst/>
+          </dgm:shape>
+          <dgm:presOf axis="self"/>
+          <dgm:constrLst/>
+          <dgm:ruleLst/>
+        </dgm:layoutNode>
+      </dgm:forEach>
+    </dgm:forEach>
+  </dgm:layoutNode>
+  <dgm:extLst>
+    <a:ext uri="{68A01E43-0DF5-4B5B-8FA6-DAF915123BFB}">
+      <dgm1612:lstStyle xmlns:dgm1612="http://schemas.microsoft.com/office/drawing/2016/12/diagram">
+        <a:lvl1pPr>
+          <a:lnSpc>
+            <a:spcPct val="100000"/>
+          </a:lnSpc>
+          <a:defRPr cap="all"/>
+        </a:lvl1pPr>
+      </dgm1612:lstStyle>
+    </a:ext>
+  </dgm:extLst>
+</dgm:layoutDef>
+</file>
+
+<file path=ppt/diagrams/quickStyle1.xml><?xml version="1.0" encoding="utf-8"?>
+<dgm:styleDef xmlns:dgm="http://schemas.openxmlformats.org/drawingml/2006/diagram" xmlns:a="http://schemas.openxmlformats.org/drawingml/2006/main" uniqueId="urn:microsoft.com/office/officeart/2005/8/quickstyle/simple1">
+  <dgm:title val=""/>
+  <dgm:desc val=""/>
+  <dgm:catLst>
+    <dgm:cat type="simple" pri="10100"/>
+  </dgm:catLst>
+  <dgm:scene3d>
+    <a:camera prst="orthographicFront"/>
+    <a:lightRig rig="threePt" dir="t"/>
+  </dgm:scene3d>
+  <dgm:styleLbl name="node0">
+    <dgm:scene3d>
+      <a:camera prst="orthographicFront"/>
+      <a:lightRig rig="threePt" dir="t"/>
+    </dgm:scene3d>
+    <dgm:sp3d/>
+    <dgm:txPr/>
+    <dgm:style>
+      <a:lnRef idx="2">
+        <a:scrgbClr r="0" g="0" b="0"/>
+      </a:lnRef>
+      <a:fillRef idx="1">
+        <a:scrgbClr r="0" g="0" b="0"/>
+      </a:fillRef>
+      <a:effectRef idx="0">
+        <a:scrgbClr r="0" g="0" b="0"/>
+      </a:effectRef>
+      <a:fontRef idx="minor">
+        <a:schemeClr val="lt1"/>
+      </a:fontRef>
+    </dgm:style>
+  </dgm:styleLbl>
+  <dgm:styleLbl name="lnNode1">
+    <dgm:scene3d>
+      <a:camera prst="orthographicFront"/>
+      <a:lightRig rig="threePt" dir="t"/>
+    </dgm:scene3d>
+    <dgm:sp3d/>
+    <dgm:txPr/>
+    <dgm:style>
+      <a:lnRef idx="2">
+        <a:scrgbClr r="0" g="0" b="0"/>
+      </a:lnRef>
+      <a:fillRef idx="1">
+        <a:scrgbClr r="0" g="0" b="0"/>
+      </a:fillRef>
+      <a:effectRef idx="0">
+        <a:scrgbClr r="0" g="0" b="0"/>
+      </a:effectRef>
+      <a:fontRef idx="minor">
+        <a:schemeClr val="lt1"/>
+      </a:fontRef>
+    </dgm:style>
+  </dgm:styleLbl>
+  <dgm:styleLbl name="vennNode1">
+    <dgm:scene3d>
+      <a:camera prst="orthographicFront"/>
+      <a:lightRig rig="threePt" dir="t"/>
+    </dgm:scene3d>
+    <dgm:sp3d/>
+    <dgm:txPr/>
+    <dgm:style>
+      <a:lnRef idx="2">
+        <a:scrgbClr r="0" g="0" b="0"/>
+      </a:lnRef>
+      <a:fillRef idx="1">
+        <a:scrgbClr r="0" g="0" b="0"/>
+      </a:fillRef>
+      <a:effectRef idx="0">
+        <a:scrgbClr r="0" g="0" b="0"/>
+      </a:effectRef>
+      <a:fontRef idx="minor">
+        <a:schemeClr val="tx1"/>
+      </a:fontRef>
+    </dgm:style>
+  </dgm:styleLbl>
+  <dgm:styleLbl name="alignNode1">
+    <dgm:scene3d>
+      <a:camera prst="orthographicFront"/>
+      <a:lightRig rig="threePt" dir="t"/>
+    </dgm:scene3d>
+    <dgm:sp3d/>
+    <dgm:txPr/>
+    <dgm:style>
+      <a:lnRef idx="2">
+        <a:scrgbClr r="0" g="0" b="0"/>
+      </a:lnRef>
+      <a:fillRef idx="1">
+        <a:scrgbClr r="0" g="0" b="0"/>
+      </a:fillRef>
+      <a:effectRef idx="0">
+        <a:scrgbClr r="0" g="0" b="0"/>
+      </a:effectRef>
+      <a:fontRef idx="minor">
+        <a:schemeClr val="lt1"/>
+      </a:fontRef>
+    </dgm:style>
+  </dgm:styleLbl>
+  <dgm:styleLbl name="node1">
+    <dgm:scene3d>
+      <a:camera prst="orthographicFront"/>
+      <a:lightRig rig="threePt" dir="t"/>
+    </dgm:scene3d>
+    <dgm:sp3d/>
+    <dgm:txPr/>
+    <dgm:style>
+      <a:lnRef idx="2">
+        <a:scrgbClr r="0" g="0" b="0"/>
+      </a:lnRef>
+      <a:fillRef idx="1">
+        <a:scrgbClr r="0" g="0" b="0"/>
+      </a:fillRef>
+      <a:effectRef idx="0">
+        <a:scrgbClr r="0" g="0" b="0"/>
+      </a:effectRef>
+      <a:fontRef idx="minor">
+        <a:schemeClr val="lt1"/>
+      </a:fontRef>
+    </dgm:style>
+  </dgm:styleLbl>
+  <dgm:styleLbl name="node2">
+    <dgm:scene3d>
+      <a:camera prst="orthographicFront"/>
+      <a:lightRig rig="threePt" dir="t"/>
+    </dgm:scene3d>
+    <dgm:sp3d/>
+    <dgm:txPr/>
+    <dgm:style>
+      <a:lnRef idx="2">
+        <a:scrgbClr r="0" g="0" b="0"/>
+      </a:lnRef>
+      <a:fillRef idx="1">
+        <a:scrgbClr r="0" g="0" b="0"/>
+      </a:fillRef>
+      <a:effectRef idx="0">
+        <a:scrgbClr r="0" g="0" b="0"/>
+      </a:effectRef>
+      <a:fontRef idx="minor">
+        <a:schemeClr val="lt1"/>
+      </a:fontRef>
+    </dgm:style>
+  </dgm:styleLbl>
+  <dgm:styleLbl name="node3">
+    <dgm:scene3d>
+      <a:camera prst="orthographicFront"/>
+      <a:lightRig rig="threePt" dir="t"/>
+    </dgm:scene3d>
+    <dgm:sp3d/>
+    <dgm:txPr/>
+    <dgm:style>
+      <a:lnRef idx="2">
+        <a:scrgbClr r="0" g="0" b="0"/>
+      </a:lnRef>
+      <a:fillRef idx="1">
+        <a:scrgbClr r="0" g="0" b="0"/>
+      </a:fillRef>
+      <a:effectRef idx="0">
+        <a:scrgbClr r="0" g="0" b="0"/>
+      </a:effectRef>
+      <a:fontRef idx="minor">
+        <a:schemeClr val="lt1"/>
+      </a:fontRef>
+    </dgm:style>
+  </dgm:styleLbl>
+  <dgm:styleLbl name="node4">
+    <dgm:scene3d>
+      <a:camera prst="orthographicFront"/>
+      <a:lightRig rig="threePt" dir="t"/>
+    </dgm:scene3d>
+    <dgm:sp3d/>
+    <dgm:txPr/>
+    <dgm:style>
+      <a:lnRef idx="2">
+        <a:scrgbClr r="0" g="0" b="0"/>
+      </a:lnRef>
+      <a:fillRef idx="1">
+        <a:scrgbClr r="0" g="0" b="0"/>
+      </a:fillRef>
+      <a:effectRef idx="0">
+        <a:scrgbClr r="0" g="0" b="0"/>
+      </a:effectRef>
+      <a:fontRef idx="minor">
+        <a:schemeClr val="lt1"/>
+      </a:fontRef>
+    </dgm:style>
+  </dgm:styleLbl>
+  <dgm:styleLbl name="fgImgPlace1">
+    <dgm:scene3d>
+      <a:camera prst="orthographicFront"/>
+      <a:lightRig rig="threePt" dir="t"/>
+    </dgm:scene3d>
+    <dgm:sp3d/>
+    <dgm:txPr/>
+    <dgm:style>
+      <a:lnRef idx="2">
+        <a:scrgbClr r="0" g="0" b="0"/>
+      </a:lnRef>
+      <a:fillRef idx="1">
+        <a:scrgbClr r="0" g="0" b="0"/>
+      </a:fillRef>
+      <a:effectRef idx="0">
+        <a:scrgbClr r="0" g="0" b="0"/>
+      </a:effectRef>
+      <a:fontRef idx="minor"/>
+    </dgm:style>
+  </dgm:styleLbl>
+  <dgm:styleLbl name="alignImgPlace1">
+    <dgm:scene3d>
+      <a:camera prst="orthographicFront"/>
+      <a:lightRig rig="threePt" dir="t"/>
+    </dgm:scene3d>
+    <dgm:sp3d/>
+    <dgm:txPr/>
+    <dgm:style>
+      <a:lnRef idx="2">
+        <a:scrgbClr r="0" g="0" b="0"/>
+      </a:lnRef>
+      <a:fillRef idx="1">
+        <a:scrgbClr r="0" g="0" b="0"/>
+      </a:fillRef>
+      <a:effectRef idx="0">
+        <a:scrgbClr r="0" g="0" b="0"/>
+      </a:effectRef>
+      <a:fontRef idx="minor"/>
+    </dgm:style>
+  </dgm:styleLbl>
+  <dgm:styleLbl name="bgImgPlace1">
+    <dgm:scene3d>
+      <a:camera prst="orthographicFront"/>
+      <a:lightRig rig="threePt" dir="t"/>
+    </dgm:scene3d>
+    <dgm:sp3d/>
+    <dgm:txPr/>
+    <dgm:style>
+      <a:lnRef idx="2">
+        <a:scrgbClr r="0" g="0" b="0"/>
+      </a:lnRef>
+      <a:fillRef idx="1">
+        <a:scrgbClr r="0" g="0" b="0"/>
+      </a:fillRef>
+      <a:effectRef idx="0">
+        <a:scrgbClr r="0" g="0" b="0"/>
+      </a:effectRef>
+      <a:fontRef idx="minor"/>
+    </dgm:style>
+  </dgm:styleLbl>
+  <dgm:styleLbl name="sibTrans2D1">
+    <dgm:scene3d>
+      <a:camera prst="orthographicFront"/>
+      <a:lightRig rig="threePt" dir="t"/>
+    </dgm:scene3d>
+    <dgm:sp3d/>
+    <dgm:txPr/>
+    <dgm:style>
+      <a:lnRef idx="0">
+        <a:scrgbClr r="0" g="0" b="0"/>
+      </a:lnRef>
+      <a:fillRef idx="1">
+        <a:scrgbClr r="0" g="0" b="0"/>
+      </a:fillRef>
+      <a:effectRef idx="0">
+        <a:scrgbClr r="0" g="0" b="0"/>
+      </a:effectRef>
+      <a:fontRef idx="minor">
+        <a:schemeClr val="lt1"/>
+      </a:fontRef>
+    </dgm:style>
+  </dgm:styleLbl>
+  <dgm:styleLbl name="fgSibTrans2D1">
+    <dgm:scene3d>
+      <a:camera prst="orthographicFront"/>
+      <a:lightRig rig="threePt" dir="t"/>
+    </dgm:scene3d>
+    <dgm:sp3d/>
+    <dgm:txPr/>
+    <dgm:style>
+      <a:lnRef idx="0">
+        <a:scrgbClr r="0" g="0" b="0"/>
+      </a:lnRef>
+      <a:fillRef idx="1">
+        <a:scrgbClr r="0" g="0" b="0"/>
+      </a:fillRef>
+      <a:effectRef idx="0">
+        <a:scrgbClr r="0" g="0" b="0"/>
+      </a:effectRef>
+      <a:fontRef idx="minor">
+        <a:schemeClr val="lt1"/>
+      </a:fontRef>
+    </dgm:style>
+  </dgm:styleLbl>
+  <dgm:styleLbl name="bgSibTrans2D1">
+    <dgm:scene3d>
+      <a:camera prst="orthographicFront"/>
+      <a:lightRig rig="threePt" dir="t"/>
+    </dgm:scene3d>
+    <dgm:sp3d/>
+    <dgm:txPr/>
+    <dgm:style>
+      <a:lnRef idx="0">
+        <a:scrgbClr r="0" g="0" b="0"/>
+      </a:lnRef>
+      <a:fillRef idx="1">
+        <a:scrgbClr r="0" g="0" b="0"/>
+      </a:fillRef>
+      <a:effectRef idx="0">
+        <a:scrgbClr r="0" g="0" b="0"/>
+      </a:effectRef>
+      <a:fontRef idx="minor">
+        <a:schemeClr val="lt1"/>
+      </a:fontRef>
+    </dgm:style>
+  </dgm:styleLbl>
+  <dgm:styleLbl name="sibTrans1D1">
+    <dgm:scene3d>
+      <a:camera prst="orthographicFront"/>
+      <a:lightRig rig="threePt" dir="t"/>
+    </dgm:scene3d>
+    <dgm:sp3d/>
+    <dgm:txPr/>
+    <dgm:style>
+      <a:lnRef idx="1">
+        <a:scrgbClr r="0" g="0" b="0"/>
+      </a:lnRef>
+      <a:fillRef idx="0">
+        <a:scrgbClr r="0" g="0" b="0"/>
+      </a:fillRef>
+      <a:effectRef idx="0">
+        <a:scrgbClr r="0" g="0" b="0"/>
+      </a:effectRef>
+      <a:fontRef idx="minor"/>
+    </dgm:style>
+  </dgm:styleLbl>
+  <dgm:styleLbl name="callout">
+    <dgm:scene3d>
+      <a:camera prst="orthographicFront"/>
+      <a:lightRig rig="threePt" dir="t"/>
+    </dgm:scene3d>
+    <dgm:sp3d/>
+    <dgm:txPr/>
+    <dgm:style>
+      <a:lnRef idx="2">
+        <a:scrgbClr r="0" g="0" b="0"/>
+      </a:lnRef>
+      <a:fillRef idx="1">
+        <a:scrgbClr r="0" g="0" b="0"/>
+      </a:fillRef>
+      <a:effectRef idx="0">
+        <a:scrgbClr r="0" g="0" b="0"/>
+      </a:effectRef>
+      <a:fontRef idx="minor"/>
+    </dgm:style>
+  </dgm:styleLbl>
+  <dgm:styleLbl name="asst0">
+    <dgm:scene3d>
+      <a:camera prst="orthographicFront"/>
+      <a:lightRig rig="threePt" dir="t"/>
+    </dgm:scene3d>
+    <dgm:sp3d/>
+    <dgm:txPr/>
+    <dgm:style>
+      <a:lnRef idx="2">
+        <a:scrgbClr r="0" g="0" b="0"/>
+      </a:lnRef>
+      <a:fillRef idx="1">
+        <a:scrgbClr r="0" g="0" b="0"/>
+      </a:fillRef>
+      <a:effectRef idx="0">
+        <a:scrgbClr r="0" g="0" b="0"/>
+      </a:effectRef>
+      <a:fontRef idx="minor">
+        <a:schemeClr val="lt1"/>
+      </a:fontRef>
+    </dgm:style>
+  </dgm:styleLbl>
+  <dgm:styleLbl name="asst1">
+    <dgm:scene3d>
+      <a:camera prst="orthographicFront"/>
+      <a:lightRig rig="threePt" dir="t"/>
+    </dgm:scene3d>
+    <dgm:sp3d/>
+    <dgm:txPr/>
+    <dgm:style>
+      <a:lnRef idx="2">
+        <a:scrgbClr r="0" g="0" b="0"/>
+      </a:lnRef>
+      <a:fillRef idx="1">
+        <a:scrgbClr r="0" g="0" b="0"/>
+      </a:fillRef>
+      <a:effectRef idx="0">
+        <a:scrgbClr r="0" g="0" b="0"/>
+      </a:effectRef>
+      <a:fontRef idx="minor">
+        <a:schemeClr val="lt1"/>
+      </a:fontRef>
+    </dgm:style>
+  </dgm:styleLbl>
+  <dgm:styleLbl name="asst2">
+    <dgm:scene3d>
+      <a:camera prst="orthographicFront"/>
+      <a:lightRig rig="threePt" dir="t"/>
+    </dgm:scene3d>
+    <dgm:sp3d/>
+    <dgm:txPr/>
+    <dgm:style>
+      <a:lnRef idx="2">
+        <a:scrgbClr r="0" g="0" b="0"/>
+      </a:lnRef>
+      <a:fillRef idx="1">
+        <a:scrgbClr r="0" g="0" b="0"/>
+      </a:fillRef>
+      <a:effectRef idx="0">
+        <a:scrgbClr r="0" g="0" b="0"/>
+      </a:effectRef>
+      <a:fontRef idx="minor">
+        <a:schemeClr val="lt1"/>
+      </a:fontRef>
+    </dgm:style>
+  </dgm:styleLbl>
+  <dgm:styleLbl name="asst3">
+    <dgm:scene3d>
+      <a:camera prst="orthographicFront"/>
+      <a:lightRig rig="threePt" dir="t"/>
+    </dgm:scene3d>
+    <dgm:sp3d/>
+    <dgm:txPr/>
+    <dgm:style>
+      <a:lnRef idx="2">
+        <a:scrgbClr r="0" g="0" b="0"/>
+      </a:lnRef>
+      <a:fillRef idx="1">
+        <a:scrgbClr r="0" g="0" b="0"/>
+      </a:fillRef>
+      <a:effectRef idx="0">
+        <a:scrgbClr r="0" g="0" b="0"/>
+      </a:effectRef>
+      <a:fontRef idx="minor">
+        <a:schemeClr val="lt1"/>
+      </a:fontRef>
+    </dgm:style>
+  </dgm:styleLbl>
+  <dgm:styleLbl name="asst4">
+    <dgm:scene3d>
+      <a:camera prst="orthographicFront"/>
+      <a:lightRig rig="threePt" dir="t"/>
+    </dgm:scene3d>
+    <dgm:sp3d/>
+    <dgm:txPr/>
+    <dgm:style>
+      <a:lnRef idx="2">
+        <a:scrgbClr r="0" g="0" b="0"/>
+      </a:lnRef>
+      <a:fillRef idx="1">
+        <a:scrgbClr r="0" g="0" b="0"/>
+      </a:fillRef>
+      <a:effectRef idx="0">
+        <a:scrgbClr r="0" g="0" b="0"/>
+      </a:effectRef>
+      <a:fontRef idx="minor">
+        <a:schemeClr val="lt1"/>
+      </a:fontRef>
+    </dgm:style>
+  </dgm:styleLbl>
+  <dgm:styleLbl name="parChTrans2D1">
+    <dgm:scene3d>
+      <a:camera prst="orthographicFront"/>
+      <a:lightRig rig="threePt" dir="t"/>
+    </dgm:scene3d>
+    <dgm:sp3d/>
+    <dgm:txPr/>
+    <dgm:style>
+      <a:lnRef idx="2">
+        <a:scrgbClr r="0" g="0" b="0"/>
+      </a:lnRef>
+      <a:fillRef idx="1">
+        <a:scrgbClr r="0" g="0" b="0"/>
+      </a:fillRef>
+      <a:effectRef idx="0">
+        <a:scrgbClr r="0" g="0" b="0"/>
+      </a:effectRef>
+      <a:fontRef idx="minor">
+        <a:schemeClr val="lt1"/>
+      </a:fontRef>
+    </dgm:style>
+  </dgm:styleLbl>
+  <dgm:styleLbl name="parChTrans2D2">
+    <dgm:scene3d>
+      <a:camera prst="orthographicFront"/>
+      <a:lightRig rig="threePt" dir="t"/>
+    </dgm:scene3d>
+    <dgm:sp3d/>
+    <dgm:txPr/>
+    <dgm:style>
+      <a:lnRef idx="2">
+        <a:scrgbClr r="0" g="0" b="0"/>
+      </a:lnRef>
+      <a:fillRef idx="1">
+        <a:scrgbClr r="0" g="0" b="0"/>
+      </a:fillRef>
+      <a:effectRef idx="0">
+        <a:scrgbClr r="0" g="0" b="0"/>
+      </a:effectRef>
+      <a:fontRef idx="minor">
+        <a:schemeClr val="lt1"/>
+      </a:fontRef>
+    </dgm:style>
+  </dgm:styleLbl>
+  <dgm:styleLbl name="parChTrans2D3">
+    <dgm:scene3d>
+      <a:camera prst="orthographicFront"/>
+      <a:lightRig rig="threePt" dir="t"/>
+    </dgm:scene3d>
+    <dgm:sp3d/>
+    <dgm:txPr/>
+    <dgm:style>
+      <a:lnRef idx="2">
+        <a:scrgbClr r="0" g="0" b="0"/>
+      </a:lnRef>
+      <a:fillRef idx="1">
+        <a:scrgbClr r="0" g="0" b="0"/>
+      </a:fillRef>
+      <a:effectRef idx="0">
+        <a:scrgbClr r="0" g="0" b="0"/>
+      </a:effectRef>
+      <a:fontRef idx="minor">
+        <a:schemeClr val="lt1"/>
+      </a:fontRef>
+    </dgm:style>
+  </dgm:styleLbl>
+  <dgm:styleLbl name="parChTrans2D4">
+    <dgm:scene3d>
+      <a:camera prst="orthographicFront"/>
+      <a:lightRig rig="threePt" dir="t"/>
+    </dgm:scene3d>
+    <dgm:sp3d/>
+    <dgm:txPr/>
+    <dgm:style>
+      <a:lnRef idx="2">
+        <a:scrgbClr r="0" g="0" b="0"/>
+      </a:lnRef>
+      <a:fillRef idx="1">
+        <a:scrgbClr r="0" g="0" b="0"/>
+      </a:fillRef>
+      <a:effectRef idx="0">
+        <a:scrgbClr r="0" g="0" b="0"/>
+      </a:effectRef>
+      <a:fontRef idx="minor">
+        <a:schemeClr val="lt1"/>
+      </a:fontRef>
+    </dgm:style>
+  </dgm:styleLbl>
+  <dgm:styleLbl name="parChTrans1D1">
+    <dgm:scene3d>
+      <a:camera prst="orthographicFront"/>
+      <a:lightRig rig="threePt" dir="t"/>
+    </dgm:scene3d>
+    <dgm:sp3d/>
+    <dgm:txPr/>
+    <dgm:style>
+      <a:lnRef idx="2">
+        <a:scrgbClr r="0" g="0" b="0"/>
+      </a:lnRef>
+      <a:fillRef idx="0">
+        <a:scrgbClr r="0" g="0" b="0"/>
+      </a:fillRef>
+      <a:effectRef idx="0">
+        <a:scrgbClr r="0" g="0" b="0"/>
+      </a:effectRef>
+      <a:fontRef idx="minor"/>
+    </dgm:style>
+  </dgm:styleLbl>
+  <dgm:styleLbl name="parChTrans1D2">
+    <dgm:scene3d>
+      <a:camera prst="orthographicFront"/>
+      <a:lightRig rig="threePt" dir="t"/>
+    </dgm:scene3d>
+    <dgm:sp3d/>
+    <dgm:txPr/>
+    <dgm:style>
+      <a:lnRef idx="2">
+        <a:scrgbClr r="0" g="0" b="0"/>
+      </a:lnRef>
+      <a:fillRef idx="0">
+        <a:scrgbClr r="0" g="0" b="0"/>
+      </a:fillRef>
+      <a:effectRef idx="0">
+        <a:scrgbClr r="0" g="0" b="0"/>
+      </a:effectRef>
+      <a:fontRef idx="minor"/>
+    </dgm:style>
+  </dgm:styleLbl>
+  <dgm:styleLbl name="parChTrans1D3">
+    <dgm:scene3d>
+      <a:camera prst="orthographicFront"/>
+      <a:lightRig rig="threePt" dir="t"/>
+    </dgm:scene3d>
+    <dgm:sp3d/>
+    <dgm:txPr/>
+    <dgm:style>
+      <a:lnRef idx="2">
+        <a:scrgbClr r="0" g="0" b="0"/>
+      </a:lnRef>
+      <a:fillRef idx="0">
+        <a:scrgbClr r="0" g="0" b="0"/>
+      </a:fillRef>
+      <a:effectRef idx="0">
+        <a:scrgbClr r="0" g="0" b="0"/>
+      </a:effectRef>
+      <a:fontRef idx="minor"/>
+    </dgm:style>
+  </dgm:styleLbl>
+  <dgm:styleLbl name="parChTrans1D4">
+    <dgm:scene3d>
+      <a:camera prst="orthographicFront"/>
+      <a:lightRig rig="threePt" dir="t"/>
+    </dgm:scene3d>
+    <dgm:sp3d/>
+    <dgm:txPr/>
+    <dgm:style>
+      <a:lnRef idx="2">
+        <a:scrgbClr r="0" g="0" b="0"/>
+      </a:lnRef>
+      <a:fillRef idx="0">
+        <a:scrgbClr r="0" g="0" b="0"/>
+      </a:fillRef>
+      <a:effectRef idx="0">
+        <a:scrgbClr r="0" g="0" b="0"/>
+      </a:effectRef>
+      <a:fontRef idx="minor"/>
+    </dgm:style>
+  </dgm:styleLbl>
+  <dgm:styleLbl name="fgAcc1">
+    <dgm:scene3d>
+      <a:camera prst="orthographicFront"/>
+      <a:lightRig rig="threePt" dir="t"/>
+    </dgm:scene3d>
+    <dgm:sp3d/>
+    <dgm:txPr/>
+    <dgm:style>
+      <a:lnRef idx="2">
+        <a:scrgbClr r="0" g="0" b="0"/>
+      </a:lnRef>
+      <a:fillRef idx="1">
+        <a:scrgbClr r="0" g="0" b="0"/>
+      </a:fillRef>
+      <a:effectRef idx="0">
+        <a:scrgbClr r="0" g="0" b="0"/>
+      </a:effectRef>
+      <a:fontRef idx="minor"/>
+    </dgm:style>
+  </dgm:styleLbl>
+  <dgm:styleLbl name="conFgAcc1">
+    <dgm:scene3d>
+      <a:camera prst="orthographicFront"/>
+      <a:lightRig rig="threePt" dir="t"/>
+    </dgm:scene3d>
+    <dgm:sp3d/>
+    <dgm:txPr/>
+    <dgm:style>
+      <a:lnRef idx="2">
+        <a:scrgbClr r="0" g="0" b="0"/>
+      </a:lnRef>
+      <a:fillRef idx="1">
+        <a:scrgbClr r="0" g="0" b="0"/>
+      </a:fillRef>
+      <a:effectRef idx="0">
+        <a:scrgbClr r="0" g="0" b="0"/>
+      </a:effectRef>
+      <a:fontRef idx="minor"/>
+    </dgm:style>
+  </dgm:styleLbl>
+  <dgm:styleLbl name="alignAcc1">
+    <dgm:scene3d>
+      <a:camera prst="orthographicFront"/>
+      <a:lightRig rig="threePt" dir="t"/>
+    </dgm:scene3d>
+    <dgm:sp3d/>
+    <dgm:txPr/>
+    <dgm:style>
+      <a:lnRef idx="2">
+        <a:scrgbClr r="0" g="0" b="0"/>
+      </a:lnRef>
+      <a:fillRef idx="1">
+        <a:scrgbClr r="0" g="0" b="0"/>
+      </a:fillRef>
+      <a:effectRef idx="0">
+        <a:scrgbClr r="0" g="0" b="0"/>
+      </a:effectRef>
+      <a:fontRef idx="minor"/>
+    </dgm:style>
+  </dgm:styleLbl>
+  <dgm:styleLbl name="trAlignAcc1">
+    <dgm:scene3d>
+      <a:camera prst="orthographicFront"/>
+      <a:lightRig rig="threePt" dir="t"/>
+    </dgm:scene3d>
+    <dgm:sp3d/>
+    <dgm:txPr/>
+    <dgm:style>
+      <a:lnRef idx="1">
+        <a:scrgbClr r="0" g="0" b="0"/>
+      </a:lnRef>
+      <a:fillRef idx="1">
+        <a:scrgbClr r="0" g="0" b="0"/>
+      </a:fillRef>
+      <a:effectRef idx="0">
+        <a:scrgbClr r="0" g="0" b="0"/>
+      </a:effectRef>
+      <a:fontRef idx="minor"/>
+    </dgm:style>
+  </dgm:styleLbl>
+  <dgm:styleLbl name="bgAcc1">
+    <dgm:scene3d>
+      <a:camera prst="orthographicFront"/>
+      <a:lightRig rig="threePt" dir="t"/>
+    </dgm:scene3d>
+    <dgm:sp3d/>
+    <dgm:txPr/>
+    <dgm:style>
+      <a:lnRef idx="2">
+        <a:scrgbClr r="0" g="0" b="0"/>
+      </a:lnRef>
+      <a:fillRef idx="1">
+        <a:scrgbClr r="0" g="0" b="0"/>
+      </a:fillRef>
+      <a:effectRef idx="0">
+        <a:scrgbClr r="0" g="0" b="0"/>
+      </a:effectRef>
+      <a:fontRef idx="minor"/>
+    </dgm:style>
+  </dgm:styleLbl>
+  <dgm:styleLbl name="solidFgAcc1">
+    <dgm:scene3d>
+      <a:camera prst="orthographicFront"/>
+      <a:lightRig rig="threePt" dir="t"/>
+    </dgm:scene3d>
+    <dgm:sp3d/>
+    <dgm:txPr/>
+    <dgm:style>
+      <a:lnRef idx="2">
+        <a:scrgbClr r="0" g="0" b="0"/>
+      </a:lnRef>
+      <a:fillRef idx="1">
+        <a:scrgbClr r="0" g="0" b="0"/>
+      </a:fillRef>
+      <a:effectRef idx="0">
+        <a:scrgbClr r="0" g="0" b="0"/>
+      </a:effectRef>
+      <a:fontRef idx="minor"/>
+    </dgm:style>
+  </dgm:styleLbl>
+  <dgm:styleLbl name="solidAlignAcc1">
+    <dgm:scene3d>
+      <a:camera prst="orthographicFront"/>
+      <a:lightRig rig="threePt" dir="t"/>
+    </dgm:scene3d>
+    <dgm:sp3d/>
+    <dgm:txPr/>
+    <dgm:style>
+      <a:lnRef idx="2">
+        <a:scrgbClr r="0" g="0" b="0"/>
+      </a:lnRef>
+      <a:fillRef idx="1">
+        <a:scrgbClr r="0" g="0" b="0"/>
+      </a:fillRef>
+      <a:effectRef idx="0">
+        <a:scrgbClr r="0" g="0" b="0"/>
+      </a:effectRef>
+      <a:fontRef idx="minor"/>
+    </dgm:style>
+  </dgm:styleLbl>
+  <dgm:styleLbl name="solidBgAcc1">
+    <dgm:scene3d>
+      <a:camera prst="orthographicFront"/>
+      <a:lightRig rig="threePt" dir="t"/>
+    </dgm:scene3d>
+    <dgm:sp3d/>
+    <dgm:txPr/>
+    <dgm:style>
+      <a:lnRef idx="2">
+        <a:scrgbClr r="0" g="0" b="0"/>
+      </a:lnRef>
+      <a:fillRef idx="1">
+        <a:scrgbClr r="0" g="0" b="0"/>
+      </a:fillRef>
+      <a:effectRef idx="0">
+        <a:scrgbClr r="0" g="0" b="0"/>
+      </a:effectRef>
+      <a:fontRef idx="minor"/>
+    </dgm:style>
+  </dgm:styleLbl>
+  <dgm:styleLbl name="fgAccFollowNode1">
+    <dgm:scene3d>
+      <a:camera prst="orthographicFront"/>
+      <a:lightRig rig="threePt" dir="t"/>
+    </dgm:scene3d>
+    <dgm:sp3d/>
+    <dgm:txPr/>
+    <dgm:style>
+      <a:lnRef idx="2">
+        <a:scrgbClr r="0" g="0" b="0"/>
+      </a:lnRef>
+      <a:fillRef idx="1">
+        <a:scrgbClr r="0" g="0" b="0"/>
+      </a:fillRef>
+      <a:effectRef idx="0">
+        <a:scrgbClr r="0" g="0" b="0"/>
+      </a:effectRef>
+      <a:fontRef idx="minor"/>
+    </dgm:style>
+  </dgm:styleLbl>
+  <dgm:styleLbl name="alignAccFollowNode1">
+    <dgm:scene3d>
+      <a:camera prst="orthographicFront"/>
+      <a:lightRig rig="threePt" dir="t"/>
+    </dgm:scene3d>
+    <dgm:sp3d/>
+    <dgm:txPr/>
+    <dgm:style>
+      <a:lnRef idx="2">
+        <a:scrgbClr r="0" g="0" b="0"/>
+      </a:lnRef>
+      <a:fillRef idx="1">
+        <a:scrgbClr r="0" g="0" b="0"/>
+      </a:fillRef>
+      <a:effectRef idx="0">
+        <a:scrgbClr r="0" g="0" b="0"/>
+      </a:effectRef>
+      <a:fontRef idx="minor"/>
+    </dgm:style>
+  </dgm:styleLbl>
+  <dgm:styleLbl name="bgAccFollowNode1">
+    <dgm:scene3d>
+      <a:camera prst="orthographicFront"/>
+      <a:lightRig rig="threePt" dir="t"/>
+    </dgm:scene3d>
+    <dgm:sp3d/>
+    <dgm:txPr/>
+    <dgm:style>
+      <a:lnRef idx="2">
+        <a:scrgbClr r="0" g="0" b="0"/>
+      </a:lnRef>
+      <a:fillRef idx="1">
+        <a:scrgbClr r="0" g="0" b="0"/>
+      </a:fillRef>
+      <a:effectRef idx="0">
+        <a:scrgbClr r="0" g="0" b="0"/>
+      </a:effectRef>
+      <a:fontRef idx="minor"/>
+    </dgm:style>
+  </dgm:styleLbl>
+  <dgm:styleLbl name="fgAcc0">
+    <dgm:scene3d>
+      <a:camera prst="orthographicFront"/>
+      <a:lightRig rig="threePt" dir="t"/>
+    </dgm:scene3d>
+    <dgm:sp3d/>
+    <dgm:txPr/>
+    <dgm:style>
+      <a:lnRef idx="2">
+        <a:scrgbClr r="0" g="0" b="0"/>
+      </a:lnRef>
+      <a:fillRef idx="1">
+        <a:scrgbClr r="0" g="0" b="0"/>
+      </a:fillRef>
+      <a:effectRef idx="0">
+        <a:scrgbClr r="0" g="0" b="0"/>
+      </a:effectRef>
+      <a:fontRef idx="minor"/>
+    </dgm:style>
+  </dgm:styleLbl>
+  <dgm:styleLbl name="fgAcc2">
+    <dgm:scene3d>
+      <a:camera prst="orthographicFront"/>
+      <a:lightRig rig="threePt" dir="t"/>
+    </dgm:scene3d>
+    <dgm:sp3d/>
+    <dgm:txPr/>
+    <dgm:style>
+      <a:lnRef idx="2">
+        <a:scrgbClr r="0" g="0" b="0"/>
+      </a:lnRef>
+      <a:fillRef idx="1">
+        <a:scrgbClr r="0" g="0" b="0"/>
+      </a:fillRef>
+      <a:effectRef idx="0">
+        <a:scrgbClr r="0" g="0" b="0"/>
+      </a:effectRef>
+      <a:fontRef idx="minor"/>
+    </dgm:style>
+  </dgm:styleLbl>
+  <dgm:styleLbl name="fgAcc3">
+    <dgm:scene3d>
+      <a:camera prst="orthographicFront"/>
+      <a:lightRig rig="threePt" dir="t"/>
+    </dgm:scene3d>
+    <dgm:sp3d/>
+    <dgm:txPr/>
+    <dgm:style>
+      <a:lnRef idx="2">
+        <a:scrgbClr r="0" g="0" b="0"/>
+      </a:lnRef>
+      <a:fillRef idx="1">
+        <a:scrgbClr r="0" g="0" b="0"/>
+      </a:fillRef>
+      <a:effectRef idx="0">
+        <a:scrgbClr r="0" g="0" b="0"/>
+      </a:effectRef>
+      <a:fontRef idx="minor"/>
+    </dgm:style>
+  </dgm:styleLbl>
+  <dgm:styleLbl name="fgAcc4">
+    <dgm:scene3d>
+      <a:camera prst="orthographicFront"/>
+      <a:lightRig rig="threePt" dir="t"/>
+    </dgm:scene3d>
+    <dgm:sp3d/>
+    <dgm:txPr/>
+    <dgm:style>
+      <a:lnRef idx="2">
+        <a:scrgbClr r="0" g="0" b="0"/>
+      </a:lnRef>
+      <a:fillRef idx="1">
+        <a:scrgbClr r="0" g="0" b="0"/>
+      </a:fillRef>
+      <a:effectRef idx="0">
+        <a:scrgbClr r="0" g="0" b="0"/>
+      </a:effectRef>
+      <a:fontRef idx="minor"/>
+    </dgm:style>
+  </dgm:styleLbl>
+  <dgm:styleLbl name="bgShp">
+    <dgm:scene3d>
+      <a:camera prst="orthographicFront"/>
+      <a:lightRig rig="threePt" dir="t"/>
+    </dgm:scene3d>
+    <dgm:sp3d/>
+    <dgm:txPr/>
+    <dgm:style>
+      <a:lnRef idx="0">
+        <a:scrgbClr r="0" g="0" b="0"/>
+      </a:lnRef>
+      <a:fillRef idx="1">
+        <a:scrgbClr r="0" g="0" b="0"/>
+      </a:fillRef>
+      <a:effectRef idx="0">
+        <a:scrgbClr r="0" g="0" b="0"/>
+      </a:effectRef>
+      <a:fontRef idx="minor"/>
+    </dgm:style>
+  </dgm:styleLbl>
+  <dgm:styleLbl name="dkBgShp">
+    <dgm:scene3d>
+      <a:camera prst="orthographicFront"/>
+      <a:lightRig rig="threePt" dir="t"/>
+    </dgm:scene3d>
+    <dgm:sp3d/>
+    <dgm:txPr/>
+    <dgm:style>
+      <a:lnRef idx="0">
+        <a:scrgbClr r="0" g="0" b="0"/>
+      </a:lnRef>
+      <a:fillRef idx="1">
+        <a:scrgbClr r="0" g="0" b="0"/>
+      </a:fillRef>
+      <a:effectRef idx="0">
+        <a:scrgbClr r="0" g="0" b="0"/>
+      </a:effectRef>
+      <a:fontRef idx="minor"/>
+    </dgm:style>
+  </dgm:styleLbl>
+  <dgm:styleLbl name="trBgShp">
+    <dgm:scene3d>
+      <a:camera prst="orthographicFront"/>
+      <a:lightRig rig="threePt" dir="t"/>
+    </dgm:scene3d>
+    <dgm:sp3d/>
+    <dgm:txPr/>
+    <dgm:style>
+      <a:lnRef idx="0">
+        <a:scrgbClr r="0" g="0" b="0"/>
+      </a:lnRef>
+      <a:fillRef idx="1">
+        <a:scrgbClr r="0" g="0" b="0"/>
+      </a:fillRef>
+      <a:effectRef idx="0">
+        <a:scrgbClr r="0" g="0" b="0"/>
+      </a:effectRef>
+      <a:fontRef idx="minor"/>
+    </dgm:style>
+  </dgm:styleLbl>
+  <dgm:styleLbl name="fgShp">
+    <dgm:scene3d>
+      <a:camera prst="orthographicFront"/>
+      <a:lightRig rig="threePt" dir="t"/>
+    </dgm:scene3d>
+    <dgm:sp3d/>
+    <dgm:txPr/>
+    <dgm:style>
+      <a:lnRef idx="2">
+        <a:scrgbClr r="0" g="0" b="0"/>
+      </a:lnRef>
+      <a:fillRef idx="1">
+        <a:scrgbClr r="0" g="0" b="0"/>
+      </a:fillRef>
+      <a:effectRef idx="0">
+        <a:scrgbClr r="0" g="0" b="0"/>
+      </a:effectRef>
+      <a:fontRef idx="minor"/>
+    </dgm:style>
+  </dgm:styleLbl>
+  <dgm:styleLbl name="revTx">
+    <dgm:scene3d>
+      <a:camera prst="orthographicFront"/>
+      <a:lightRig rig="threePt" dir="t"/>
+    </dgm:scene3d>
+    <dgm:sp3d/>
+    <dgm:txPr/>
+    <dgm:style>
+      <a:lnRef idx="0">
+        <a:scrgbClr r="0" g="0" b="0"/>
+      </a:lnRef>
+      <a:fillRef idx="0">
+        <a:scrgbClr r="0" g="0" b="0"/>
+      </a:fillRef>
+      <a:effectRef idx="0">
+        <a:scrgbClr r="0" g="0" b="0"/>
+      </a:effectRef>
+      <a:fontRef idx="minor"/>
+    </dgm:style>
+  </dgm:styleLbl>
+</dgm:styleDef>
 </file>
 
 <file path=ppt/slideLayouts/slideLayout1.xml><?xml version="1.0" encoding="utf-8"?>
@@ -3328,6 +6644,2485 @@
 <file path=ppt/slides/slide1.xml><?xml version="1.0" encoding="utf-8"?>
 <p:sld xmlns:a="http://schemas.openxmlformats.org/drawingml/2006/main" xmlns:r="http://schemas.openxmlformats.org/officeDocument/2006/relationships" xmlns:p="http://schemas.openxmlformats.org/presentationml/2006/main">
   <p:cSld>
+    <p:bg>
+      <p:bgPr>
+        <a:solidFill>
+          <a:schemeClr val="bg1"/>
+        </a:solidFill>
+        <a:effectLst/>
+      </p:bgPr>
+    </p:bg>
+    <p:spTree>
+      <p:nvGrpSpPr>
+        <p:cNvPr id="1" name=""/>
+        <p:cNvGrpSpPr/>
+        <p:nvPr/>
+      </p:nvGrpSpPr>
+      <p:grpSpPr>
+        <a:xfrm>
+          <a:off x="0" y="0"/>
+          <a:ext cx="0" cy="0"/>
+          <a:chOff x="0" y="0"/>
+          <a:chExt cx="0" cy="0"/>
+        </a:xfrm>
+      </p:grpSpPr>
+      <p:sp>
+        <p:nvSpPr>
+          <p:cNvPr id="8" name="Rectangle 7">
+            <a:extLst>
+              <a:ext uri="{FF2B5EF4-FFF2-40B4-BE49-F238E27FC236}">
+                <a16:creationId xmlns:a16="http://schemas.microsoft.com/office/drawing/2014/main" id="{84524344-6823-49EA-89D4-E36A82A9FD62}"/>
+              </a:ext>
+              <a:ext uri="{C183D7F6-B498-43B3-948B-1728B52AA6E4}">
+                <adec:decorative xmlns:adec="http://schemas.microsoft.com/office/drawing/2017/decorative" val="1"/>
+              </a:ext>
+            </a:extLst>
+          </p:cNvPr>
+          <p:cNvSpPr>
+            <a:spLocks noGrp="1" noRot="1" noChangeAspect="1" noMove="1" noResize="1" noEditPoints="1" noAdjustHandles="1" noChangeArrowheads="1" noChangeShapeType="1" noTextEdit="1"/>
+          </p:cNvSpPr>
+          <p:nvPr>
+            <p:extLst>
+              <p:ext uri="{386F3935-93C4-4BCD-93E2-E3B085C9AB24}">
+                <p16:designElem xmlns:p16="http://schemas.microsoft.com/office/powerpoint/2015/main" val="1"/>
+              </p:ext>
+            </p:extLst>
+          </p:nvPr>
+        </p:nvSpPr>
+        <p:spPr>
+          <a:xfrm>
+            <a:off x="0" y="0"/>
+            <a:ext cx="12192000" cy="6858000"/>
+          </a:xfrm>
+          <a:prstGeom prst="rect">
+            <a:avLst/>
+          </a:prstGeom>
+          <a:solidFill>
+            <a:schemeClr val="tx1"/>
+          </a:solidFill>
+          <a:ln w="12700" cap="flat" cmpd="sng" algn="ctr">
+            <a:noFill/>
+            <a:prstDash val="solid"/>
+            <a:miter lim="800000"/>
+          </a:ln>
+          <a:effectLst/>
+        </p:spPr>
+        <p:style>
+          <a:lnRef idx="2">
+            <a:schemeClr val="accent1">
+              <a:shade val="50000"/>
+            </a:schemeClr>
+          </a:lnRef>
+          <a:fillRef idx="1">
+            <a:schemeClr val="accent1"/>
+          </a:fillRef>
+          <a:effectRef idx="0">
+            <a:schemeClr val="accent1"/>
+          </a:effectRef>
+          <a:fontRef idx="minor">
+            <a:schemeClr val="lt1"/>
+          </a:fontRef>
+        </p:style>
+        <p:txBody>
+          <a:bodyPr rtlCol="0" anchor="ctr"/>
+          <a:lstStyle/>
+          <a:p>
+            <a:pPr algn="ctr"/>
+            <a:endParaRPr lang="en-US"/>
+          </a:p>
+        </p:txBody>
+      </p:sp>
+      <p:sp>
+        <p:nvSpPr>
+          <p:cNvPr id="2" name="Title 1">
+            <a:extLst>
+              <a:ext uri="{FF2B5EF4-FFF2-40B4-BE49-F238E27FC236}">
+                <a16:creationId xmlns:a16="http://schemas.microsoft.com/office/drawing/2014/main" id="{8056065D-0300-30CF-B3DF-768F4A92C3DA}"/>
+              </a:ext>
+            </a:extLst>
+          </p:cNvPr>
+          <p:cNvSpPr>
+            <a:spLocks noGrp="1"/>
+          </p:cNvSpPr>
+          <p:nvPr>
+            <p:ph type="ctrTitle"/>
+          </p:nvPr>
+        </p:nvSpPr>
+        <p:spPr>
+          <a:xfrm>
+            <a:off x="1716088" y="1354820"/>
+            <a:ext cx="8748712" cy="2369988"/>
+          </a:xfrm>
+        </p:spPr>
+        <p:txBody>
+          <a:bodyPr>
+            <a:normAutofit/>
+          </a:bodyPr>
+          <a:lstStyle/>
+          <a:p>
+            <a:pPr algn="l"/>
+            <a:r>
+              <a:rPr lang="en-GB" sz="7200">
+                <a:solidFill>
+                  <a:schemeClr val="bg1"/>
+                </a:solidFill>
+              </a:rPr>
+              <a:t>Blockchain Tycoon Presentation</a:t>
+            </a:r>
+            <a:endParaRPr lang="fi-FI" sz="7200">
+              <a:solidFill>
+                <a:schemeClr val="bg1"/>
+              </a:solidFill>
+            </a:endParaRPr>
+          </a:p>
+        </p:txBody>
+      </p:sp>
+      <p:sp>
+        <p:nvSpPr>
+          <p:cNvPr id="3" name="Subtitle 2">
+            <a:extLst>
+              <a:ext uri="{FF2B5EF4-FFF2-40B4-BE49-F238E27FC236}">
+                <a16:creationId xmlns:a16="http://schemas.microsoft.com/office/drawing/2014/main" id="{21E2FC4F-C79C-BF34-F8E8-25346B2A83C8}"/>
+              </a:ext>
+            </a:extLst>
+          </p:cNvPr>
+          <p:cNvSpPr>
+            <a:spLocks noGrp="1"/>
+          </p:cNvSpPr>
+          <p:nvPr>
+            <p:ph type="subTitle" idx="1"/>
+          </p:nvPr>
+        </p:nvSpPr>
+        <p:spPr>
+          <a:xfrm>
+            <a:off x="1712914" y="4105804"/>
+            <a:ext cx="7866062" cy="1920136"/>
+          </a:xfrm>
+        </p:spPr>
+        <p:txBody>
+          <a:bodyPr wrap="square">
+            <a:normAutofit/>
+          </a:bodyPr>
+          <a:lstStyle/>
+          <a:p>
+            <a:pPr algn="l"/>
+            <a:r>
+              <a:rPr lang="en-GB">
+                <a:solidFill>
+                  <a:schemeClr val="bg1"/>
+                </a:solidFill>
+              </a:rPr>
+              <a:t>Valtteri Hermonen</a:t>
+            </a:r>
+            <a:r>
+              <a:rPr lang="fi-FI">
+                <a:solidFill>
+                  <a:schemeClr val="bg1"/>
+                </a:solidFill>
+              </a:rPr>
+              <a:t>, Iiro Toivanen</a:t>
+            </a:r>
+            <a:endParaRPr lang="en-GB">
+              <a:solidFill>
+                <a:schemeClr val="bg1"/>
+              </a:solidFill>
+            </a:endParaRPr>
+          </a:p>
+        </p:txBody>
+      </p:sp>
+      <p:grpSp>
+        <p:nvGrpSpPr>
+          <p:cNvPr id="10" name="Group 9">
+            <a:extLst>
+              <a:ext uri="{FF2B5EF4-FFF2-40B4-BE49-F238E27FC236}">
+                <a16:creationId xmlns:a16="http://schemas.microsoft.com/office/drawing/2014/main" id="{83F0465A-8953-42AC-8F67-7B9A54E660A2}"/>
+              </a:ext>
+              <a:ext uri="{C183D7F6-B498-43B3-948B-1728B52AA6E4}">
+                <adec:decorative xmlns:adec="http://schemas.microsoft.com/office/drawing/2017/decorative" val="1"/>
+              </a:ext>
+            </a:extLst>
+          </p:cNvPr>
+          <p:cNvGrpSpPr>
+            <a:grpSpLocks noGrp="1" noUngrp="1" noRot="1" noChangeAspect="1" noMove="1" noResize="1"/>
+          </p:cNvGrpSpPr>
+          <p:nvPr>
+            <p:extLst>
+              <p:ext uri="{386F3935-93C4-4BCD-93E2-E3B085C9AB24}">
+                <p16:designElem xmlns:p16="http://schemas.microsoft.com/office/powerpoint/2015/main" val="1"/>
+              </p:ext>
+            </p:extLst>
+          </p:nvPr>
+        </p:nvGrpSpPr>
+        <p:grpSpPr>
+          <a:xfrm>
+            <a:off x="0" y="6142518"/>
+            <a:ext cx="10455568" cy="715482"/>
+            <a:chOff x="0" y="6142518"/>
+            <a:chExt cx="10455568" cy="715482"/>
+          </a:xfrm>
+          <a:effectLst>
+            <a:outerShdw blurRad="381000" dist="152400" dir="16200000" algn="ctr" rotWithShape="0">
+              <a:srgbClr val="000000">
+                <a:alpha val="10000"/>
+              </a:srgbClr>
+            </a:outerShdw>
+          </a:effectLst>
+        </p:grpSpPr>
+        <p:sp>
+          <p:nvSpPr>
+            <p:cNvPr id="11" name="Freeform: Shape 10">
+              <a:extLst>
+                <a:ext uri="{FF2B5EF4-FFF2-40B4-BE49-F238E27FC236}">
+                  <a16:creationId xmlns:a16="http://schemas.microsoft.com/office/drawing/2014/main" id="{50CE1BBA-977A-4210-A80D-8A0BAAA18BE2}"/>
+                </a:ext>
+                <a:ext uri="{C183D7F6-B498-43B3-948B-1728B52AA6E4}">
+                  <adec:decorative xmlns:adec="http://schemas.microsoft.com/office/drawing/2017/decorative" val="1"/>
+                </a:ext>
+              </a:extLst>
+            </p:cNvPr>
+            <p:cNvSpPr/>
+            <p:nvPr>
+              <p:extLst>
+                <p:ext uri="{386F3935-93C4-4BCD-93E2-E3B085C9AB24}">
+                  <p16:designElem xmlns:p16="http://schemas.microsoft.com/office/powerpoint/2015/main" val="1"/>
+                </p:ext>
+              </p:extLst>
+            </p:nvPr>
+          </p:nvSpPr>
+          <p:spPr>
+            <a:xfrm>
+              <a:off x="6117789" y="6848400"/>
+              <a:ext cx="153399" cy="9600"/>
+            </a:xfrm>
+            <a:custGeom>
+              <a:avLst/>
+              <a:gdLst>
+                <a:gd name="connsiteX0" fmla="*/ 92746 w 153399"/>
+                <a:gd name="connsiteY0" fmla="*/ 43 h 9600"/>
+                <a:gd name="connsiteX1" fmla="*/ 144918 w 153399"/>
+                <a:gd name="connsiteY1" fmla="*/ 6433 h 9600"/>
+                <a:gd name="connsiteX2" fmla="*/ 153399 w 153399"/>
+                <a:gd name="connsiteY2" fmla="*/ 9600 h 9600"/>
+                <a:gd name="connsiteX3" fmla="*/ 0 w 153399"/>
+                <a:gd name="connsiteY3" fmla="*/ 9600 h 9600"/>
+                <a:gd name="connsiteX4" fmla="*/ 26678 w 153399"/>
+                <a:gd name="connsiteY4" fmla="*/ 6286 h 9600"/>
+                <a:gd name="connsiteX5" fmla="*/ 92746 w 153399"/>
+                <a:gd name="connsiteY5" fmla="*/ 43 h 9600"/>
+              </a:gdLst>
+              <a:ahLst/>
+              <a:cxnLst>
+                <a:cxn ang="0">
+                  <a:pos x="connsiteX0" y="connsiteY0"/>
+                </a:cxn>
+                <a:cxn ang="0">
+                  <a:pos x="connsiteX1" y="connsiteY1"/>
+                </a:cxn>
+                <a:cxn ang="0">
+                  <a:pos x="connsiteX2" y="connsiteY2"/>
+                </a:cxn>
+                <a:cxn ang="0">
+                  <a:pos x="connsiteX3" y="connsiteY3"/>
+                </a:cxn>
+                <a:cxn ang="0">
+                  <a:pos x="connsiteX4" y="connsiteY4"/>
+                </a:cxn>
+                <a:cxn ang="0">
+                  <a:pos x="connsiteX5" y="connsiteY5"/>
+                </a:cxn>
+              </a:cxnLst>
+              <a:rect l="l" t="t" r="r" b="b"/>
+              <a:pathLst>
+                <a:path w="153399" h="9600">
+                  <a:moveTo>
+                    <a:pt x="92746" y="43"/>
+                  </a:moveTo>
+                  <a:cubicBezTo>
+                    <a:pt x="111004" y="-358"/>
+                    <a:pt x="128295" y="2072"/>
+                    <a:pt x="144918" y="6433"/>
+                  </a:cubicBezTo>
+                  <a:lnTo>
+                    <a:pt x="153399" y="9600"/>
+                  </a:lnTo>
+                  <a:lnTo>
+                    <a:pt x="0" y="9600"/>
+                  </a:lnTo>
+                  <a:lnTo>
+                    <a:pt x="26678" y="6286"/>
+                  </a:lnTo>
+                  <a:cubicBezTo>
+                    <a:pt x="48667" y="3255"/>
+                    <a:pt x="70647" y="552"/>
+                    <a:pt x="92746" y="43"/>
+                  </a:cubicBezTo>
+                  <a:close/>
+                </a:path>
+              </a:pathLst>
+            </a:custGeom>
+            <a:blipFill dpi="0" rotWithShape="1">
+              <a:blip r:embed="rId2">
+                <a:alphaModFix amt="57000"/>
+              </a:blip>
+              <a:srcRect/>
+              <a:tile tx="0" ty="0" sx="100000" sy="100000" flip="none" algn="tl"/>
+            </a:blipFill>
+            <a:ln>
+              <a:noFill/>
+            </a:ln>
+            <a:effectLst/>
+          </p:spPr>
+          <p:style>
+            <a:lnRef idx="2">
+              <a:schemeClr val="accent1">
+                <a:shade val="50000"/>
+              </a:schemeClr>
+            </a:lnRef>
+            <a:fillRef idx="1">
+              <a:schemeClr val="accent1"/>
+            </a:fillRef>
+            <a:effectRef idx="0">
+              <a:schemeClr val="accent1"/>
+            </a:effectRef>
+            <a:fontRef idx="minor">
+              <a:schemeClr val="lt1"/>
+            </a:fontRef>
+          </p:style>
+          <p:txBody>
+            <a:bodyPr wrap="square" rtlCol="0" anchor="ctr">
+              <a:noAutofit/>
+            </a:bodyPr>
+            <a:lstStyle/>
+            <a:p>
+              <a:pPr algn="ctr"/>
+              <a:endParaRPr lang="en-US"/>
+            </a:p>
+          </p:txBody>
+        </p:sp>
+        <p:grpSp>
+          <p:nvGrpSpPr>
+            <p:cNvPr id="12" name="Group 11">
+              <a:extLst>
+                <a:ext uri="{FF2B5EF4-FFF2-40B4-BE49-F238E27FC236}">
+                  <a16:creationId xmlns:a16="http://schemas.microsoft.com/office/drawing/2014/main" id="{71E1A328-D621-4993-B11B-011ED169AC99}"/>
+                </a:ext>
+                <a:ext uri="{C183D7F6-B498-43B3-948B-1728B52AA6E4}">
+                  <adec:decorative xmlns:adec="http://schemas.microsoft.com/office/drawing/2017/decorative" val="1"/>
+                </a:ext>
+              </a:extLst>
+            </p:cNvPr>
+            <p:cNvGrpSpPr/>
+            <p:nvPr>
+              <p:extLst>
+                <p:ext uri="{386F3935-93C4-4BCD-93E2-E3B085C9AB24}">
+                  <p16:designElem xmlns:p16="http://schemas.microsoft.com/office/powerpoint/2015/main" val="1"/>
+                </p:ext>
+              </p:extLst>
+            </p:nvPr>
+          </p:nvGrpSpPr>
+          <p:grpSpPr>
+            <a:xfrm rot="10800000" flipH="1">
+              <a:off x="0" y="6142518"/>
+              <a:ext cx="10455568" cy="715481"/>
+              <a:chOff x="0" y="0"/>
+              <a:chExt cx="10455568" cy="715481"/>
+            </a:xfrm>
+          </p:grpSpPr>
+          <p:sp>
+            <p:nvSpPr>
+              <p:cNvPr id="17" name="Freeform: Shape 16">
+                <a:extLst>
+                  <a:ext uri="{FF2B5EF4-FFF2-40B4-BE49-F238E27FC236}">
+                    <a16:creationId xmlns:a16="http://schemas.microsoft.com/office/drawing/2014/main" id="{41D2543A-0A6F-4980-98CA-658AA8EEAC6B}"/>
+                  </a:ext>
+                  <a:ext uri="{C183D7F6-B498-43B3-948B-1728B52AA6E4}">
+                    <adec:decorative xmlns:adec="http://schemas.microsoft.com/office/drawing/2017/decorative" val="1"/>
+                  </a:ext>
+                </a:extLst>
+              </p:cNvPr>
+              <p:cNvSpPr/>
+              <p:nvPr>
+                <p:extLst>
+                  <p:ext uri="{386F3935-93C4-4BCD-93E2-E3B085C9AB24}">
+                    <p16:designElem xmlns:p16="http://schemas.microsoft.com/office/powerpoint/2015/main" val="1"/>
+                  </p:ext>
+                </p:extLst>
+              </p:nvPr>
+            </p:nvSpPr>
+            <p:spPr>
+              <a:xfrm>
+                <a:off x="0" y="2"/>
+                <a:ext cx="10455568" cy="715479"/>
+              </a:xfrm>
+              <a:custGeom>
+                <a:avLst/>
+                <a:gdLst>
+                  <a:gd name="connsiteX0" fmla="*/ 0 w 10455568"/>
+                  <a:gd name="connsiteY0" fmla="*/ 0 h 715479"/>
+                  <a:gd name="connsiteX1" fmla="*/ 10455568 w 10455568"/>
+                  <a:gd name="connsiteY1" fmla="*/ 0 h 715479"/>
+                  <a:gd name="connsiteX2" fmla="*/ 10434629 w 10455568"/>
+                  <a:gd name="connsiteY2" fmla="*/ 8947 h 715479"/>
+                  <a:gd name="connsiteX3" fmla="*/ 10249341 w 10455568"/>
+                  <a:gd name="connsiteY3" fmla="*/ 73146 h 715479"/>
+                  <a:gd name="connsiteX4" fmla="*/ 10172148 w 10455568"/>
+                  <a:gd name="connsiteY4" fmla="*/ 103170 h 715479"/>
+                  <a:gd name="connsiteX5" fmla="*/ 9994576 w 10455568"/>
+                  <a:gd name="connsiteY5" fmla="*/ 156647 h 715479"/>
+                  <a:gd name="connsiteX6" fmla="*/ 9894474 w 10455568"/>
+                  <a:gd name="connsiteY6" fmla="*/ 192604 h 715479"/>
+                  <a:gd name="connsiteX7" fmla="*/ 9647603 w 10455568"/>
+                  <a:gd name="connsiteY7" fmla="*/ 242354 h 715479"/>
+                  <a:gd name="connsiteX8" fmla="*/ 9392533 w 10455568"/>
+                  <a:gd name="connsiteY8" fmla="*/ 291498 h 715479"/>
+                  <a:gd name="connsiteX9" fmla="*/ 9252019 w 10455568"/>
+                  <a:gd name="connsiteY9" fmla="*/ 311564 h 715479"/>
+                  <a:gd name="connsiteX10" fmla="*/ 9129899 w 10455568"/>
+                  <a:gd name="connsiteY10" fmla="*/ 336497 h 715479"/>
+                  <a:gd name="connsiteX11" fmla="*/ 9023312 w 10455568"/>
+                  <a:gd name="connsiteY11" fmla="*/ 354253 h 715479"/>
+                  <a:gd name="connsiteX12" fmla="*/ 8853949 w 10455568"/>
+                  <a:gd name="connsiteY12" fmla="*/ 387064 h 715479"/>
+                  <a:gd name="connsiteX13" fmla="*/ 8783278 w 10455568"/>
+                  <a:gd name="connsiteY13" fmla="*/ 397418 h 715479"/>
+                  <a:gd name="connsiteX14" fmla="*/ 8615640 w 10455568"/>
+                  <a:gd name="connsiteY14" fmla="*/ 408552 h 715479"/>
+                  <a:gd name="connsiteX15" fmla="*/ 8557154 w 10455568"/>
+                  <a:gd name="connsiteY15" fmla="*/ 409627 h 715479"/>
+                  <a:gd name="connsiteX16" fmla="*/ 8442474 w 10455568"/>
+                  <a:gd name="connsiteY16" fmla="*/ 381318 h 715479"/>
+                  <a:gd name="connsiteX17" fmla="*/ 8428959 w 10455568"/>
+                  <a:gd name="connsiteY17" fmla="*/ 379618 h 715479"/>
+                  <a:gd name="connsiteX18" fmla="*/ 8354329 w 10455568"/>
+                  <a:gd name="connsiteY18" fmla="*/ 370428 h 715479"/>
+                  <a:gd name="connsiteX19" fmla="*/ 8313705 w 10455568"/>
+                  <a:gd name="connsiteY19" fmla="*/ 368535 h 715479"/>
+                  <a:gd name="connsiteX20" fmla="*/ 8158571 w 10455568"/>
+                  <a:gd name="connsiteY20" fmla="*/ 349396 h 715479"/>
+                  <a:gd name="connsiteX21" fmla="*/ 8069467 w 10455568"/>
+                  <a:gd name="connsiteY21" fmla="*/ 341485 h 715479"/>
+                  <a:gd name="connsiteX22" fmla="*/ 7998265 w 10455568"/>
+                  <a:gd name="connsiteY22" fmla="*/ 348379 h 715479"/>
+                  <a:gd name="connsiteX23" fmla="*/ 7873167 w 10455568"/>
+                  <a:gd name="connsiteY23" fmla="*/ 359529 h 715479"/>
+                  <a:gd name="connsiteX24" fmla="*/ 7833600 w 10455568"/>
+                  <a:gd name="connsiteY24" fmla="*/ 368926 h 715479"/>
+                  <a:gd name="connsiteX25" fmla="*/ 7651338 w 10455568"/>
+                  <a:gd name="connsiteY25" fmla="*/ 362121 h 715479"/>
+                  <a:gd name="connsiteX26" fmla="*/ 7548003 w 10455568"/>
+                  <a:gd name="connsiteY26" fmla="*/ 367710 h 715479"/>
+                  <a:gd name="connsiteX27" fmla="*/ 7430093 w 10455568"/>
+                  <a:gd name="connsiteY27" fmla="*/ 351855 h 715479"/>
+                  <a:gd name="connsiteX28" fmla="*/ 7396245 w 10455568"/>
+                  <a:gd name="connsiteY28" fmla="*/ 355328 h 715479"/>
+                  <a:gd name="connsiteX29" fmla="*/ 7358394 w 10455568"/>
+                  <a:gd name="connsiteY29" fmla="*/ 359950 h 715479"/>
+                  <a:gd name="connsiteX30" fmla="*/ 7241933 w 10455568"/>
+                  <a:gd name="connsiteY30" fmla="*/ 369637 h 715479"/>
+                  <a:gd name="connsiteX31" fmla="*/ 7171767 w 10455568"/>
+                  <a:gd name="connsiteY31" fmla="*/ 383160 h 715479"/>
+                  <a:gd name="connsiteX32" fmla="*/ 7036569 w 10455568"/>
+                  <a:gd name="connsiteY32" fmla="*/ 387132 h 715479"/>
+                  <a:gd name="connsiteX33" fmla="*/ 6987200 w 10455568"/>
+                  <a:gd name="connsiteY33" fmla="*/ 398073 h 715479"/>
+                  <a:gd name="connsiteX34" fmla="*/ 6861115 w 10455568"/>
+                  <a:gd name="connsiteY34" fmla="*/ 407542 h 715479"/>
+                  <a:gd name="connsiteX35" fmla="*/ 6747718 w 10455568"/>
+                  <a:gd name="connsiteY35" fmla="*/ 410900 h 715479"/>
+                  <a:gd name="connsiteX36" fmla="*/ 6638839 w 10455568"/>
+                  <a:gd name="connsiteY36" fmla="*/ 420654 h 715479"/>
+                  <a:gd name="connsiteX37" fmla="*/ 6561486 w 10455568"/>
+                  <a:gd name="connsiteY37" fmla="*/ 435540 h 715479"/>
+                  <a:gd name="connsiteX38" fmla="*/ 6477200 w 10455568"/>
+                  <a:gd name="connsiteY38" fmla="*/ 447113 h 715479"/>
+                  <a:gd name="connsiteX39" fmla="*/ 6246111 w 10455568"/>
+                  <a:gd name="connsiteY39" fmla="*/ 497537 h 715479"/>
+                  <a:gd name="connsiteX40" fmla="*/ 6202328 w 10455568"/>
+                  <a:gd name="connsiteY40" fmla="*/ 492074 h 715479"/>
+                  <a:gd name="connsiteX41" fmla="*/ 5956458 w 10455568"/>
+                  <a:gd name="connsiteY41" fmla="*/ 500965 h 715479"/>
+                  <a:gd name="connsiteX42" fmla="*/ 5903139 w 10455568"/>
+                  <a:gd name="connsiteY42" fmla="*/ 505186 h 715479"/>
+                  <a:gd name="connsiteX43" fmla="*/ 5757547 w 10455568"/>
+                  <a:gd name="connsiteY43" fmla="*/ 480730 h 715479"/>
+                  <a:gd name="connsiteX44" fmla="*/ 5540270 w 10455568"/>
+                  <a:gd name="connsiteY44" fmla="*/ 550023 h 715479"/>
+                  <a:gd name="connsiteX45" fmla="*/ 5338128 w 10455568"/>
+                  <a:gd name="connsiteY45" fmla="*/ 631974 h 715479"/>
+                  <a:gd name="connsiteX46" fmla="*/ 5312622 w 10455568"/>
+                  <a:gd name="connsiteY46" fmla="*/ 642454 h 715479"/>
+                  <a:gd name="connsiteX47" fmla="*/ 5239393 w 10455568"/>
+                  <a:gd name="connsiteY47" fmla="*/ 662307 h 715479"/>
+                  <a:gd name="connsiteX48" fmla="*/ 5147821 w 10455568"/>
+                  <a:gd name="connsiteY48" fmla="*/ 673791 h 715479"/>
+                  <a:gd name="connsiteX49" fmla="*/ 5032111 w 10455568"/>
+                  <a:gd name="connsiteY49" fmla="*/ 694497 h 715479"/>
+                  <a:gd name="connsiteX50" fmla="*/ 4937648 w 10455568"/>
+                  <a:gd name="connsiteY50" fmla="*/ 684913 h 715479"/>
+                  <a:gd name="connsiteX51" fmla="*/ 4805529 w 10455568"/>
+                  <a:gd name="connsiteY51" fmla="*/ 670032 h 715479"/>
+                  <a:gd name="connsiteX52" fmla="*/ 4681029 w 10455568"/>
+                  <a:gd name="connsiteY52" fmla="*/ 655792 h 715479"/>
+                  <a:gd name="connsiteX53" fmla="*/ 4643990 w 10455568"/>
+                  <a:gd name="connsiteY53" fmla="*/ 685120 h 715479"/>
+                  <a:gd name="connsiteX54" fmla="*/ 4585542 w 10455568"/>
+                  <a:gd name="connsiteY54" fmla="*/ 712411 h 715479"/>
+                  <a:gd name="connsiteX55" fmla="*/ 4516947 w 10455568"/>
+                  <a:gd name="connsiteY55" fmla="*/ 689117 h 715479"/>
+                  <a:gd name="connsiteX56" fmla="*/ 4356995 w 10455568"/>
+                  <a:gd name="connsiteY56" fmla="*/ 642048 h 715479"/>
+                  <a:gd name="connsiteX57" fmla="*/ 4258219 w 10455568"/>
+                  <a:gd name="connsiteY57" fmla="*/ 646156 h 715479"/>
+                  <a:gd name="connsiteX58" fmla="*/ 4042233 w 10455568"/>
+                  <a:gd name="connsiteY58" fmla="*/ 636117 h 715479"/>
+                  <a:gd name="connsiteX59" fmla="*/ 3899777 w 10455568"/>
+                  <a:gd name="connsiteY59" fmla="*/ 610576 h 715479"/>
+                  <a:gd name="connsiteX60" fmla="*/ 3796441 w 10455568"/>
+                  <a:gd name="connsiteY60" fmla="*/ 577707 h 715479"/>
+                  <a:gd name="connsiteX61" fmla="*/ 3648774 w 10455568"/>
+                  <a:gd name="connsiteY61" fmla="*/ 535623 h 715479"/>
+                  <a:gd name="connsiteX62" fmla="*/ 3502227 w 10455568"/>
+                  <a:gd name="connsiteY62" fmla="*/ 518518 h 715479"/>
+                  <a:gd name="connsiteX63" fmla="*/ 3395228 w 10455568"/>
+                  <a:gd name="connsiteY63" fmla="*/ 491723 h 715479"/>
+                  <a:gd name="connsiteX64" fmla="*/ 3265757 w 10455568"/>
+                  <a:gd name="connsiteY64" fmla="*/ 477242 h 715479"/>
+                  <a:gd name="connsiteX65" fmla="*/ 3158404 w 10455568"/>
+                  <a:gd name="connsiteY65" fmla="*/ 483689 h 715479"/>
+                  <a:gd name="connsiteX66" fmla="*/ 2990483 w 10455568"/>
+                  <a:gd name="connsiteY66" fmla="*/ 499212 h 715479"/>
+                  <a:gd name="connsiteX67" fmla="*/ 2779802 w 10455568"/>
+                  <a:gd name="connsiteY67" fmla="*/ 443069 h 715479"/>
+                  <a:gd name="connsiteX68" fmla="*/ 2695508 w 10455568"/>
+                  <a:gd name="connsiteY68" fmla="*/ 433082 h 715479"/>
+                  <a:gd name="connsiteX69" fmla="*/ 2616713 w 10455568"/>
+                  <a:gd name="connsiteY69" fmla="*/ 431172 h 715479"/>
+                  <a:gd name="connsiteX70" fmla="*/ 2447364 w 10455568"/>
+                  <a:gd name="connsiteY70" fmla="*/ 395810 h 715479"/>
+                  <a:gd name="connsiteX71" fmla="*/ 2378751 w 10455568"/>
+                  <a:gd name="connsiteY71" fmla="*/ 385044 h 715479"/>
+                  <a:gd name="connsiteX72" fmla="*/ 2284230 w 10455568"/>
+                  <a:gd name="connsiteY72" fmla="*/ 391782 h 715479"/>
+                  <a:gd name="connsiteX73" fmla="*/ 2110801 w 10455568"/>
+                  <a:gd name="connsiteY73" fmla="*/ 382042 h 715479"/>
+                  <a:gd name="connsiteX74" fmla="*/ 1934854 w 10455568"/>
+                  <a:gd name="connsiteY74" fmla="*/ 331108 h 715479"/>
+                  <a:gd name="connsiteX75" fmla="*/ 1862479 w 10455568"/>
+                  <a:gd name="connsiteY75" fmla="*/ 342158 h 715479"/>
+                  <a:gd name="connsiteX76" fmla="*/ 1836283 w 10455568"/>
+                  <a:gd name="connsiteY76" fmla="*/ 342488 h 715479"/>
+                  <a:gd name="connsiteX77" fmla="*/ 1599327 w 10455568"/>
+                  <a:gd name="connsiteY77" fmla="*/ 323970 h 715479"/>
+                  <a:gd name="connsiteX78" fmla="*/ 1575578 w 10455568"/>
+                  <a:gd name="connsiteY78" fmla="*/ 321802 h 715479"/>
+                  <a:gd name="connsiteX79" fmla="*/ 1463288 w 10455568"/>
+                  <a:gd name="connsiteY79" fmla="*/ 298576 h 715479"/>
+                  <a:gd name="connsiteX80" fmla="*/ 1184165 w 10455568"/>
+                  <a:gd name="connsiteY80" fmla="*/ 298373 h 715479"/>
+                  <a:gd name="connsiteX81" fmla="*/ 1166899 w 10455568"/>
+                  <a:gd name="connsiteY81" fmla="*/ 297220 h 715479"/>
+                  <a:gd name="connsiteX82" fmla="*/ 1074855 w 10455568"/>
+                  <a:gd name="connsiteY82" fmla="*/ 318934 h 715479"/>
+                  <a:gd name="connsiteX83" fmla="*/ 1030232 w 10455568"/>
+                  <a:gd name="connsiteY83" fmla="*/ 343829 h 715479"/>
+                  <a:gd name="connsiteX84" fmla="*/ 959854 w 10455568"/>
+                  <a:gd name="connsiteY84" fmla="*/ 371351 h 715479"/>
+                  <a:gd name="connsiteX85" fmla="*/ 887350 w 10455568"/>
+                  <a:gd name="connsiteY85" fmla="*/ 384742 h 715479"/>
+                  <a:gd name="connsiteX86" fmla="*/ 762349 w 10455568"/>
+                  <a:gd name="connsiteY86" fmla="*/ 358882 h 715479"/>
+                  <a:gd name="connsiteX87" fmla="*/ 717454 w 10455568"/>
+                  <a:gd name="connsiteY87" fmla="*/ 358448 h 715479"/>
+                  <a:gd name="connsiteX88" fmla="*/ 616859 w 10455568"/>
+                  <a:gd name="connsiteY88" fmla="*/ 348700 h 715479"/>
+                  <a:gd name="connsiteX89" fmla="*/ 529939 w 10455568"/>
+                  <a:gd name="connsiteY89" fmla="*/ 355789 h 715479"/>
+                  <a:gd name="connsiteX90" fmla="*/ 461851 w 10455568"/>
+                  <a:gd name="connsiteY90" fmla="*/ 386945 h 715479"/>
+                  <a:gd name="connsiteX91" fmla="*/ 360707 w 10455568"/>
+                  <a:gd name="connsiteY91" fmla="*/ 399082 h 715479"/>
+                  <a:gd name="connsiteX92" fmla="*/ 293863 w 10455568"/>
+                  <a:gd name="connsiteY92" fmla="*/ 384410 h 715479"/>
+                  <a:gd name="connsiteX93" fmla="*/ 280347 w 10455568"/>
+                  <a:gd name="connsiteY93" fmla="*/ 382711 h 715479"/>
+                  <a:gd name="connsiteX94" fmla="*/ 108881 w 10455568"/>
+                  <a:gd name="connsiteY94" fmla="*/ 393231 h 715479"/>
+                  <a:gd name="connsiteX95" fmla="*/ 53435 w 10455568"/>
+                  <a:gd name="connsiteY95" fmla="*/ 397222 h 715479"/>
+                  <a:gd name="connsiteX96" fmla="*/ 0 w 10455568"/>
+                  <a:gd name="connsiteY96" fmla="*/ 409348 h 715479"/>
+                </a:gdLst>
+                <a:ahLst/>
+                <a:cxnLst>
+                  <a:cxn ang="0">
+                    <a:pos x="connsiteX0" y="connsiteY0"/>
+                  </a:cxn>
+                  <a:cxn ang="0">
+                    <a:pos x="connsiteX1" y="connsiteY1"/>
+                  </a:cxn>
+                  <a:cxn ang="0">
+                    <a:pos x="connsiteX2" y="connsiteY2"/>
+                  </a:cxn>
+                  <a:cxn ang="0">
+                    <a:pos x="connsiteX3" y="connsiteY3"/>
+                  </a:cxn>
+                  <a:cxn ang="0">
+                    <a:pos x="connsiteX4" y="connsiteY4"/>
+                  </a:cxn>
+                  <a:cxn ang="0">
+                    <a:pos x="connsiteX5" y="connsiteY5"/>
+                  </a:cxn>
+                  <a:cxn ang="0">
+                    <a:pos x="connsiteX6" y="connsiteY6"/>
+                  </a:cxn>
+                  <a:cxn ang="0">
+                    <a:pos x="connsiteX7" y="connsiteY7"/>
+                  </a:cxn>
+                  <a:cxn ang="0">
+                    <a:pos x="connsiteX8" y="connsiteY8"/>
+                  </a:cxn>
+                  <a:cxn ang="0">
+                    <a:pos x="connsiteX9" y="connsiteY9"/>
+                  </a:cxn>
+                  <a:cxn ang="0">
+                    <a:pos x="connsiteX10" y="connsiteY10"/>
+                  </a:cxn>
+                  <a:cxn ang="0">
+                    <a:pos x="connsiteX11" y="connsiteY11"/>
+                  </a:cxn>
+                  <a:cxn ang="0">
+                    <a:pos x="connsiteX12" y="connsiteY12"/>
+                  </a:cxn>
+                  <a:cxn ang="0">
+                    <a:pos x="connsiteX13" y="connsiteY13"/>
+                  </a:cxn>
+                  <a:cxn ang="0">
+                    <a:pos x="connsiteX14" y="connsiteY14"/>
+                  </a:cxn>
+                  <a:cxn ang="0">
+                    <a:pos x="connsiteX15" y="connsiteY15"/>
+                  </a:cxn>
+                  <a:cxn ang="0">
+                    <a:pos x="connsiteX16" y="connsiteY16"/>
+                  </a:cxn>
+                  <a:cxn ang="0">
+                    <a:pos x="connsiteX17" y="connsiteY17"/>
+                  </a:cxn>
+                  <a:cxn ang="0">
+                    <a:pos x="connsiteX18" y="connsiteY18"/>
+                  </a:cxn>
+                  <a:cxn ang="0">
+                    <a:pos x="connsiteX19" y="connsiteY19"/>
+                  </a:cxn>
+                  <a:cxn ang="0">
+                    <a:pos x="connsiteX20" y="connsiteY20"/>
+                  </a:cxn>
+                  <a:cxn ang="0">
+                    <a:pos x="connsiteX21" y="connsiteY21"/>
+                  </a:cxn>
+                  <a:cxn ang="0">
+                    <a:pos x="connsiteX22" y="connsiteY22"/>
+                  </a:cxn>
+                  <a:cxn ang="0">
+                    <a:pos x="connsiteX23" y="connsiteY23"/>
+                  </a:cxn>
+                  <a:cxn ang="0">
+                    <a:pos x="connsiteX24" y="connsiteY24"/>
+                  </a:cxn>
+                  <a:cxn ang="0">
+                    <a:pos x="connsiteX25" y="connsiteY25"/>
+                  </a:cxn>
+                  <a:cxn ang="0">
+                    <a:pos x="connsiteX26" y="connsiteY26"/>
+                  </a:cxn>
+                  <a:cxn ang="0">
+                    <a:pos x="connsiteX27" y="connsiteY27"/>
+                  </a:cxn>
+                  <a:cxn ang="0">
+                    <a:pos x="connsiteX28" y="connsiteY28"/>
+                  </a:cxn>
+                  <a:cxn ang="0">
+                    <a:pos x="connsiteX29" y="connsiteY29"/>
+                  </a:cxn>
+                  <a:cxn ang="0">
+                    <a:pos x="connsiteX30" y="connsiteY30"/>
+                  </a:cxn>
+                  <a:cxn ang="0">
+                    <a:pos x="connsiteX31" y="connsiteY31"/>
+                  </a:cxn>
+                  <a:cxn ang="0">
+                    <a:pos x="connsiteX32" y="connsiteY32"/>
+                  </a:cxn>
+                  <a:cxn ang="0">
+                    <a:pos x="connsiteX33" y="connsiteY33"/>
+                  </a:cxn>
+                  <a:cxn ang="0">
+                    <a:pos x="connsiteX34" y="connsiteY34"/>
+                  </a:cxn>
+                  <a:cxn ang="0">
+                    <a:pos x="connsiteX35" y="connsiteY35"/>
+                  </a:cxn>
+                  <a:cxn ang="0">
+                    <a:pos x="connsiteX36" y="connsiteY36"/>
+                  </a:cxn>
+                  <a:cxn ang="0">
+                    <a:pos x="connsiteX37" y="connsiteY37"/>
+                  </a:cxn>
+                  <a:cxn ang="0">
+                    <a:pos x="connsiteX38" y="connsiteY38"/>
+                  </a:cxn>
+                  <a:cxn ang="0">
+                    <a:pos x="connsiteX39" y="connsiteY39"/>
+                  </a:cxn>
+                  <a:cxn ang="0">
+                    <a:pos x="connsiteX40" y="connsiteY40"/>
+                  </a:cxn>
+                  <a:cxn ang="0">
+                    <a:pos x="connsiteX41" y="connsiteY41"/>
+                  </a:cxn>
+                  <a:cxn ang="0">
+                    <a:pos x="connsiteX42" y="connsiteY42"/>
+                  </a:cxn>
+                  <a:cxn ang="0">
+                    <a:pos x="connsiteX43" y="connsiteY43"/>
+                  </a:cxn>
+                  <a:cxn ang="0">
+                    <a:pos x="connsiteX44" y="connsiteY44"/>
+                  </a:cxn>
+                  <a:cxn ang="0">
+                    <a:pos x="connsiteX45" y="connsiteY45"/>
+                  </a:cxn>
+                  <a:cxn ang="0">
+                    <a:pos x="connsiteX46" y="connsiteY46"/>
+                  </a:cxn>
+                  <a:cxn ang="0">
+                    <a:pos x="connsiteX47" y="connsiteY47"/>
+                  </a:cxn>
+                  <a:cxn ang="0">
+                    <a:pos x="connsiteX48" y="connsiteY48"/>
+                  </a:cxn>
+                  <a:cxn ang="0">
+                    <a:pos x="connsiteX49" y="connsiteY49"/>
+                  </a:cxn>
+                  <a:cxn ang="0">
+                    <a:pos x="connsiteX50" y="connsiteY50"/>
+                  </a:cxn>
+                  <a:cxn ang="0">
+                    <a:pos x="connsiteX51" y="connsiteY51"/>
+                  </a:cxn>
+                  <a:cxn ang="0">
+                    <a:pos x="connsiteX52" y="connsiteY52"/>
+                  </a:cxn>
+                  <a:cxn ang="0">
+                    <a:pos x="connsiteX53" y="connsiteY53"/>
+                  </a:cxn>
+                  <a:cxn ang="0">
+                    <a:pos x="connsiteX54" y="connsiteY54"/>
+                  </a:cxn>
+                  <a:cxn ang="0">
+                    <a:pos x="connsiteX55" y="connsiteY55"/>
+                  </a:cxn>
+                  <a:cxn ang="0">
+                    <a:pos x="connsiteX56" y="connsiteY56"/>
+                  </a:cxn>
+                  <a:cxn ang="0">
+                    <a:pos x="connsiteX57" y="connsiteY57"/>
+                  </a:cxn>
+                  <a:cxn ang="0">
+                    <a:pos x="connsiteX58" y="connsiteY58"/>
+                  </a:cxn>
+                  <a:cxn ang="0">
+                    <a:pos x="connsiteX59" y="connsiteY59"/>
+                  </a:cxn>
+                  <a:cxn ang="0">
+                    <a:pos x="connsiteX60" y="connsiteY60"/>
+                  </a:cxn>
+                  <a:cxn ang="0">
+                    <a:pos x="connsiteX61" y="connsiteY61"/>
+                  </a:cxn>
+                  <a:cxn ang="0">
+                    <a:pos x="connsiteX62" y="connsiteY62"/>
+                  </a:cxn>
+                  <a:cxn ang="0">
+                    <a:pos x="connsiteX63" y="connsiteY63"/>
+                  </a:cxn>
+                  <a:cxn ang="0">
+                    <a:pos x="connsiteX64" y="connsiteY64"/>
+                  </a:cxn>
+                  <a:cxn ang="0">
+                    <a:pos x="connsiteX65" y="connsiteY65"/>
+                  </a:cxn>
+                  <a:cxn ang="0">
+                    <a:pos x="connsiteX66" y="connsiteY66"/>
+                  </a:cxn>
+                  <a:cxn ang="0">
+                    <a:pos x="connsiteX67" y="connsiteY67"/>
+                  </a:cxn>
+                  <a:cxn ang="0">
+                    <a:pos x="connsiteX68" y="connsiteY68"/>
+                  </a:cxn>
+                  <a:cxn ang="0">
+                    <a:pos x="connsiteX69" y="connsiteY69"/>
+                  </a:cxn>
+                  <a:cxn ang="0">
+                    <a:pos x="connsiteX70" y="connsiteY70"/>
+                  </a:cxn>
+                  <a:cxn ang="0">
+                    <a:pos x="connsiteX71" y="connsiteY71"/>
+                  </a:cxn>
+                  <a:cxn ang="0">
+                    <a:pos x="connsiteX72" y="connsiteY72"/>
+                  </a:cxn>
+                  <a:cxn ang="0">
+                    <a:pos x="connsiteX73" y="connsiteY73"/>
+                  </a:cxn>
+                  <a:cxn ang="0">
+                    <a:pos x="connsiteX74" y="connsiteY74"/>
+                  </a:cxn>
+                  <a:cxn ang="0">
+                    <a:pos x="connsiteX75" y="connsiteY75"/>
+                  </a:cxn>
+                  <a:cxn ang="0">
+                    <a:pos x="connsiteX76" y="connsiteY76"/>
+                  </a:cxn>
+                  <a:cxn ang="0">
+                    <a:pos x="connsiteX77" y="connsiteY77"/>
+                  </a:cxn>
+                  <a:cxn ang="0">
+                    <a:pos x="connsiteX78" y="connsiteY78"/>
+                  </a:cxn>
+                  <a:cxn ang="0">
+                    <a:pos x="connsiteX79" y="connsiteY79"/>
+                  </a:cxn>
+                  <a:cxn ang="0">
+                    <a:pos x="connsiteX80" y="connsiteY80"/>
+                  </a:cxn>
+                  <a:cxn ang="0">
+                    <a:pos x="connsiteX81" y="connsiteY81"/>
+                  </a:cxn>
+                  <a:cxn ang="0">
+                    <a:pos x="connsiteX82" y="connsiteY82"/>
+                  </a:cxn>
+                  <a:cxn ang="0">
+                    <a:pos x="connsiteX83" y="connsiteY83"/>
+                  </a:cxn>
+                  <a:cxn ang="0">
+                    <a:pos x="connsiteX84" y="connsiteY84"/>
+                  </a:cxn>
+                  <a:cxn ang="0">
+                    <a:pos x="connsiteX85" y="connsiteY85"/>
+                  </a:cxn>
+                  <a:cxn ang="0">
+                    <a:pos x="connsiteX86" y="connsiteY86"/>
+                  </a:cxn>
+                  <a:cxn ang="0">
+                    <a:pos x="connsiteX87" y="connsiteY87"/>
+                  </a:cxn>
+                  <a:cxn ang="0">
+                    <a:pos x="connsiteX88" y="connsiteY88"/>
+                  </a:cxn>
+                  <a:cxn ang="0">
+                    <a:pos x="connsiteX89" y="connsiteY89"/>
+                  </a:cxn>
+                  <a:cxn ang="0">
+                    <a:pos x="connsiteX90" y="connsiteY90"/>
+                  </a:cxn>
+                  <a:cxn ang="0">
+                    <a:pos x="connsiteX91" y="connsiteY91"/>
+                  </a:cxn>
+                  <a:cxn ang="0">
+                    <a:pos x="connsiteX92" y="connsiteY92"/>
+                  </a:cxn>
+                  <a:cxn ang="0">
+                    <a:pos x="connsiteX93" y="connsiteY93"/>
+                  </a:cxn>
+                  <a:cxn ang="0">
+                    <a:pos x="connsiteX94" y="connsiteY94"/>
+                  </a:cxn>
+                  <a:cxn ang="0">
+                    <a:pos x="connsiteX95" y="connsiteY95"/>
+                  </a:cxn>
+                  <a:cxn ang="0">
+                    <a:pos x="connsiteX96" y="connsiteY96"/>
+                  </a:cxn>
+                </a:cxnLst>
+                <a:rect l="l" t="t" r="r" b="b"/>
+                <a:pathLst>
+                  <a:path w="10455568" h="715479">
+                    <a:moveTo>
+                      <a:pt x="0" y="0"/>
+                    </a:moveTo>
+                    <a:lnTo>
+                      <a:pt x="10455568" y="0"/>
+                    </a:lnTo>
+                    <a:lnTo>
+                      <a:pt x="10434629" y="8947"/>
+                    </a:lnTo>
+                    <a:cubicBezTo>
+                      <a:pt x="10373917" y="32898"/>
+                      <a:pt x="10311087" y="51455"/>
+                      <a:pt x="10249341" y="73146"/>
+                    </a:cubicBezTo>
+                    <a:cubicBezTo>
+                      <a:pt x="10223176" y="82504"/>
+                      <a:pt x="10198388" y="94974"/>
+                      <a:pt x="10172148" y="103170"/>
+                    </a:cubicBezTo>
+                    <a:cubicBezTo>
+                      <a:pt x="10113395" y="121743"/>
+                      <a:pt x="10053617" y="138053"/>
+                      <a:pt x="9994576" y="156647"/>
+                    </a:cubicBezTo>
+                    <a:cubicBezTo>
+                      <a:pt x="9960929" y="167389"/>
+                      <a:pt x="9928899" y="184724"/>
+                      <a:pt x="9894474" y="192604"/>
+                    </a:cubicBezTo>
+                    <a:cubicBezTo>
+                      <a:pt x="9812718" y="211289"/>
+                      <a:pt x="9730121" y="226242"/>
+                      <a:pt x="9647603" y="242354"/>
+                    </a:cubicBezTo>
+                    <a:cubicBezTo>
+                      <a:pt x="9562500" y="258935"/>
+                      <a:pt x="9477721" y="276078"/>
+                      <a:pt x="9392533" y="291498"/>
+                    </a:cubicBezTo>
+                    <a:cubicBezTo>
+                      <a:pt x="9345891" y="299632"/>
+                      <a:pt x="9298681" y="303723"/>
+                      <a:pt x="9252019" y="311564"/>
+                    </a:cubicBezTo>
+                    <a:cubicBezTo>
+                      <a:pt x="9211115" y="318433"/>
+                      <a:pt x="9170740" y="328758"/>
+                      <a:pt x="9129899" y="336497"/>
+                    </a:cubicBezTo>
+                    <a:cubicBezTo>
+                      <a:pt x="9094507" y="342987"/>
+                      <a:pt x="9058706" y="347759"/>
+                      <a:pt x="9023312" y="354253"/>
+                    </a:cubicBezTo>
+                    <a:cubicBezTo>
+                      <a:pt x="8966639" y="364814"/>
+                      <a:pt x="8910315" y="376230"/>
+                      <a:pt x="8853949" y="387064"/>
+                    </a:cubicBezTo>
+                    <a:cubicBezTo>
+                      <a:pt x="8830350" y="391295"/>
+                      <a:pt x="8805902" y="400245"/>
+                      <a:pt x="8783278" y="397418"/>
+                    </a:cubicBezTo>
+                    <a:cubicBezTo>
+                      <a:pt x="8726267" y="390232"/>
+                      <a:pt x="8671093" y="397198"/>
+                      <a:pt x="8615640" y="408552"/>
+                    </a:cubicBezTo>
+                    <a:cubicBezTo>
+                      <a:pt x="8596680" y="412471"/>
+                      <a:pt x="8576049" y="413291"/>
+                      <a:pt x="8557154" y="409627"/>
+                    </a:cubicBezTo>
+                    <a:cubicBezTo>
+                      <a:pt x="8518491" y="402356"/>
+                      <a:pt x="8480716" y="390947"/>
+                      <a:pt x="8442474" y="381318"/>
+                    </a:cubicBezTo>
+                    <a:cubicBezTo>
+                      <a:pt x="8438313" y="380145"/>
+                      <a:pt x="8433365" y="380189"/>
+                      <a:pt x="8428959" y="379618"/>
+                    </a:cubicBezTo>
+                    <a:cubicBezTo>
+                      <a:pt x="8403970" y="376366"/>
+                      <a:pt x="8379279" y="373098"/>
+                      <a:pt x="8354329" y="370428"/>
+                    </a:cubicBezTo>
+                    <a:cubicBezTo>
+                      <a:pt x="8340833" y="369017"/>
+                      <a:pt x="8327184" y="369657"/>
+                      <a:pt x="8313705" y="368535"/>
+                    </a:cubicBezTo>
+                    <a:cubicBezTo>
+                      <a:pt x="8261532" y="363935"/>
+                      <a:pt x="8205623" y="381441"/>
+                      <a:pt x="8158571" y="349396"/>
+                    </a:cubicBezTo>
+                    <a:cubicBezTo>
+                      <a:pt x="8128030" y="328752"/>
+                      <a:pt x="8100257" y="335890"/>
+                      <a:pt x="8069467" y="341485"/>
+                    </a:cubicBezTo>
+                    <a:cubicBezTo>
+                      <a:pt x="8046153" y="345696"/>
+                      <a:pt x="8022024" y="346466"/>
+                      <a:pt x="7998265" y="348379"/>
+                    </a:cubicBezTo>
+                    <a:cubicBezTo>
+                      <a:pt x="7956565" y="352093"/>
+                      <a:pt x="7914826" y="355232"/>
+                      <a:pt x="7873167" y="359529"/>
+                    </a:cubicBezTo>
+                    <a:cubicBezTo>
+                      <a:pt x="7859864" y="361016"/>
+                      <a:pt x="7846730" y="369197"/>
+                      <a:pt x="7833600" y="368926"/>
+                    </a:cubicBezTo>
+                    <a:cubicBezTo>
+                      <a:pt x="7772906" y="367528"/>
+                      <a:pt x="7711993" y="362939"/>
+                      <a:pt x="7651338" y="362121"/>
+                    </a:cubicBezTo>
+                    <a:cubicBezTo>
+                      <a:pt x="7616924" y="361556"/>
+                      <a:pt x="7582209" y="369456"/>
+                      <a:pt x="7548003" y="367710"/>
+                    </a:cubicBezTo>
+                    <a:cubicBezTo>
+                      <a:pt x="7508539" y="365739"/>
+                      <a:pt x="7469448" y="356458"/>
+                      <a:pt x="7430093" y="351855"/>
+                    </a:cubicBezTo>
+                    <a:cubicBezTo>
+                      <a:pt x="7419227" y="350559"/>
+                      <a:pt x="7407516" y="353979"/>
+                      <a:pt x="7396245" y="355328"/>
+                    </a:cubicBezTo>
+                    <a:cubicBezTo>
+                      <a:pt x="7383524" y="356781"/>
+                      <a:pt x="7371134" y="358791"/>
+                      <a:pt x="7358394" y="359950"/>
+                    </a:cubicBezTo>
+                    <a:cubicBezTo>
+                      <a:pt x="7319573" y="363179"/>
+                      <a:pt x="7280655" y="364958"/>
+                      <a:pt x="7241933" y="369637"/>
+                    </a:cubicBezTo>
+                    <a:cubicBezTo>
+                      <a:pt x="7218235" y="372418"/>
+                      <a:pt x="7194108" y="386008"/>
+                      <a:pt x="7171767" y="383160"/>
+                    </a:cubicBezTo>
+                    <a:cubicBezTo>
+                      <a:pt x="7126248" y="377813"/>
+                      <a:pt x="7082583" y="399728"/>
+                      <a:pt x="7036569" y="387132"/>
+                    </a:cubicBezTo>
+                    <a:cubicBezTo>
+                      <a:pt x="7022328" y="383442"/>
+                      <a:pt x="7003983" y="396347"/>
+                      <a:pt x="6987200" y="398073"/>
+                    </a:cubicBezTo>
+                    <a:cubicBezTo>
+                      <a:pt x="6945251" y="402388"/>
+                      <a:pt x="6903183" y="404965"/>
+                      <a:pt x="6861115" y="407542"/>
+                    </a:cubicBezTo>
+                    <a:cubicBezTo>
+                      <a:pt x="6823394" y="409822"/>
+                      <a:pt x="6784520" y="416550"/>
+                      <a:pt x="6747718" y="410900"/>
+                    </a:cubicBezTo>
+                    <a:cubicBezTo>
+                      <a:pt x="6709137" y="404791"/>
+                      <a:pt x="6674999" y="408284"/>
+                      <a:pt x="6638839" y="420654"/>
+                    </a:cubicBezTo>
+                    <a:cubicBezTo>
+                      <a:pt x="6614066" y="429044"/>
+                      <a:pt x="6587444" y="431733"/>
+                      <a:pt x="6561486" y="435540"/>
+                    </a:cubicBezTo>
+                    <a:cubicBezTo>
+                      <a:pt x="6533513" y="439778"/>
+                      <a:pt x="6502069" y="435804"/>
+                      <a:pt x="6477200" y="447113"/>
+                    </a:cubicBezTo>
+                    <a:cubicBezTo>
+                      <a:pt x="6403159" y="480713"/>
+                      <a:pt x="6325566" y="492119"/>
+                      <a:pt x="6246111" y="497537"/>
+                    </a:cubicBezTo>
+                    <a:cubicBezTo>
+                      <a:pt x="6231608" y="498524"/>
+                      <a:pt x="6216540" y="495475"/>
+                      <a:pt x="6202328" y="492074"/>
+                    </a:cubicBezTo>
+                    <a:cubicBezTo>
+                      <a:pt x="6119346" y="471508"/>
+                      <a:pt x="6038018" y="479381"/>
+                      <a:pt x="5956458" y="500965"/>
+                    </a:cubicBezTo>
+                    <a:cubicBezTo>
+                      <a:pt x="5939584" y="505613"/>
+                      <a:pt x="5920486" y="507499"/>
+                      <a:pt x="5903139" y="505186"/>
+                    </a:cubicBezTo>
+                    <a:cubicBezTo>
+                      <a:pt x="5854306" y="498315"/>
+                      <a:pt x="5806470" y="484677"/>
+                      <a:pt x="5757547" y="480730"/>
+                    </a:cubicBezTo>
+                    <a:cubicBezTo>
+                      <a:pt x="5676701" y="474297"/>
+                      <a:pt x="5610121" y="519038"/>
+                      <a:pt x="5540270" y="550023"/>
+                    </a:cubicBezTo>
+                    <a:cubicBezTo>
+                      <a:pt x="5473801" y="579316"/>
+                      <a:pt x="5419599" y="638949"/>
+                      <a:pt x="5338128" y="631974"/>
+                    </a:cubicBezTo>
+                    <a:cubicBezTo>
+                      <a:pt x="5329931" y="631367"/>
+                      <a:pt x="5321476" y="639812"/>
+                      <a:pt x="5312622" y="642454"/>
+                    </a:cubicBezTo>
+                    <a:cubicBezTo>
+                      <a:pt x="5288350" y="649647"/>
+                      <a:pt x="5264155" y="657994"/>
+                      <a:pt x="5239393" y="662307"/>
+                    </a:cubicBezTo>
+                    <a:cubicBezTo>
+                      <a:pt x="5209181" y="667862"/>
+                      <a:pt x="5178072" y="668817"/>
+                      <a:pt x="5147821" y="673791"/>
+                    </a:cubicBezTo>
+                    <a:cubicBezTo>
+                      <a:pt x="5108908" y="679940"/>
+                      <a:pt x="5070972" y="691848"/>
+                      <a:pt x="5032111" y="694497"/>
+                    </a:cubicBezTo>
+                    <a:cubicBezTo>
+                      <a:pt x="5000793" y="696632"/>
+                      <a:pt x="4969032" y="688019"/>
+                      <a:pt x="4937648" y="684913"/>
+                    </a:cubicBezTo>
+                    <a:cubicBezTo>
+                      <a:pt x="4893363" y="680649"/>
+                      <a:pt x="4845361" y="685962"/>
+                      <a:pt x="4805529" y="670032"/>
+                    </a:cubicBezTo>
+                    <a:cubicBezTo>
+                      <a:pt x="4763006" y="653119"/>
+                      <a:pt x="4723244" y="646796"/>
+                      <a:pt x="4681029" y="655792"/>
+                    </a:cubicBezTo>
+                    <a:cubicBezTo>
+                      <a:pt x="4666957" y="658791"/>
+                      <a:pt x="4649519" y="672217"/>
+                      <a:pt x="4643990" y="685120"/>
+                    </a:cubicBezTo>
+                    <a:cubicBezTo>
+                      <a:pt x="4631676" y="713928"/>
+                      <a:pt x="4612585" y="720184"/>
+                      <a:pt x="4585542" y="712411"/>
+                    </a:cubicBezTo>
+                    <a:cubicBezTo>
+                      <a:pt x="4562077" y="705853"/>
+                      <a:pt x="4533672" y="703713"/>
+                      <a:pt x="4516947" y="689117"/>
+                    </a:cubicBezTo>
+                    <a:cubicBezTo>
+                      <a:pt x="4469552" y="647774"/>
+                      <a:pt x="4412904" y="650180"/>
+                      <a:pt x="4356995" y="642048"/>
+                    </a:cubicBezTo>
+                    <a:cubicBezTo>
+                      <a:pt x="4322867" y="637088"/>
+                      <a:pt x="4291523" y="638934"/>
+                      <a:pt x="4258219" y="646156"/>
+                    </a:cubicBezTo>
+                    <a:cubicBezTo>
+                      <a:pt x="4185895" y="662159"/>
+                      <a:pt x="4113776" y="651342"/>
+                      <a:pt x="4042233" y="636117"/>
+                    </a:cubicBezTo>
+                    <a:cubicBezTo>
+                      <a:pt x="3994923" y="625941"/>
+                      <a:pt x="3946812" y="621063"/>
+                      <a:pt x="3899777" y="610576"/>
+                    </a:cubicBezTo>
+                    <a:cubicBezTo>
+                      <a:pt x="3864554" y="602488"/>
+                      <a:pt x="3829196" y="592371"/>
+                      <a:pt x="3796441" y="577707"/>
+                    </a:cubicBezTo>
+                    <a:cubicBezTo>
+                      <a:pt x="3748937" y="556178"/>
+                      <a:pt x="3706395" y="521788"/>
+                      <a:pt x="3648774" y="535623"/>
+                    </a:cubicBezTo>
+                    <a:cubicBezTo>
+                      <a:pt x="3598036" y="547820"/>
+                      <a:pt x="3550396" y="532716"/>
+                      <a:pt x="3502227" y="518518"/>
+                    </a:cubicBezTo>
+                    <a:cubicBezTo>
+                      <a:pt x="3466848" y="508111"/>
+                      <a:pt x="3431455" y="497410"/>
+                      <a:pt x="3395228" y="491723"/>
+                    </a:cubicBezTo>
+                    <a:cubicBezTo>
+                      <a:pt x="3352235" y="485040"/>
+                      <a:pt x="3304663" y="492363"/>
+                      <a:pt x="3265757" y="477242"/>
+                    </a:cubicBezTo>
+                    <a:cubicBezTo>
+                      <a:pt x="3225052" y="461369"/>
+                      <a:pt x="3193136" y="476075"/>
+                      <a:pt x="3158404" y="483689"/>
+                    </a:cubicBezTo>
+                    <a:cubicBezTo>
+                      <a:pt x="3102986" y="495623"/>
+                      <a:pt x="3048333" y="514498"/>
+                      <a:pt x="2990483" y="499212"/>
+                    </a:cubicBezTo>
+                    <a:cubicBezTo>
+                      <a:pt x="2920173" y="480697"/>
+                      <a:pt x="2850324" y="460405"/>
+                      <a:pt x="2779802" y="443069"/>
+                    </a:cubicBezTo>
+                    <a:cubicBezTo>
+                      <a:pt x="2752548" y="436477"/>
+                      <a:pt x="2723606" y="434954"/>
+                      <a:pt x="2695508" y="433082"/>
+                    </a:cubicBezTo>
+                    <a:cubicBezTo>
+                      <a:pt x="2668903" y="431690"/>
+                      <a:pt x="2637847" y="441965"/>
+                      <a:pt x="2616713" y="431172"/>
+                    </a:cubicBezTo>
+                    <a:cubicBezTo>
+                      <a:pt x="2562378" y="403411"/>
+                      <a:pt x="2507687" y="391698"/>
+                      <a:pt x="2447364" y="395810"/>
+                    </a:cubicBezTo>
+                    <a:cubicBezTo>
+                      <a:pt x="2424744" y="397352"/>
+                      <a:pt x="2401814" y="385802"/>
+                      <a:pt x="2378751" y="385044"/>
+                    </a:cubicBezTo>
+                    <a:cubicBezTo>
+                      <a:pt x="2347229" y="384281"/>
+                      <a:pt x="2310735" y="378901"/>
+                      <a:pt x="2284230" y="391782"/>
+                    </a:cubicBezTo>
+                    <a:cubicBezTo>
+                      <a:pt x="2221919" y="422248"/>
+                      <a:pt x="2168532" y="404037"/>
+                      <a:pt x="2110801" y="382042"/>
+                    </a:cubicBezTo>
+                    <a:cubicBezTo>
+                      <a:pt x="2053961" y="360279"/>
+                      <a:pt x="1994577" y="343935"/>
+                      <a:pt x="1934854" y="331108"/>
+                    </a:cubicBezTo>
+                    <a:cubicBezTo>
+                      <a:pt x="1912400" y="326519"/>
+                      <a:pt x="1886705" y="338470"/>
+                      <a:pt x="1862479" y="342158"/>
+                    </a:cubicBezTo>
+                    <a:cubicBezTo>
+                      <a:pt x="1853818" y="343333"/>
+                      <a:pt x="1844309" y="344855"/>
+                      <a:pt x="1836283" y="342488"/>
+                    </a:cubicBezTo>
+                    <a:cubicBezTo>
+                      <a:pt x="1758698" y="319808"/>
+                      <a:pt x="1680403" y="303878"/>
+                      <a:pt x="1599327" y="323970"/>
+                    </a:cubicBezTo>
+                    <a:cubicBezTo>
+                      <a:pt x="1591888" y="325937"/>
+                      <a:pt x="1583257" y="323319"/>
+                      <a:pt x="1575578" y="321802"/>
+                    </a:cubicBezTo>
+                    <a:cubicBezTo>
+                      <a:pt x="1538035" y="313873"/>
+                      <a:pt x="1500950" y="299795"/>
+                      <a:pt x="1463288" y="298576"/>
+                    </a:cubicBezTo>
+                    <a:cubicBezTo>
+                      <a:pt x="1370438" y="295582"/>
+                      <a:pt x="1277384" y="298137"/>
+                      <a:pt x="1184165" y="298373"/>
+                    </a:cubicBezTo>
+                    <a:cubicBezTo>
+                      <a:pt x="1178344" y="298480"/>
+                      <a:pt x="1172255" y="298896"/>
+                      <a:pt x="1166899" y="297220"/>
+                    </a:cubicBezTo>
+                    <a:cubicBezTo>
+                      <a:pt x="1131827" y="287082"/>
+                      <a:pt x="1102238" y="293180"/>
+                      <a:pt x="1074855" y="318934"/>
+                    </a:cubicBezTo>
+                    <a:cubicBezTo>
+                      <a:pt x="1062808" y="330244"/>
+                      <a:pt x="1045783" y="336940"/>
+                      <a:pt x="1030232" y="343829"/>
+                    </a:cubicBezTo>
+                    <a:cubicBezTo>
+                      <a:pt x="1007334" y="354132"/>
+                      <a:pt x="983839" y="364180"/>
+                      <a:pt x="959854" y="371351"/>
+                    </a:cubicBezTo>
+                    <a:cubicBezTo>
+                      <a:pt x="936141" y="378210"/>
+                      <a:pt x="910825" y="387219"/>
+                      <a:pt x="887350" y="384742"/>
+                    </a:cubicBezTo>
+                    <a:cubicBezTo>
+                      <a:pt x="845096" y="380339"/>
+                      <a:pt x="804258" y="366810"/>
+                      <a:pt x="762349" y="358882"/>
+                    </a:cubicBezTo>
+                    <a:cubicBezTo>
+                      <a:pt x="747884" y="356082"/>
+                      <a:pt x="732263" y="357732"/>
+                      <a:pt x="717454" y="358448"/>
+                    </a:cubicBezTo>
+                    <a:cubicBezTo>
+                      <a:pt x="683463" y="359893"/>
+                      <a:pt x="649238" y="370675"/>
+                      <a:pt x="616859" y="348700"/>
+                    </a:cubicBezTo>
+                    <a:cubicBezTo>
+                      <a:pt x="586900" y="328019"/>
+                      <a:pt x="558641" y="336644"/>
+                      <a:pt x="529939" y="355789"/>
+                    </a:cubicBezTo>
+                    <a:cubicBezTo>
+                      <a:pt x="509309" y="369433"/>
+                      <a:pt x="485605" y="380664"/>
+                      <a:pt x="461851" y="386945"/>
+                    </a:cubicBezTo>
+                    <a:cubicBezTo>
+                      <a:pt x="429225" y="395576"/>
+                      <a:pt x="396634" y="400422"/>
+                      <a:pt x="360707" y="399082"/>
+                    </a:cubicBezTo>
+                    <a:cubicBezTo>
+                      <a:pt x="335299" y="398193"/>
+                      <a:pt x="314629" y="398437"/>
+                      <a:pt x="293863" y="384410"/>
+                    </a:cubicBezTo>
+                    <a:cubicBezTo>
+                      <a:pt x="290517" y="382308"/>
+                      <a:pt x="284678" y="382122"/>
+                      <a:pt x="280347" y="382711"/>
+                    </a:cubicBezTo>
+                    <a:cubicBezTo>
+                      <a:pt x="223554" y="391535"/>
+                      <a:pt x="166827" y="392780"/>
+                      <a:pt x="108881" y="393231"/>
+                    </a:cubicBezTo>
+                    <a:cubicBezTo>
+                      <a:pt x="90460" y="393322"/>
+                      <a:pt x="71882" y="394571"/>
+                      <a:pt x="53435" y="397222"/>
+                    </a:cubicBezTo>
+                    <a:lnTo>
+                      <a:pt x="0" y="409348"/>
+                    </a:lnTo>
+                    <a:close/>
+                  </a:path>
+                </a:pathLst>
+              </a:custGeom>
+              <a:solidFill>
+                <a:schemeClr val="lt1"/>
+              </a:solidFill>
+              <a:ln w="12700" cap="flat" cmpd="sng" algn="ctr">
+                <a:noFill/>
+                <a:prstDash val="solid"/>
+                <a:miter lim="800000"/>
+              </a:ln>
+              <a:effectLst/>
+            </p:spPr>
+            <p:style>
+              <a:lnRef idx="2">
+                <a:schemeClr val="accent1">
+                  <a:shade val="50000"/>
+                </a:schemeClr>
+              </a:lnRef>
+              <a:fillRef idx="1">
+                <a:schemeClr val="accent1"/>
+              </a:fillRef>
+              <a:effectRef idx="0">
+                <a:schemeClr val="accent1"/>
+              </a:effectRef>
+              <a:fontRef idx="minor">
+                <a:schemeClr val="lt1"/>
+              </a:fontRef>
+            </p:style>
+            <p:txBody>
+              <a:bodyPr rtlCol="0" anchor="ctr"/>
+              <a:lstStyle/>
+              <a:p>
+                <a:pPr algn="ctr"/>
+                <a:endParaRPr lang="en-US"/>
+              </a:p>
+            </p:txBody>
+          </p:sp>
+          <p:sp>
+            <p:nvSpPr>
+              <p:cNvPr id="18" name="Freeform: Shape 17">
+                <a:extLst>
+                  <a:ext uri="{FF2B5EF4-FFF2-40B4-BE49-F238E27FC236}">
+                    <a16:creationId xmlns:a16="http://schemas.microsoft.com/office/drawing/2014/main" id="{3D0F2937-CF06-453C-B076-800064AEB49D}"/>
+                  </a:ext>
+                  <a:ext uri="{C183D7F6-B498-43B3-948B-1728B52AA6E4}">
+                    <adec:decorative xmlns:adec="http://schemas.microsoft.com/office/drawing/2017/decorative" val="1"/>
+                  </a:ext>
+                </a:extLst>
+              </p:cNvPr>
+              <p:cNvSpPr/>
+              <p:nvPr>
+                <p:extLst>
+                  <p:ext uri="{386F3935-93C4-4BCD-93E2-E3B085C9AB24}">
+                    <p16:designElem xmlns:p16="http://schemas.microsoft.com/office/powerpoint/2015/main" val="1"/>
+                  </p:ext>
+                </p:extLst>
+              </p:nvPr>
+            </p:nvSpPr>
+            <p:spPr>
+              <a:xfrm>
+                <a:off x="0" y="0"/>
+                <a:ext cx="10455568" cy="715479"/>
+              </a:xfrm>
+              <a:custGeom>
+                <a:avLst/>
+                <a:gdLst>
+                  <a:gd name="connsiteX0" fmla="*/ 0 w 10455568"/>
+                  <a:gd name="connsiteY0" fmla="*/ 0 h 715479"/>
+                  <a:gd name="connsiteX1" fmla="*/ 10455568 w 10455568"/>
+                  <a:gd name="connsiteY1" fmla="*/ 0 h 715479"/>
+                  <a:gd name="connsiteX2" fmla="*/ 10434629 w 10455568"/>
+                  <a:gd name="connsiteY2" fmla="*/ 8947 h 715479"/>
+                  <a:gd name="connsiteX3" fmla="*/ 10249341 w 10455568"/>
+                  <a:gd name="connsiteY3" fmla="*/ 73146 h 715479"/>
+                  <a:gd name="connsiteX4" fmla="*/ 10172148 w 10455568"/>
+                  <a:gd name="connsiteY4" fmla="*/ 103170 h 715479"/>
+                  <a:gd name="connsiteX5" fmla="*/ 9994576 w 10455568"/>
+                  <a:gd name="connsiteY5" fmla="*/ 156647 h 715479"/>
+                  <a:gd name="connsiteX6" fmla="*/ 9894474 w 10455568"/>
+                  <a:gd name="connsiteY6" fmla="*/ 192604 h 715479"/>
+                  <a:gd name="connsiteX7" fmla="*/ 9647603 w 10455568"/>
+                  <a:gd name="connsiteY7" fmla="*/ 242354 h 715479"/>
+                  <a:gd name="connsiteX8" fmla="*/ 9392533 w 10455568"/>
+                  <a:gd name="connsiteY8" fmla="*/ 291498 h 715479"/>
+                  <a:gd name="connsiteX9" fmla="*/ 9252019 w 10455568"/>
+                  <a:gd name="connsiteY9" fmla="*/ 311564 h 715479"/>
+                  <a:gd name="connsiteX10" fmla="*/ 9129899 w 10455568"/>
+                  <a:gd name="connsiteY10" fmla="*/ 336497 h 715479"/>
+                  <a:gd name="connsiteX11" fmla="*/ 9023312 w 10455568"/>
+                  <a:gd name="connsiteY11" fmla="*/ 354253 h 715479"/>
+                  <a:gd name="connsiteX12" fmla="*/ 8853949 w 10455568"/>
+                  <a:gd name="connsiteY12" fmla="*/ 387064 h 715479"/>
+                  <a:gd name="connsiteX13" fmla="*/ 8783278 w 10455568"/>
+                  <a:gd name="connsiteY13" fmla="*/ 397418 h 715479"/>
+                  <a:gd name="connsiteX14" fmla="*/ 8615640 w 10455568"/>
+                  <a:gd name="connsiteY14" fmla="*/ 408552 h 715479"/>
+                  <a:gd name="connsiteX15" fmla="*/ 8557154 w 10455568"/>
+                  <a:gd name="connsiteY15" fmla="*/ 409627 h 715479"/>
+                  <a:gd name="connsiteX16" fmla="*/ 8442474 w 10455568"/>
+                  <a:gd name="connsiteY16" fmla="*/ 381318 h 715479"/>
+                  <a:gd name="connsiteX17" fmla="*/ 8428959 w 10455568"/>
+                  <a:gd name="connsiteY17" fmla="*/ 379618 h 715479"/>
+                  <a:gd name="connsiteX18" fmla="*/ 8354329 w 10455568"/>
+                  <a:gd name="connsiteY18" fmla="*/ 370428 h 715479"/>
+                  <a:gd name="connsiteX19" fmla="*/ 8313705 w 10455568"/>
+                  <a:gd name="connsiteY19" fmla="*/ 368535 h 715479"/>
+                  <a:gd name="connsiteX20" fmla="*/ 8158571 w 10455568"/>
+                  <a:gd name="connsiteY20" fmla="*/ 349396 h 715479"/>
+                  <a:gd name="connsiteX21" fmla="*/ 8069467 w 10455568"/>
+                  <a:gd name="connsiteY21" fmla="*/ 341485 h 715479"/>
+                  <a:gd name="connsiteX22" fmla="*/ 7998265 w 10455568"/>
+                  <a:gd name="connsiteY22" fmla="*/ 348379 h 715479"/>
+                  <a:gd name="connsiteX23" fmla="*/ 7873167 w 10455568"/>
+                  <a:gd name="connsiteY23" fmla="*/ 359529 h 715479"/>
+                  <a:gd name="connsiteX24" fmla="*/ 7833600 w 10455568"/>
+                  <a:gd name="connsiteY24" fmla="*/ 368926 h 715479"/>
+                  <a:gd name="connsiteX25" fmla="*/ 7651338 w 10455568"/>
+                  <a:gd name="connsiteY25" fmla="*/ 362121 h 715479"/>
+                  <a:gd name="connsiteX26" fmla="*/ 7548003 w 10455568"/>
+                  <a:gd name="connsiteY26" fmla="*/ 367710 h 715479"/>
+                  <a:gd name="connsiteX27" fmla="*/ 7430093 w 10455568"/>
+                  <a:gd name="connsiteY27" fmla="*/ 351855 h 715479"/>
+                  <a:gd name="connsiteX28" fmla="*/ 7396245 w 10455568"/>
+                  <a:gd name="connsiteY28" fmla="*/ 355328 h 715479"/>
+                  <a:gd name="connsiteX29" fmla="*/ 7358394 w 10455568"/>
+                  <a:gd name="connsiteY29" fmla="*/ 359950 h 715479"/>
+                  <a:gd name="connsiteX30" fmla="*/ 7241933 w 10455568"/>
+                  <a:gd name="connsiteY30" fmla="*/ 369637 h 715479"/>
+                  <a:gd name="connsiteX31" fmla="*/ 7171767 w 10455568"/>
+                  <a:gd name="connsiteY31" fmla="*/ 383160 h 715479"/>
+                  <a:gd name="connsiteX32" fmla="*/ 7036569 w 10455568"/>
+                  <a:gd name="connsiteY32" fmla="*/ 387132 h 715479"/>
+                  <a:gd name="connsiteX33" fmla="*/ 6987200 w 10455568"/>
+                  <a:gd name="connsiteY33" fmla="*/ 398073 h 715479"/>
+                  <a:gd name="connsiteX34" fmla="*/ 6861115 w 10455568"/>
+                  <a:gd name="connsiteY34" fmla="*/ 407542 h 715479"/>
+                  <a:gd name="connsiteX35" fmla="*/ 6747718 w 10455568"/>
+                  <a:gd name="connsiteY35" fmla="*/ 410900 h 715479"/>
+                  <a:gd name="connsiteX36" fmla="*/ 6638839 w 10455568"/>
+                  <a:gd name="connsiteY36" fmla="*/ 420654 h 715479"/>
+                  <a:gd name="connsiteX37" fmla="*/ 6561486 w 10455568"/>
+                  <a:gd name="connsiteY37" fmla="*/ 435540 h 715479"/>
+                  <a:gd name="connsiteX38" fmla="*/ 6477200 w 10455568"/>
+                  <a:gd name="connsiteY38" fmla="*/ 447113 h 715479"/>
+                  <a:gd name="connsiteX39" fmla="*/ 6246111 w 10455568"/>
+                  <a:gd name="connsiteY39" fmla="*/ 497537 h 715479"/>
+                  <a:gd name="connsiteX40" fmla="*/ 6202328 w 10455568"/>
+                  <a:gd name="connsiteY40" fmla="*/ 492074 h 715479"/>
+                  <a:gd name="connsiteX41" fmla="*/ 5956458 w 10455568"/>
+                  <a:gd name="connsiteY41" fmla="*/ 500965 h 715479"/>
+                  <a:gd name="connsiteX42" fmla="*/ 5903139 w 10455568"/>
+                  <a:gd name="connsiteY42" fmla="*/ 505186 h 715479"/>
+                  <a:gd name="connsiteX43" fmla="*/ 5757547 w 10455568"/>
+                  <a:gd name="connsiteY43" fmla="*/ 480730 h 715479"/>
+                  <a:gd name="connsiteX44" fmla="*/ 5540270 w 10455568"/>
+                  <a:gd name="connsiteY44" fmla="*/ 550023 h 715479"/>
+                  <a:gd name="connsiteX45" fmla="*/ 5338128 w 10455568"/>
+                  <a:gd name="connsiteY45" fmla="*/ 631974 h 715479"/>
+                  <a:gd name="connsiteX46" fmla="*/ 5312622 w 10455568"/>
+                  <a:gd name="connsiteY46" fmla="*/ 642454 h 715479"/>
+                  <a:gd name="connsiteX47" fmla="*/ 5239393 w 10455568"/>
+                  <a:gd name="connsiteY47" fmla="*/ 662307 h 715479"/>
+                  <a:gd name="connsiteX48" fmla="*/ 5147821 w 10455568"/>
+                  <a:gd name="connsiteY48" fmla="*/ 673791 h 715479"/>
+                  <a:gd name="connsiteX49" fmla="*/ 5032111 w 10455568"/>
+                  <a:gd name="connsiteY49" fmla="*/ 694497 h 715479"/>
+                  <a:gd name="connsiteX50" fmla="*/ 4937648 w 10455568"/>
+                  <a:gd name="connsiteY50" fmla="*/ 684913 h 715479"/>
+                  <a:gd name="connsiteX51" fmla="*/ 4805529 w 10455568"/>
+                  <a:gd name="connsiteY51" fmla="*/ 670032 h 715479"/>
+                  <a:gd name="connsiteX52" fmla="*/ 4681029 w 10455568"/>
+                  <a:gd name="connsiteY52" fmla="*/ 655792 h 715479"/>
+                  <a:gd name="connsiteX53" fmla="*/ 4643990 w 10455568"/>
+                  <a:gd name="connsiteY53" fmla="*/ 685120 h 715479"/>
+                  <a:gd name="connsiteX54" fmla="*/ 4585542 w 10455568"/>
+                  <a:gd name="connsiteY54" fmla="*/ 712411 h 715479"/>
+                  <a:gd name="connsiteX55" fmla="*/ 4516947 w 10455568"/>
+                  <a:gd name="connsiteY55" fmla="*/ 689117 h 715479"/>
+                  <a:gd name="connsiteX56" fmla="*/ 4356995 w 10455568"/>
+                  <a:gd name="connsiteY56" fmla="*/ 642048 h 715479"/>
+                  <a:gd name="connsiteX57" fmla="*/ 4258219 w 10455568"/>
+                  <a:gd name="connsiteY57" fmla="*/ 646156 h 715479"/>
+                  <a:gd name="connsiteX58" fmla="*/ 4042233 w 10455568"/>
+                  <a:gd name="connsiteY58" fmla="*/ 636117 h 715479"/>
+                  <a:gd name="connsiteX59" fmla="*/ 3899777 w 10455568"/>
+                  <a:gd name="connsiteY59" fmla="*/ 610576 h 715479"/>
+                  <a:gd name="connsiteX60" fmla="*/ 3796441 w 10455568"/>
+                  <a:gd name="connsiteY60" fmla="*/ 577707 h 715479"/>
+                  <a:gd name="connsiteX61" fmla="*/ 3648774 w 10455568"/>
+                  <a:gd name="connsiteY61" fmla="*/ 535623 h 715479"/>
+                  <a:gd name="connsiteX62" fmla="*/ 3502227 w 10455568"/>
+                  <a:gd name="connsiteY62" fmla="*/ 518518 h 715479"/>
+                  <a:gd name="connsiteX63" fmla="*/ 3395228 w 10455568"/>
+                  <a:gd name="connsiteY63" fmla="*/ 491723 h 715479"/>
+                  <a:gd name="connsiteX64" fmla="*/ 3265757 w 10455568"/>
+                  <a:gd name="connsiteY64" fmla="*/ 477242 h 715479"/>
+                  <a:gd name="connsiteX65" fmla="*/ 3158404 w 10455568"/>
+                  <a:gd name="connsiteY65" fmla="*/ 483689 h 715479"/>
+                  <a:gd name="connsiteX66" fmla="*/ 2990483 w 10455568"/>
+                  <a:gd name="connsiteY66" fmla="*/ 499212 h 715479"/>
+                  <a:gd name="connsiteX67" fmla="*/ 2779802 w 10455568"/>
+                  <a:gd name="connsiteY67" fmla="*/ 443069 h 715479"/>
+                  <a:gd name="connsiteX68" fmla="*/ 2695508 w 10455568"/>
+                  <a:gd name="connsiteY68" fmla="*/ 433082 h 715479"/>
+                  <a:gd name="connsiteX69" fmla="*/ 2616713 w 10455568"/>
+                  <a:gd name="connsiteY69" fmla="*/ 431172 h 715479"/>
+                  <a:gd name="connsiteX70" fmla="*/ 2447364 w 10455568"/>
+                  <a:gd name="connsiteY70" fmla="*/ 395810 h 715479"/>
+                  <a:gd name="connsiteX71" fmla="*/ 2378751 w 10455568"/>
+                  <a:gd name="connsiteY71" fmla="*/ 385044 h 715479"/>
+                  <a:gd name="connsiteX72" fmla="*/ 2284230 w 10455568"/>
+                  <a:gd name="connsiteY72" fmla="*/ 391782 h 715479"/>
+                  <a:gd name="connsiteX73" fmla="*/ 2110801 w 10455568"/>
+                  <a:gd name="connsiteY73" fmla="*/ 382042 h 715479"/>
+                  <a:gd name="connsiteX74" fmla="*/ 1934854 w 10455568"/>
+                  <a:gd name="connsiteY74" fmla="*/ 331108 h 715479"/>
+                  <a:gd name="connsiteX75" fmla="*/ 1862479 w 10455568"/>
+                  <a:gd name="connsiteY75" fmla="*/ 342158 h 715479"/>
+                  <a:gd name="connsiteX76" fmla="*/ 1836283 w 10455568"/>
+                  <a:gd name="connsiteY76" fmla="*/ 342488 h 715479"/>
+                  <a:gd name="connsiteX77" fmla="*/ 1599327 w 10455568"/>
+                  <a:gd name="connsiteY77" fmla="*/ 323970 h 715479"/>
+                  <a:gd name="connsiteX78" fmla="*/ 1575578 w 10455568"/>
+                  <a:gd name="connsiteY78" fmla="*/ 321802 h 715479"/>
+                  <a:gd name="connsiteX79" fmla="*/ 1463288 w 10455568"/>
+                  <a:gd name="connsiteY79" fmla="*/ 298576 h 715479"/>
+                  <a:gd name="connsiteX80" fmla="*/ 1184165 w 10455568"/>
+                  <a:gd name="connsiteY80" fmla="*/ 298373 h 715479"/>
+                  <a:gd name="connsiteX81" fmla="*/ 1166899 w 10455568"/>
+                  <a:gd name="connsiteY81" fmla="*/ 297220 h 715479"/>
+                  <a:gd name="connsiteX82" fmla="*/ 1074855 w 10455568"/>
+                  <a:gd name="connsiteY82" fmla="*/ 318934 h 715479"/>
+                  <a:gd name="connsiteX83" fmla="*/ 1030232 w 10455568"/>
+                  <a:gd name="connsiteY83" fmla="*/ 343829 h 715479"/>
+                  <a:gd name="connsiteX84" fmla="*/ 959854 w 10455568"/>
+                  <a:gd name="connsiteY84" fmla="*/ 371351 h 715479"/>
+                  <a:gd name="connsiteX85" fmla="*/ 887350 w 10455568"/>
+                  <a:gd name="connsiteY85" fmla="*/ 384742 h 715479"/>
+                  <a:gd name="connsiteX86" fmla="*/ 762349 w 10455568"/>
+                  <a:gd name="connsiteY86" fmla="*/ 358882 h 715479"/>
+                  <a:gd name="connsiteX87" fmla="*/ 717454 w 10455568"/>
+                  <a:gd name="connsiteY87" fmla="*/ 358448 h 715479"/>
+                  <a:gd name="connsiteX88" fmla="*/ 616859 w 10455568"/>
+                  <a:gd name="connsiteY88" fmla="*/ 348700 h 715479"/>
+                  <a:gd name="connsiteX89" fmla="*/ 529939 w 10455568"/>
+                  <a:gd name="connsiteY89" fmla="*/ 355789 h 715479"/>
+                  <a:gd name="connsiteX90" fmla="*/ 461851 w 10455568"/>
+                  <a:gd name="connsiteY90" fmla="*/ 386945 h 715479"/>
+                  <a:gd name="connsiteX91" fmla="*/ 360707 w 10455568"/>
+                  <a:gd name="connsiteY91" fmla="*/ 399082 h 715479"/>
+                  <a:gd name="connsiteX92" fmla="*/ 293863 w 10455568"/>
+                  <a:gd name="connsiteY92" fmla="*/ 384410 h 715479"/>
+                  <a:gd name="connsiteX93" fmla="*/ 280347 w 10455568"/>
+                  <a:gd name="connsiteY93" fmla="*/ 382711 h 715479"/>
+                  <a:gd name="connsiteX94" fmla="*/ 108881 w 10455568"/>
+                  <a:gd name="connsiteY94" fmla="*/ 393231 h 715479"/>
+                  <a:gd name="connsiteX95" fmla="*/ 53435 w 10455568"/>
+                  <a:gd name="connsiteY95" fmla="*/ 397222 h 715479"/>
+                  <a:gd name="connsiteX96" fmla="*/ 0 w 10455568"/>
+                  <a:gd name="connsiteY96" fmla="*/ 409348 h 715479"/>
+                </a:gdLst>
+                <a:ahLst/>
+                <a:cxnLst>
+                  <a:cxn ang="0">
+                    <a:pos x="connsiteX0" y="connsiteY0"/>
+                  </a:cxn>
+                  <a:cxn ang="0">
+                    <a:pos x="connsiteX1" y="connsiteY1"/>
+                  </a:cxn>
+                  <a:cxn ang="0">
+                    <a:pos x="connsiteX2" y="connsiteY2"/>
+                  </a:cxn>
+                  <a:cxn ang="0">
+                    <a:pos x="connsiteX3" y="connsiteY3"/>
+                  </a:cxn>
+                  <a:cxn ang="0">
+                    <a:pos x="connsiteX4" y="connsiteY4"/>
+                  </a:cxn>
+                  <a:cxn ang="0">
+                    <a:pos x="connsiteX5" y="connsiteY5"/>
+                  </a:cxn>
+                  <a:cxn ang="0">
+                    <a:pos x="connsiteX6" y="connsiteY6"/>
+                  </a:cxn>
+                  <a:cxn ang="0">
+                    <a:pos x="connsiteX7" y="connsiteY7"/>
+                  </a:cxn>
+                  <a:cxn ang="0">
+                    <a:pos x="connsiteX8" y="connsiteY8"/>
+                  </a:cxn>
+                  <a:cxn ang="0">
+                    <a:pos x="connsiteX9" y="connsiteY9"/>
+                  </a:cxn>
+                  <a:cxn ang="0">
+                    <a:pos x="connsiteX10" y="connsiteY10"/>
+                  </a:cxn>
+                  <a:cxn ang="0">
+                    <a:pos x="connsiteX11" y="connsiteY11"/>
+                  </a:cxn>
+                  <a:cxn ang="0">
+                    <a:pos x="connsiteX12" y="connsiteY12"/>
+                  </a:cxn>
+                  <a:cxn ang="0">
+                    <a:pos x="connsiteX13" y="connsiteY13"/>
+                  </a:cxn>
+                  <a:cxn ang="0">
+                    <a:pos x="connsiteX14" y="connsiteY14"/>
+                  </a:cxn>
+                  <a:cxn ang="0">
+                    <a:pos x="connsiteX15" y="connsiteY15"/>
+                  </a:cxn>
+                  <a:cxn ang="0">
+                    <a:pos x="connsiteX16" y="connsiteY16"/>
+                  </a:cxn>
+                  <a:cxn ang="0">
+                    <a:pos x="connsiteX17" y="connsiteY17"/>
+                  </a:cxn>
+                  <a:cxn ang="0">
+                    <a:pos x="connsiteX18" y="connsiteY18"/>
+                  </a:cxn>
+                  <a:cxn ang="0">
+                    <a:pos x="connsiteX19" y="connsiteY19"/>
+                  </a:cxn>
+                  <a:cxn ang="0">
+                    <a:pos x="connsiteX20" y="connsiteY20"/>
+                  </a:cxn>
+                  <a:cxn ang="0">
+                    <a:pos x="connsiteX21" y="connsiteY21"/>
+                  </a:cxn>
+                  <a:cxn ang="0">
+                    <a:pos x="connsiteX22" y="connsiteY22"/>
+                  </a:cxn>
+                  <a:cxn ang="0">
+                    <a:pos x="connsiteX23" y="connsiteY23"/>
+                  </a:cxn>
+                  <a:cxn ang="0">
+                    <a:pos x="connsiteX24" y="connsiteY24"/>
+                  </a:cxn>
+                  <a:cxn ang="0">
+                    <a:pos x="connsiteX25" y="connsiteY25"/>
+                  </a:cxn>
+                  <a:cxn ang="0">
+                    <a:pos x="connsiteX26" y="connsiteY26"/>
+                  </a:cxn>
+                  <a:cxn ang="0">
+                    <a:pos x="connsiteX27" y="connsiteY27"/>
+                  </a:cxn>
+                  <a:cxn ang="0">
+                    <a:pos x="connsiteX28" y="connsiteY28"/>
+                  </a:cxn>
+                  <a:cxn ang="0">
+                    <a:pos x="connsiteX29" y="connsiteY29"/>
+                  </a:cxn>
+                  <a:cxn ang="0">
+                    <a:pos x="connsiteX30" y="connsiteY30"/>
+                  </a:cxn>
+                  <a:cxn ang="0">
+                    <a:pos x="connsiteX31" y="connsiteY31"/>
+                  </a:cxn>
+                  <a:cxn ang="0">
+                    <a:pos x="connsiteX32" y="connsiteY32"/>
+                  </a:cxn>
+                  <a:cxn ang="0">
+                    <a:pos x="connsiteX33" y="connsiteY33"/>
+                  </a:cxn>
+                  <a:cxn ang="0">
+                    <a:pos x="connsiteX34" y="connsiteY34"/>
+                  </a:cxn>
+                  <a:cxn ang="0">
+                    <a:pos x="connsiteX35" y="connsiteY35"/>
+                  </a:cxn>
+                  <a:cxn ang="0">
+                    <a:pos x="connsiteX36" y="connsiteY36"/>
+                  </a:cxn>
+                  <a:cxn ang="0">
+                    <a:pos x="connsiteX37" y="connsiteY37"/>
+                  </a:cxn>
+                  <a:cxn ang="0">
+                    <a:pos x="connsiteX38" y="connsiteY38"/>
+                  </a:cxn>
+                  <a:cxn ang="0">
+                    <a:pos x="connsiteX39" y="connsiteY39"/>
+                  </a:cxn>
+                  <a:cxn ang="0">
+                    <a:pos x="connsiteX40" y="connsiteY40"/>
+                  </a:cxn>
+                  <a:cxn ang="0">
+                    <a:pos x="connsiteX41" y="connsiteY41"/>
+                  </a:cxn>
+                  <a:cxn ang="0">
+                    <a:pos x="connsiteX42" y="connsiteY42"/>
+                  </a:cxn>
+                  <a:cxn ang="0">
+                    <a:pos x="connsiteX43" y="connsiteY43"/>
+                  </a:cxn>
+                  <a:cxn ang="0">
+                    <a:pos x="connsiteX44" y="connsiteY44"/>
+                  </a:cxn>
+                  <a:cxn ang="0">
+                    <a:pos x="connsiteX45" y="connsiteY45"/>
+                  </a:cxn>
+                  <a:cxn ang="0">
+                    <a:pos x="connsiteX46" y="connsiteY46"/>
+                  </a:cxn>
+                  <a:cxn ang="0">
+                    <a:pos x="connsiteX47" y="connsiteY47"/>
+                  </a:cxn>
+                  <a:cxn ang="0">
+                    <a:pos x="connsiteX48" y="connsiteY48"/>
+                  </a:cxn>
+                  <a:cxn ang="0">
+                    <a:pos x="connsiteX49" y="connsiteY49"/>
+                  </a:cxn>
+                  <a:cxn ang="0">
+                    <a:pos x="connsiteX50" y="connsiteY50"/>
+                  </a:cxn>
+                  <a:cxn ang="0">
+                    <a:pos x="connsiteX51" y="connsiteY51"/>
+                  </a:cxn>
+                  <a:cxn ang="0">
+                    <a:pos x="connsiteX52" y="connsiteY52"/>
+                  </a:cxn>
+                  <a:cxn ang="0">
+                    <a:pos x="connsiteX53" y="connsiteY53"/>
+                  </a:cxn>
+                  <a:cxn ang="0">
+                    <a:pos x="connsiteX54" y="connsiteY54"/>
+                  </a:cxn>
+                  <a:cxn ang="0">
+                    <a:pos x="connsiteX55" y="connsiteY55"/>
+                  </a:cxn>
+                  <a:cxn ang="0">
+                    <a:pos x="connsiteX56" y="connsiteY56"/>
+                  </a:cxn>
+                  <a:cxn ang="0">
+                    <a:pos x="connsiteX57" y="connsiteY57"/>
+                  </a:cxn>
+                  <a:cxn ang="0">
+                    <a:pos x="connsiteX58" y="connsiteY58"/>
+                  </a:cxn>
+                  <a:cxn ang="0">
+                    <a:pos x="connsiteX59" y="connsiteY59"/>
+                  </a:cxn>
+                  <a:cxn ang="0">
+                    <a:pos x="connsiteX60" y="connsiteY60"/>
+                  </a:cxn>
+                  <a:cxn ang="0">
+                    <a:pos x="connsiteX61" y="connsiteY61"/>
+                  </a:cxn>
+                  <a:cxn ang="0">
+                    <a:pos x="connsiteX62" y="connsiteY62"/>
+                  </a:cxn>
+                  <a:cxn ang="0">
+                    <a:pos x="connsiteX63" y="connsiteY63"/>
+                  </a:cxn>
+                  <a:cxn ang="0">
+                    <a:pos x="connsiteX64" y="connsiteY64"/>
+                  </a:cxn>
+                  <a:cxn ang="0">
+                    <a:pos x="connsiteX65" y="connsiteY65"/>
+                  </a:cxn>
+                  <a:cxn ang="0">
+                    <a:pos x="connsiteX66" y="connsiteY66"/>
+                  </a:cxn>
+                  <a:cxn ang="0">
+                    <a:pos x="connsiteX67" y="connsiteY67"/>
+                  </a:cxn>
+                  <a:cxn ang="0">
+                    <a:pos x="connsiteX68" y="connsiteY68"/>
+                  </a:cxn>
+                  <a:cxn ang="0">
+                    <a:pos x="connsiteX69" y="connsiteY69"/>
+                  </a:cxn>
+                  <a:cxn ang="0">
+                    <a:pos x="connsiteX70" y="connsiteY70"/>
+                  </a:cxn>
+                  <a:cxn ang="0">
+                    <a:pos x="connsiteX71" y="connsiteY71"/>
+                  </a:cxn>
+                  <a:cxn ang="0">
+                    <a:pos x="connsiteX72" y="connsiteY72"/>
+                  </a:cxn>
+                  <a:cxn ang="0">
+                    <a:pos x="connsiteX73" y="connsiteY73"/>
+                  </a:cxn>
+                  <a:cxn ang="0">
+                    <a:pos x="connsiteX74" y="connsiteY74"/>
+                  </a:cxn>
+                  <a:cxn ang="0">
+                    <a:pos x="connsiteX75" y="connsiteY75"/>
+                  </a:cxn>
+                  <a:cxn ang="0">
+                    <a:pos x="connsiteX76" y="connsiteY76"/>
+                  </a:cxn>
+                  <a:cxn ang="0">
+                    <a:pos x="connsiteX77" y="connsiteY77"/>
+                  </a:cxn>
+                  <a:cxn ang="0">
+                    <a:pos x="connsiteX78" y="connsiteY78"/>
+                  </a:cxn>
+                  <a:cxn ang="0">
+                    <a:pos x="connsiteX79" y="connsiteY79"/>
+                  </a:cxn>
+                  <a:cxn ang="0">
+                    <a:pos x="connsiteX80" y="connsiteY80"/>
+                  </a:cxn>
+                  <a:cxn ang="0">
+                    <a:pos x="connsiteX81" y="connsiteY81"/>
+                  </a:cxn>
+                  <a:cxn ang="0">
+                    <a:pos x="connsiteX82" y="connsiteY82"/>
+                  </a:cxn>
+                  <a:cxn ang="0">
+                    <a:pos x="connsiteX83" y="connsiteY83"/>
+                  </a:cxn>
+                  <a:cxn ang="0">
+                    <a:pos x="connsiteX84" y="connsiteY84"/>
+                  </a:cxn>
+                  <a:cxn ang="0">
+                    <a:pos x="connsiteX85" y="connsiteY85"/>
+                  </a:cxn>
+                  <a:cxn ang="0">
+                    <a:pos x="connsiteX86" y="connsiteY86"/>
+                  </a:cxn>
+                  <a:cxn ang="0">
+                    <a:pos x="connsiteX87" y="connsiteY87"/>
+                  </a:cxn>
+                  <a:cxn ang="0">
+                    <a:pos x="connsiteX88" y="connsiteY88"/>
+                  </a:cxn>
+                  <a:cxn ang="0">
+                    <a:pos x="connsiteX89" y="connsiteY89"/>
+                  </a:cxn>
+                  <a:cxn ang="0">
+                    <a:pos x="connsiteX90" y="connsiteY90"/>
+                  </a:cxn>
+                  <a:cxn ang="0">
+                    <a:pos x="connsiteX91" y="connsiteY91"/>
+                  </a:cxn>
+                  <a:cxn ang="0">
+                    <a:pos x="connsiteX92" y="connsiteY92"/>
+                  </a:cxn>
+                  <a:cxn ang="0">
+                    <a:pos x="connsiteX93" y="connsiteY93"/>
+                  </a:cxn>
+                  <a:cxn ang="0">
+                    <a:pos x="connsiteX94" y="connsiteY94"/>
+                  </a:cxn>
+                  <a:cxn ang="0">
+                    <a:pos x="connsiteX95" y="connsiteY95"/>
+                  </a:cxn>
+                  <a:cxn ang="0">
+                    <a:pos x="connsiteX96" y="connsiteY96"/>
+                  </a:cxn>
+                </a:cxnLst>
+                <a:rect l="l" t="t" r="r" b="b"/>
+                <a:pathLst>
+                  <a:path w="10455568" h="715479">
+                    <a:moveTo>
+                      <a:pt x="0" y="0"/>
+                    </a:moveTo>
+                    <a:lnTo>
+                      <a:pt x="10455568" y="0"/>
+                    </a:lnTo>
+                    <a:lnTo>
+                      <a:pt x="10434629" y="8947"/>
+                    </a:lnTo>
+                    <a:cubicBezTo>
+                      <a:pt x="10373917" y="32898"/>
+                      <a:pt x="10311087" y="51455"/>
+                      <a:pt x="10249341" y="73146"/>
+                    </a:cubicBezTo>
+                    <a:cubicBezTo>
+                      <a:pt x="10223176" y="82504"/>
+                      <a:pt x="10198388" y="94974"/>
+                      <a:pt x="10172148" y="103170"/>
+                    </a:cubicBezTo>
+                    <a:cubicBezTo>
+                      <a:pt x="10113395" y="121743"/>
+                      <a:pt x="10053617" y="138053"/>
+                      <a:pt x="9994576" y="156647"/>
+                    </a:cubicBezTo>
+                    <a:cubicBezTo>
+                      <a:pt x="9960929" y="167389"/>
+                      <a:pt x="9928899" y="184724"/>
+                      <a:pt x="9894474" y="192604"/>
+                    </a:cubicBezTo>
+                    <a:cubicBezTo>
+                      <a:pt x="9812718" y="211289"/>
+                      <a:pt x="9730121" y="226242"/>
+                      <a:pt x="9647603" y="242354"/>
+                    </a:cubicBezTo>
+                    <a:cubicBezTo>
+                      <a:pt x="9562500" y="258935"/>
+                      <a:pt x="9477721" y="276078"/>
+                      <a:pt x="9392533" y="291498"/>
+                    </a:cubicBezTo>
+                    <a:cubicBezTo>
+                      <a:pt x="9345891" y="299632"/>
+                      <a:pt x="9298681" y="303723"/>
+                      <a:pt x="9252019" y="311564"/>
+                    </a:cubicBezTo>
+                    <a:cubicBezTo>
+                      <a:pt x="9211115" y="318433"/>
+                      <a:pt x="9170740" y="328758"/>
+                      <a:pt x="9129899" y="336497"/>
+                    </a:cubicBezTo>
+                    <a:cubicBezTo>
+                      <a:pt x="9094507" y="342987"/>
+                      <a:pt x="9058706" y="347759"/>
+                      <a:pt x="9023312" y="354253"/>
+                    </a:cubicBezTo>
+                    <a:cubicBezTo>
+                      <a:pt x="8966639" y="364814"/>
+                      <a:pt x="8910315" y="376230"/>
+                      <a:pt x="8853949" y="387064"/>
+                    </a:cubicBezTo>
+                    <a:cubicBezTo>
+                      <a:pt x="8830350" y="391295"/>
+                      <a:pt x="8805902" y="400245"/>
+                      <a:pt x="8783278" y="397418"/>
+                    </a:cubicBezTo>
+                    <a:cubicBezTo>
+                      <a:pt x="8726267" y="390232"/>
+                      <a:pt x="8671093" y="397198"/>
+                      <a:pt x="8615640" y="408552"/>
+                    </a:cubicBezTo>
+                    <a:cubicBezTo>
+                      <a:pt x="8596680" y="412471"/>
+                      <a:pt x="8576049" y="413291"/>
+                      <a:pt x="8557154" y="409627"/>
+                    </a:cubicBezTo>
+                    <a:cubicBezTo>
+                      <a:pt x="8518491" y="402356"/>
+                      <a:pt x="8480716" y="390947"/>
+                      <a:pt x="8442474" y="381318"/>
+                    </a:cubicBezTo>
+                    <a:cubicBezTo>
+                      <a:pt x="8438313" y="380145"/>
+                      <a:pt x="8433365" y="380189"/>
+                      <a:pt x="8428959" y="379618"/>
+                    </a:cubicBezTo>
+                    <a:cubicBezTo>
+                      <a:pt x="8403970" y="376366"/>
+                      <a:pt x="8379279" y="373098"/>
+                      <a:pt x="8354329" y="370428"/>
+                    </a:cubicBezTo>
+                    <a:cubicBezTo>
+                      <a:pt x="8340833" y="369017"/>
+                      <a:pt x="8327184" y="369657"/>
+                      <a:pt x="8313705" y="368535"/>
+                    </a:cubicBezTo>
+                    <a:cubicBezTo>
+                      <a:pt x="8261532" y="363935"/>
+                      <a:pt x="8205623" y="381441"/>
+                      <a:pt x="8158571" y="349396"/>
+                    </a:cubicBezTo>
+                    <a:cubicBezTo>
+                      <a:pt x="8128030" y="328752"/>
+                      <a:pt x="8100257" y="335890"/>
+                      <a:pt x="8069467" y="341485"/>
+                    </a:cubicBezTo>
+                    <a:cubicBezTo>
+                      <a:pt x="8046153" y="345696"/>
+                      <a:pt x="8022024" y="346466"/>
+                      <a:pt x="7998265" y="348379"/>
+                    </a:cubicBezTo>
+                    <a:cubicBezTo>
+                      <a:pt x="7956565" y="352093"/>
+                      <a:pt x="7914826" y="355232"/>
+                      <a:pt x="7873167" y="359529"/>
+                    </a:cubicBezTo>
+                    <a:cubicBezTo>
+                      <a:pt x="7859864" y="361016"/>
+                      <a:pt x="7846730" y="369197"/>
+                      <a:pt x="7833600" y="368926"/>
+                    </a:cubicBezTo>
+                    <a:cubicBezTo>
+                      <a:pt x="7772906" y="367528"/>
+                      <a:pt x="7711993" y="362939"/>
+                      <a:pt x="7651338" y="362121"/>
+                    </a:cubicBezTo>
+                    <a:cubicBezTo>
+                      <a:pt x="7616924" y="361556"/>
+                      <a:pt x="7582209" y="369456"/>
+                      <a:pt x="7548003" y="367710"/>
+                    </a:cubicBezTo>
+                    <a:cubicBezTo>
+                      <a:pt x="7508539" y="365739"/>
+                      <a:pt x="7469448" y="356458"/>
+                      <a:pt x="7430093" y="351855"/>
+                    </a:cubicBezTo>
+                    <a:cubicBezTo>
+                      <a:pt x="7419227" y="350559"/>
+                      <a:pt x="7407516" y="353979"/>
+                      <a:pt x="7396245" y="355328"/>
+                    </a:cubicBezTo>
+                    <a:cubicBezTo>
+                      <a:pt x="7383524" y="356781"/>
+                      <a:pt x="7371134" y="358791"/>
+                      <a:pt x="7358394" y="359950"/>
+                    </a:cubicBezTo>
+                    <a:cubicBezTo>
+                      <a:pt x="7319573" y="363179"/>
+                      <a:pt x="7280655" y="364958"/>
+                      <a:pt x="7241933" y="369637"/>
+                    </a:cubicBezTo>
+                    <a:cubicBezTo>
+                      <a:pt x="7218235" y="372418"/>
+                      <a:pt x="7194108" y="386008"/>
+                      <a:pt x="7171767" y="383160"/>
+                    </a:cubicBezTo>
+                    <a:cubicBezTo>
+                      <a:pt x="7126248" y="377813"/>
+                      <a:pt x="7082583" y="399728"/>
+                      <a:pt x="7036569" y="387132"/>
+                    </a:cubicBezTo>
+                    <a:cubicBezTo>
+                      <a:pt x="7022328" y="383442"/>
+                      <a:pt x="7003983" y="396347"/>
+                      <a:pt x="6987200" y="398073"/>
+                    </a:cubicBezTo>
+                    <a:cubicBezTo>
+                      <a:pt x="6945251" y="402388"/>
+                      <a:pt x="6903183" y="404965"/>
+                      <a:pt x="6861115" y="407542"/>
+                    </a:cubicBezTo>
+                    <a:cubicBezTo>
+                      <a:pt x="6823394" y="409822"/>
+                      <a:pt x="6784520" y="416550"/>
+                      <a:pt x="6747718" y="410900"/>
+                    </a:cubicBezTo>
+                    <a:cubicBezTo>
+                      <a:pt x="6709137" y="404791"/>
+                      <a:pt x="6674999" y="408284"/>
+                      <a:pt x="6638839" y="420654"/>
+                    </a:cubicBezTo>
+                    <a:cubicBezTo>
+                      <a:pt x="6614066" y="429044"/>
+                      <a:pt x="6587444" y="431733"/>
+                      <a:pt x="6561486" y="435540"/>
+                    </a:cubicBezTo>
+                    <a:cubicBezTo>
+                      <a:pt x="6533513" y="439778"/>
+                      <a:pt x="6502069" y="435804"/>
+                      <a:pt x="6477200" y="447113"/>
+                    </a:cubicBezTo>
+                    <a:cubicBezTo>
+                      <a:pt x="6403159" y="480713"/>
+                      <a:pt x="6325566" y="492119"/>
+                      <a:pt x="6246111" y="497537"/>
+                    </a:cubicBezTo>
+                    <a:cubicBezTo>
+                      <a:pt x="6231608" y="498524"/>
+                      <a:pt x="6216540" y="495475"/>
+                      <a:pt x="6202328" y="492074"/>
+                    </a:cubicBezTo>
+                    <a:cubicBezTo>
+                      <a:pt x="6119346" y="471508"/>
+                      <a:pt x="6038018" y="479381"/>
+                      <a:pt x="5956458" y="500965"/>
+                    </a:cubicBezTo>
+                    <a:cubicBezTo>
+                      <a:pt x="5939584" y="505613"/>
+                      <a:pt x="5920486" y="507499"/>
+                      <a:pt x="5903139" y="505186"/>
+                    </a:cubicBezTo>
+                    <a:cubicBezTo>
+                      <a:pt x="5854306" y="498315"/>
+                      <a:pt x="5806470" y="484677"/>
+                      <a:pt x="5757547" y="480730"/>
+                    </a:cubicBezTo>
+                    <a:cubicBezTo>
+                      <a:pt x="5676701" y="474297"/>
+                      <a:pt x="5610121" y="519038"/>
+                      <a:pt x="5540270" y="550023"/>
+                    </a:cubicBezTo>
+                    <a:cubicBezTo>
+                      <a:pt x="5473801" y="579316"/>
+                      <a:pt x="5419599" y="638949"/>
+                      <a:pt x="5338128" y="631974"/>
+                    </a:cubicBezTo>
+                    <a:cubicBezTo>
+                      <a:pt x="5329931" y="631367"/>
+                      <a:pt x="5321476" y="639812"/>
+                      <a:pt x="5312622" y="642454"/>
+                    </a:cubicBezTo>
+                    <a:cubicBezTo>
+                      <a:pt x="5288350" y="649647"/>
+                      <a:pt x="5264155" y="657994"/>
+                      <a:pt x="5239393" y="662307"/>
+                    </a:cubicBezTo>
+                    <a:cubicBezTo>
+                      <a:pt x="5209181" y="667862"/>
+                      <a:pt x="5178072" y="668817"/>
+                      <a:pt x="5147821" y="673791"/>
+                    </a:cubicBezTo>
+                    <a:cubicBezTo>
+                      <a:pt x="5108908" y="679940"/>
+                      <a:pt x="5070972" y="691848"/>
+                      <a:pt x="5032111" y="694497"/>
+                    </a:cubicBezTo>
+                    <a:cubicBezTo>
+                      <a:pt x="5000793" y="696632"/>
+                      <a:pt x="4969032" y="688019"/>
+                      <a:pt x="4937648" y="684913"/>
+                    </a:cubicBezTo>
+                    <a:cubicBezTo>
+                      <a:pt x="4893363" y="680649"/>
+                      <a:pt x="4845361" y="685962"/>
+                      <a:pt x="4805529" y="670032"/>
+                    </a:cubicBezTo>
+                    <a:cubicBezTo>
+                      <a:pt x="4763006" y="653119"/>
+                      <a:pt x="4723244" y="646796"/>
+                      <a:pt x="4681029" y="655792"/>
+                    </a:cubicBezTo>
+                    <a:cubicBezTo>
+                      <a:pt x="4666957" y="658791"/>
+                      <a:pt x="4649519" y="672217"/>
+                      <a:pt x="4643990" y="685120"/>
+                    </a:cubicBezTo>
+                    <a:cubicBezTo>
+                      <a:pt x="4631676" y="713928"/>
+                      <a:pt x="4612585" y="720184"/>
+                      <a:pt x="4585542" y="712411"/>
+                    </a:cubicBezTo>
+                    <a:cubicBezTo>
+                      <a:pt x="4562077" y="705853"/>
+                      <a:pt x="4533672" y="703713"/>
+                      <a:pt x="4516947" y="689117"/>
+                    </a:cubicBezTo>
+                    <a:cubicBezTo>
+                      <a:pt x="4469552" y="647774"/>
+                      <a:pt x="4412904" y="650180"/>
+                      <a:pt x="4356995" y="642048"/>
+                    </a:cubicBezTo>
+                    <a:cubicBezTo>
+                      <a:pt x="4322867" y="637088"/>
+                      <a:pt x="4291523" y="638934"/>
+                      <a:pt x="4258219" y="646156"/>
+                    </a:cubicBezTo>
+                    <a:cubicBezTo>
+                      <a:pt x="4185895" y="662159"/>
+                      <a:pt x="4113776" y="651342"/>
+                      <a:pt x="4042233" y="636117"/>
+                    </a:cubicBezTo>
+                    <a:cubicBezTo>
+                      <a:pt x="3994923" y="625941"/>
+                      <a:pt x="3946812" y="621063"/>
+                      <a:pt x="3899777" y="610576"/>
+                    </a:cubicBezTo>
+                    <a:cubicBezTo>
+                      <a:pt x="3864554" y="602488"/>
+                      <a:pt x="3829196" y="592371"/>
+                      <a:pt x="3796441" y="577707"/>
+                    </a:cubicBezTo>
+                    <a:cubicBezTo>
+                      <a:pt x="3748937" y="556178"/>
+                      <a:pt x="3706395" y="521788"/>
+                      <a:pt x="3648774" y="535623"/>
+                    </a:cubicBezTo>
+                    <a:cubicBezTo>
+                      <a:pt x="3598036" y="547820"/>
+                      <a:pt x="3550396" y="532716"/>
+                      <a:pt x="3502227" y="518518"/>
+                    </a:cubicBezTo>
+                    <a:cubicBezTo>
+                      <a:pt x="3466848" y="508111"/>
+                      <a:pt x="3431455" y="497410"/>
+                      <a:pt x="3395228" y="491723"/>
+                    </a:cubicBezTo>
+                    <a:cubicBezTo>
+                      <a:pt x="3352235" y="485040"/>
+                      <a:pt x="3304663" y="492363"/>
+                      <a:pt x="3265757" y="477242"/>
+                    </a:cubicBezTo>
+                    <a:cubicBezTo>
+                      <a:pt x="3225052" y="461369"/>
+                      <a:pt x="3193136" y="476075"/>
+                      <a:pt x="3158404" y="483689"/>
+                    </a:cubicBezTo>
+                    <a:cubicBezTo>
+                      <a:pt x="3102986" y="495623"/>
+                      <a:pt x="3048333" y="514498"/>
+                      <a:pt x="2990483" y="499212"/>
+                    </a:cubicBezTo>
+                    <a:cubicBezTo>
+                      <a:pt x="2920173" y="480697"/>
+                      <a:pt x="2850324" y="460405"/>
+                      <a:pt x="2779802" y="443069"/>
+                    </a:cubicBezTo>
+                    <a:cubicBezTo>
+                      <a:pt x="2752548" y="436477"/>
+                      <a:pt x="2723606" y="434954"/>
+                      <a:pt x="2695508" y="433082"/>
+                    </a:cubicBezTo>
+                    <a:cubicBezTo>
+                      <a:pt x="2668903" y="431690"/>
+                      <a:pt x="2637847" y="441965"/>
+                      <a:pt x="2616713" y="431172"/>
+                    </a:cubicBezTo>
+                    <a:cubicBezTo>
+                      <a:pt x="2562378" y="403411"/>
+                      <a:pt x="2507687" y="391698"/>
+                      <a:pt x="2447364" y="395810"/>
+                    </a:cubicBezTo>
+                    <a:cubicBezTo>
+                      <a:pt x="2424744" y="397352"/>
+                      <a:pt x="2401814" y="385802"/>
+                      <a:pt x="2378751" y="385044"/>
+                    </a:cubicBezTo>
+                    <a:cubicBezTo>
+                      <a:pt x="2347229" y="384281"/>
+                      <a:pt x="2310735" y="378901"/>
+                      <a:pt x="2284230" y="391782"/>
+                    </a:cubicBezTo>
+                    <a:cubicBezTo>
+                      <a:pt x="2221919" y="422248"/>
+                      <a:pt x="2168532" y="404037"/>
+                      <a:pt x="2110801" y="382042"/>
+                    </a:cubicBezTo>
+                    <a:cubicBezTo>
+                      <a:pt x="2053961" y="360279"/>
+                      <a:pt x="1994577" y="343935"/>
+                      <a:pt x="1934854" y="331108"/>
+                    </a:cubicBezTo>
+                    <a:cubicBezTo>
+                      <a:pt x="1912400" y="326519"/>
+                      <a:pt x="1886705" y="338470"/>
+                      <a:pt x="1862479" y="342158"/>
+                    </a:cubicBezTo>
+                    <a:cubicBezTo>
+                      <a:pt x="1853818" y="343333"/>
+                      <a:pt x="1844309" y="344855"/>
+                      <a:pt x="1836283" y="342488"/>
+                    </a:cubicBezTo>
+                    <a:cubicBezTo>
+                      <a:pt x="1758698" y="319808"/>
+                      <a:pt x="1680403" y="303878"/>
+                      <a:pt x="1599327" y="323970"/>
+                    </a:cubicBezTo>
+                    <a:cubicBezTo>
+                      <a:pt x="1591888" y="325937"/>
+                      <a:pt x="1583257" y="323319"/>
+                      <a:pt x="1575578" y="321802"/>
+                    </a:cubicBezTo>
+                    <a:cubicBezTo>
+                      <a:pt x="1538035" y="313873"/>
+                      <a:pt x="1500950" y="299795"/>
+                      <a:pt x="1463288" y="298576"/>
+                    </a:cubicBezTo>
+                    <a:cubicBezTo>
+                      <a:pt x="1370438" y="295582"/>
+                      <a:pt x="1277384" y="298137"/>
+                      <a:pt x="1184165" y="298373"/>
+                    </a:cubicBezTo>
+                    <a:cubicBezTo>
+                      <a:pt x="1178344" y="298480"/>
+                      <a:pt x="1172255" y="298896"/>
+                      <a:pt x="1166899" y="297220"/>
+                    </a:cubicBezTo>
+                    <a:cubicBezTo>
+                      <a:pt x="1131827" y="287082"/>
+                      <a:pt x="1102238" y="293180"/>
+                      <a:pt x="1074855" y="318934"/>
+                    </a:cubicBezTo>
+                    <a:cubicBezTo>
+                      <a:pt x="1062808" y="330244"/>
+                      <a:pt x="1045783" y="336940"/>
+                      <a:pt x="1030232" y="343829"/>
+                    </a:cubicBezTo>
+                    <a:cubicBezTo>
+                      <a:pt x="1007334" y="354132"/>
+                      <a:pt x="983839" y="364180"/>
+                      <a:pt x="959854" y="371351"/>
+                    </a:cubicBezTo>
+                    <a:cubicBezTo>
+                      <a:pt x="936141" y="378210"/>
+                      <a:pt x="910825" y="387219"/>
+                      <a:pt x="887350" y="384742"/>
+                    </a:cubicBezTo>
+                    <a:cubicBezTo>
+                      <a:pt x="845096" y="380339"/>
+                      <a:pt x="804258" y="366810"/>
+                      <a:pt x="762349" y="358882"/>
+                    </a:cubicBezTo>
+                    <a:cubicBezTo>
+                      <a:pt x="747884" y="356082"/>
+                      <a:pt x="732263" y="357732"/>
+                      <a:pt x="717454" y="358448"/>
+                    </a:cubicBezTo>
+                    <a:cubicBezTo>
+                      <a:pt x="683463" y="359893"/>
+                      <a:pt x="649238" y="370675"/>
+                      <a:pt x="616859" y="348700"/>
+                    </a:cubicBezTo>
+                    <a:cubicBezTo>
+                      <a:pt x="586900" y="328019"/>
+                      <a:pt x="558641" y="336644"/>
+                      <a:pt x="529939" y="355789"/>
+                    </a:cubicBezTo>
+                    <a:cubicBezTo>
+                      <a:pt x="509309" y="369433"/>
+                      <a:pt x="485605" y="380664"/>
+                      <a:pt x="461851" y="386945"/>
+                    </a:cubicBezTo>
+                    <a:cubicBezTo>
+                      <a:pt x="429225" y="395576"/>
+                      <a:pt x="396634" y="400422"/>
+                      <a:pt x="360707" y="399082"/>
+                    </a:cubicBezTo>
+                    <a:cubicBezTo>
+                      <a:pt x="335299" y="398193"/>
+                      <a:pt x="314629" y="398437"/>
+                      <a:pt x="293863" y="384410"/>
+                    </a:cubicBezTo>
+                    <a:cubicBezTo>
+                      <a:pt x="290517" y="382308"/>
+                      <a:pt x="284678" y="382122"/>
+                      <a:pt x="280347" y="382711"/>
+                    </a:cubicBezTo>
+                    <a:cubicBezTo>
+                      <a:pt x="223554" y="391535"/>
+                      <a:pt x="166827" y="392780"/>
+                      <a:pt x="108881" y="393231"/>
+                    </a:cubicBezTo>
+                    <a:cubicBezTo>
+                      <a:pt x="90460" y="393322"/>
+                      <a:pt x="71882" y="394571"/>
+                      <a:pt x="53435" y="397222"/>
+                    </a:cubicBezTo>
+                    <a:lnTo>
+                      <a:pt x="0" y="409348"/>
+                    </a:lnTo>
+                    <a:close/>
+                  </a:path>
+                </a:pathLst>
+              </a:custGeom>
+              <a:blipFill>
+                <a:blip r:embed="rId2">
+                  <a:alphaModFix amt="57000"/>
+                </a:blip>
+                <a:tile tx="0" ty="0" sx="100000" sy="100000" flip="none" algn="tl"/>
+              </a:blipFill>
+              <a:ln w="12700" cap="flat" cmpd="sng" algn="ctr">
+                <a:noFill/>
+                <a:prstDash val="solid"/>
+                <a:miter lim="800000"/>
+              </a:ln>
+              <a:effectLst/>
+            </p:spPr>
+            <p:style>
+              <a:lnRef idx="2">
+                <a:schemeClr val="accent1">
+                  <a:shade val="50000"/>
+                </a:schemeClr>
+              </a:lnRef>
+              <a:fillRef idx="1">
+                <a:schemeClr val="accent1"/>
+              </a:fillRef>
+              <a:effectRef idx="0">
+                <a:schemeClr val="accent1"/>
+              </a:effectRef>
+              <a:fontRef idx="minor">
+                <a:schemeClr val="lt1"/>
+              </a:fontRef>
+            </p:style>
+            <p:txBody>
+              <a:bodyPr rtlCol="0" anchor="ctr"/>
+              <a:lstStyle/>
+              <a:p>
+                <a:pPr algn="ctr"/>
+                <a:endParaRPr lang="en-US"/>
+              </a:p>
+            </p:txBody>
+          </p:sp>
+        </p:grpSp>
+      </p:grpSp>
+    </p:spTree>
+    <p:extLst>
+      <p:ext uri="{BB962C8B-B14F-4D97-AF65-F5344CB8AC3E}">
+        <p14:creationId xmlns:p14="http://schemas.microsoft.com/office/powerpoint/2010/main" val="120993460"/>
+      </p:ext>
+    </p:extLst>
+  </p:cSld>
+  <p:clrMapOvr>
+    <a:masterClrMapping/>
+  </p:clrMapOvr>
+</p:sld>
+</file>
+
+<file path=ppt/slides/slide2.xml><?xml version="1.0" encoding="utf-8"?>
+<p:sld xmlns:a="http://schemas.openxmlformats.org/drawingml/2006/main" xmlns:r="http://schemas.openxmlformats.org/officeDocument/2006/relationships" xmlns:p="http://schemas.openxmlformats.org/presentationml/2006/main">
+  <p:cSld>
     <p:spTree>
       <p:nvGrpSpPr>
         <p:cNvPr id="1" name=""/>
@@ -3347,7 +9142,7 @@
           <p:cNvPr id="2" name="Title 1">
             <a:extLst>
               <a:ext uri="{FF2B5EF4-FFF2-40B4-BE49-F238E27FC236}">
-                <a16:creationId xmlns:a16="http://schemas.microsoft.com/office/drawing/2014/main" id="{8056065D-0300-30CF-B3DF-768F4A92C3DA}"/>
+                <a16:creationId xmlns:a16="http://schemas.microsoft.com/office/drawing/2014/main" id="{66A9007F-60E5-336C-9264-379969A52588}"/>
               </a:ext>
             </a:extLst>
           </p:cNvPr>
@@ -3355,7 +9150,7 @@
             <a:spLocks noGrp="1"/>
           </p:cNvSpPr>
           <p:nvPr>
-            <p:ph type="ctrTitle"/>
+            <p:ph type="title"/>
           </p:nvPr>
         </p:nvSpPr>
         <p:spPr/>
@@ -3364,23 +9159,19 @@
           <a:lstStyle/>
           <a:p>
             <a:r>
-              <a:rPr lang="en-GB" dirty="0"/>
-              <a:t>Blockchain </a:t>
+              <a:rPr lang="en-GB"/>
+              <a:t>Goal of the project</a:t>
             </a:r>
-            <a:r>
-              <a:rPr lang="en-GB"/>
-              <a:t>Tycoon Presentation</a:t>
-            </a:r>
-            <a:endParaRPr lang="fi-FI"/>
+            <a:endParaRPr lang="fi-FI" dirty="0"/>
           </a:p>
         </p:txBody>
       </p:sp>
       <p:sp>
         <p:nvSpPr>
-          <p:cNvPr id="3" name="Subtitle 2">
+          <p:cNvPr id="3" name="Content Placeholder 2">
             <a:extLst>
               <a:ext uri="{FF2B5EF4-FFF2-40B4-BE49-F238E27FC236}">
-                <a16:creationId xmlns:a16="http://schemas.microsoft.com/office/drawing/2014/main" id="{21E2FC4F-C79C-BF34-F8E8-25346B2A83C8}"/>
+                <a16:creationId xmlns:a16="http://schemas.microsoft.com/office/drawing/2014/main" id="{4FFF5814-CC12-47CF-3C95-EF02D00E3D20}"/>
               </a:ext>
             </a:extLst>
           </p:cNvPr>
@@ -3388,7 +9179,7 @@
             <a:spLocks noGrp="1"/>
           </p:cNvSpPr>
           <p:nvPr>
-            <p:ph type="subTitle" idx="1"/>
+            <p:ph idx="1"/>
           </p:nvPr>
         </p:nvSpPr>
         <p:spPr/>
@@ -3396,14 +9187,1032 @@
           <a:bodyPr/>
           <a:lstStyle/>
           <a:p>
+            <a:r>
+              <a:rPr lang="en-GB"/>
+              <a:t>Currently blockchain is a vague concept to most people</a:t>
+            </a:r>
+          </a:p>
+          <a:p>
+            <a:r>
+              <a:rPr lang="en-GB"/>
+              <a:t>Introduce blockchains as a concept through a gamified simulation</a:t>
+            </a:r>
+          </a:p>
+          <a:p>
+            <a:r>
+              <a:rPr lang="en-GB"/>
+              <a:t>Highlight the main components of a blockchain network</a:t>
+            </a:r>
+          </a:p>
+          <a:p>
+            <a:r>
+              <a:rPr lang="en-GB"/>
+              <a:t>Create an effortless and enjoyable experience</a:t>
+            </a:r>
+          </a:p>
+          <a:p>
+            <a:r>
+              <a:rPr lang="en-GB" b="1"/>
+              <a:t>Main goal </a:t>
+            </a:r>
+            <a:r>
+              <a:rPr lang="en-GB"/>
+              <a:t>is to create a game that can be further refined into a tool for educational purposes</a:t>
+            </a:r>
+          </a:p>
+          <a:p>
             <a:endParaRPr lang="fi-FI"/>
+          </a:p>
+          <a:p>
+            <a:r>
+              <a:rPr lang="fi-FI"/>
+              <a:t>Challenge </a:t>
+            </a:r>
+            <a:r>
+              <a:rPr lang="en-GB"/>
+              <a:t>ourselves to make a game</a:t>
+            </a:r>
+            <a:endParaRPr lang="en-GB" dirty="0"/>
           </a:p>
         </p:txBody>
       </p:sp>
     </p:spTree>
     <p:extLst>
       <p:ext uri="{BB962C8B-B14F-4D97-AF65-F5344CB8AC3E}">
-        <p14:creationId xmlns:p14="http://schemas.microsoft.com/office/powerpoint/2010/main" val="120993460"/>
+        <p14:creationId xmlns:p14="http://schemas.microsoft.com/office/powerpoint/2010/main" val="3031109303"/>
+      </p:ext>
+    </p:extLst>
+  </p:cSld>
+  <p:clrMapOvr>
+    <a:masterClrMapping/>
+  </p:clrMapOvr>
+</p:sld>
+</file>
+
+<file path=ppt/slides/slide3.xml><?xml version="1.0" encoding="utf-8"?>
+<p:sld xmlns:a="http://schemas.openxmlformats.org/drawingml/2006/main" xmlns:r="http://schemas.openxmlformats.org/officeDocument/2006/relationships" xmlns:p="http://schemas.openxmlformats.org/presentationml/2006/main">
+  <p:cSld>
+    <p:bg>
+      <p:bgPr>
+        <a:solidFill>
+          <a:schemeClr val="bg1"/>
+        </a:solidFill>
+        <a:effectLst/>
+      </p:bgPr>
+    </p:bg>
+    <p:spTree>
+      <p:nvGrpSpPr>
+        <p:cNvPr id="1" name=""/>
+        <p:cNvGrpSpPr/>
+        <p:nvPr/>
+      </p:nvGrpSpPr>
+      <p:grpSpPr>
+        <a:xfrm>
+          <a:off x="0" y="0"/>
+          <a:ext cx="0" cy="0"/>
+          <a:chOff x="0" y="0"/>
+          <a:chExt cx="0" cy="0"/>
+        </a:xfrm>
+      </p:grpSpPr>
+      <p:sp useBgFill="1">
+        <p:nvSpPr>
+          <p:cNvPr id="1062" name="Rectangle 1061">
+            <a:extLst>
+              <a:ext uri="{FF2B5EF4-FFF2-40B4-BE49-F238E27FC236}">
+                <a16:creationId xmlns:a16="http://schemas.microsoft.com/office/drawing/2014/main" id="{3AFE8227-C443-417B-BA91-520EB1EF4559}"/>
+              </a:ext>
+              <a:ext uri="{C183D7F6-B498-43B3-948B-1728B52AA6E4}">
+                <adec:decorative xmlns:adec="http://schemas.microsoft.com/office/drawing/2017/decorative" val="1"/>
+              </a:ext>
+            </a:extLst>
+          </p:cNvPr>
+          <p:cNvSpPr>
+            <a:spLocks noGrp="1" noRot="1" noChangeAspect="1" noMove="1" noResize="1" noEditPoints="1" noAdjustHandles="1" noChangeArrowheads="1" noChangeShapeType="1" noTextEdit="1"/>
+          </p:cNvSpPr>
+          <p:nvPr>
+            <p:extLst>
+              <p:ext uri="{386F3935-93C4-4BCD-93E2-E3B085C9AB24}">
+                <p16:designElem xmlns:p16="http://schemas.microsoft.com/office/powerpoint/2015/main" val="1"/>
+              </p:ext>
+            </p:extLst>
+          </p:nvPr>
+        </p:nvSpPr>
+        <p:spPr>
+          <a:xfrm>
+            <a:off x="0" y="2"/>
+            <a:ext cx="12192000" cy="6857997"/>
+          </a:xfrm>
+          <a:prstGeom prst="rect">
+            <a:avLst/>
+          </a:prstGeom>
+          <a:ln>
+            <a:noFill/>
+          </a:ln>
+        </p:spPr>
+        <p:style>
+          <a:lnRef idx="2">
+            <a:schemeClr val="accent1">
+              <a:shade val="50000"/>
+            </a:schemeClr>
+          </a:lnRef>
+          <a:fillRef idx="1">
+            <a:schemeClr val="accent1"/>
+          </a:fillRef>
+          <a:effectRef idx="0">
+            <a:schemeClr val="accent1"/>
+          </a:effectRef>
+          <a:fontRef idx="minor">
+            <a:schemeClr val="lt1"/>
+          </a:fontRef>
+        </p:style>
+        <p:txBody>
+          <a:bodyPr rtlCol="0" anchor="ctr"/>
+          <a:lstStyle/>
+          <a:p>
+            <a:pPr algn="ctr"/>
+            <a:endParaRPr lang="en-US"/>
+          </a:p>
+        </p:txBody>
+      </p:sp>
+      <p:sp>
+        <p:nvSpPr>
+          <p:cNvPr id="2" name="Title 1">
+            <a:extLst>
+              <a:ext uri="{FF2B5EF4-FFF2-40B4-BE49-F238E27FC236}">
+                <a16:creationId xmlns:a16="http://schemas.microsoft.com/office/drawing/2014/main" id="{BEE7949D-5BFE-B54D-DA44-72D7C28525EE}"/>
+              </a:ext>
+            </a:extLst>
+          </p:cNvPr>
+          <p:cNvSpPr>
+            <a:spLocks noGrp="1"/>
+          </p:cNvSpPr>
+          <p:nvPr>
+            <p:ph type="title"/>
+          </p:nvPr>
+        </p:nvSpPr>
+        <p:spPr>
+          <a:xfrm>
+            <a:off x="8868276" y="449260"/>
+            <a:ext cx="3091607" cy="1655483"/>
+          </a:xfrm>
+        </p:spPr>
+        <p:txBody>
+          <a:bodyPr vert="horz" lIns="91440" tIns="45720" rIns="91440" bIns="45720" rtlCol="0" anchor="b">
+            <a:normAutofit/>
+          </a:bodyPr>
+          <a:lstStyle/>
+          <a:p>
+            <a:r>
+              <a:rPr lang="en-US" sz="4000" dirty="0"/>
+              <a:t>Game Idea</a:t>
+            </a:r>
+          </a:p>
+        </p:txBody>
+      </p:sp>
+      <p:pic>
+        <p:nvPicPr>
+          <p:cNvPr id="1028" name="Picture 4" descr="A black and white text on a black background&#10;&#10;Description automatically generated">
+            <a:extLst>
+              <a:ext uri="{FF2B5EF4-FFF2-40B4-BE49-F238E27FC236}">
+                <a16:creationId xmlns:a16="http://schemas.microsoft.com/office/drawing/2014/main" id="{3B47F1D4-371B-D56C-D067-7268E20A25C9}"/>
+              </a:ext>
+            </a:extLst>
+          </p:cNvPr>
+          <p:cNvPicPr>
+            <a:picLocks noChangeAspect="1" noChangeArrowheads="1"/>
+          </p:cNvPicPr>
+          <p:nvPr/>
+        </p:nvPicPr>
+        <p:blipFill>
+          <a:blip r:embed="rId2">
+            <a:extLst>
+              <a:ext uri="{28A0092B-C50C-407E-A947-70E740481C1C}">
+                <a14:useLocalDpi xmlns:a14="http://schemas.microsoft.com/office/drawing/2010/main" val="0"/>
+              </a:ext>
+            </a:extLst>
+          </a:blip>
+          <a:srcRect r="1542" b="2"/>
+          <a:stretch/>
+        </p:blipFill>
+        <p:spPr bwMode="auto">
+          <a:xfrm>
+            <a:off x="20" y="431"/>
+            <a:ext cx="8115280" cy="6408311"/>
+          </a:xfrm>
+          <a:prstGeom prst="rect">
+            <a:avLst/>
+          </a:prstGeom>
+          <a:noFill/>
+          <a:extLst>
+            <a:ext uri="{909E8E84-426E-40DD-AFC4-6F175D3DCCD1}">
+              <a14:hiddenFill xmlns:a14="http://schemas.microsoft.com/office/drawing/2010/main">
+                <a:solidFill>
+                  <a:srgbClr val="FFFFFF"/>
+                </a:solidFill>
+              </a14:hiddenFill>
+            </a:ext>
+          </a:extLst>
+        </p:spPr>
+      </p:pic>
+      <p:sp>
+        <p:nvSpPr>
+          <p:cNvPr id="1063" name="Content Placeholder 1047">
+            <a:extLst>
+              <a:ext uri="{FF2B5EF4-FFF2-40B4-BE49-F238E27FC236}">
+                <a16:creationId xmlns:a16="http://schemas.microsoft.com/office/drawing/2014/main" id="{086FDC9D-3D80-AD79-B573-CE5D288993C8}"/>
+              </a:ext>
+            </a:extLst>
+          </p:cNvPr>
+          <p:cNvSpPr>
+            <a:spLocks noGrp="1"/>
+          </p:cNvSpPr>
+          <p:nvPr>
+            <p:ph idx="1"/>
+          </p:nvPr>
+        </p:nvSpPr>
+        <p:spPr>
+          <a:xfrm>
+            <a:off x="8643193" y="2868475"/>
+            <a:ext cx="2942813" cy="3540265"/>
+          </a:xfrm>
+        </p:spPr>
+        <p:txBody>
+          <a:bodyPr>
+            <a:normAutofit/>
+          </a:bodyPr>
+          <a:lstStyle/>
+          <a:p>
+            <a:r>
+              <a:rPr lang="en-US" sz="2000" dirty="0"/>
+              <a:t>Employ blockchains to generate revenue</a:t>
+            </a:r>
+          </a:p>
+          <a:p>
+            <a:r>
+              <a:rPr lang="en-US" sz="2000" dirty="0"/>
+              <a:t>Once you have enough revenue, sell your company and win the game</a:t>
+            </a:r>
+          </a:p>
+          <a:p>
+            <a:r>
+              <a:rPr lang="en-US" sz="2000" dirty="0"/>
+              <a:t>A possible real-world example simplified into a game</a:t>
+            </a:r>
+          </a:p>
+        </p:txBody>
+      </p:sp>
+      <p:sp>
+        <p:nvSpPr>
+          <p:cNvPr id="1064" name="Rectangle 1063">
+            <a:extLst>
+              <a:ext uri="{FF2B5EF4-FFF2-40B4-BE49-F238E27FC236}">
+                <a16:creationId xmlns:a16="http://schemas.microsoft.com/office/drawing/2014/main" id="{907741FC-B544-4A6E-B831-6789D042333D}"/>
+              </a:ext>
+              <a:ext uri="{C183D7F6-B498-43B3-948B-1728B52AA6E4}">
+                <adec:decorative xmlns:adec="http://schemas.microsoft.com/office/drawing/2017/decorative" val="1"/>
+              </a:ext>
+            </a:extLst>
+          </p:cNvPr>
+          <p:cNvSpPr>
+            <a:spLocks noGrp="1" noRot="1" noChangeAspect="1" noMove="1" noResize="1" noEditPoints="1" noAdjustHandles="1" noChangeArrowheads="1" noChangeShapeType="1" noTextEdit="1"/>
+          </p:cNvSpPr>
+          <p:nvPr>
+            <p:extLst>
+              <p:ext uri="{386F3935-93C4-4BCD-93E2-E3B085C9AB24}">
+                <p16:designElem xmlns:p16="http://schemas.microsoft.com/office/powerpoint/2015/main" val="1"/>
+              </p:ext>
+            </p:extLst>
+          </p:nvPr>
+        </p:nvSpPr>
+        <p:spPr>
+          <a:xfrm flipH="1">
+            <a:off x="-1" y="6408741"/>
+            <a:ext cx="12191998" cy="457202"/>
+          </a:xfrm>
+          <a:prstGeom prst="rect">
+            <a:avLst/>
+          </a:prstGeom>
+          <a:gradFill>
+            <a:gsLst>
+              <a:gs pos="34000">
+                <a:srgbClr val="000000">
+                  <a:alpha val="96000"/>
+                </a:srgbClr>
+              </a:gs>
+              <a:gs pos="100000">
+                <a:schemeClr val="accent1"/>
+              </a:gs>
+            </a:gsLst>
+            <a:lin ang="8400000" scaled="0"/>
+          </a:gradFill>
+          <a:ln>
+            <a:noFill/>
+          </a:ln>
+        </p:spPr>
+        <p:style>
+          <a:lnRef idx="2">
+            <a:schemeClr val="accent1">
+              <a:shade val="50000"/>
+            </a:schemeClr>
+          </a:lnRef>
+          <a:fillRef idx="1">
+            <a:schemeClr val="accent1"/>
+          </a:fillRef>
+          <a:effectRef idx="0">
+            <a:schemeClr val="accent1"/>
+          </a:effectRef>
+          <a:fontRef idx="minor">
+            <a:schemeClr val="lt1"/>
+          </a:fontRef>
+        </p:style>
+        <p:txBody>
+          <a:bodyPr rtlCol="0" anchor="ctr"/>
+          <a:lstStyle/>
+          <a:p>
+            <a:pPr algn="ctr"/>
+            <a:endParaRPr lang="en-US"/>
+          </a:p>
+        </p:txBody>
+      </p:sp>
+      <p:sp>
+        <p:nvSpPr>
+          <p:cNvPr id="1065" name="Rectangle 1064">
+            <a:extLst>
+              <a:ext uri="{FF2B5EF4-FFF2-40B4-BE49-F238E27FC236}">
+                <a16:creationId xmlns:a16="http://schemas.microsoft.com/office/drawing/2014/main" id="{3F0BE7ED-7814-4273-B18A-F26CC0380380}"/>
+              </a:ext>
+              <a:ext uri="{C183D7F6-B498-43B3-948B-1728B52AA6E4}">
+                <adec:decorative xmlns:adec="http://schemas.microsoft.com/office/drawing/2017/decorative" val="1"/>
+              </a:ext>
+            </a:extLst>
+          </p:cNvPr>
+          <p:cNvSpPr>
+            <a:spLocks noGrp="1" noRot="1" noChangeAspect="1" noMove="1" noResize="1" noEditPoints="1" noAdjustHandles="1" noChangeArrowheads="1" noChangeShapeType="1" noTextEdit="1"/>
+          </p:cNvSpPr>
+          <p:nvPr>
+            <p:extLst>
+              <p:ext uri="{386F3935-93C4-4BCD-93E2-E3B085C9AB24}">
+                <p16:designElem xmlns:p16="http://schemas.microsoft.com/office/powerpoint/2015/main" val="1"/>
+              </p:ext>
+            </p:extLst>
+          </p:nvPr>
+        </p:nvSpPr>
+        <p:spPr>
+          <a:xfrm flipH="1">
+            <a:off x="-4" y="6408742"/>
+            <a:ext cx="8115300" cy="449258"/>
+          </a:xfrm>
+          <a:prstGeom prst="rect">
+            <a:avLst/>
+          </a:prstGeom>
+          <a:gradFill>
+            <a:gsLst>
+              <a:gs pos="28000">
+                <a:schemeClr val="accent1">
+                  <a:lumMod val="75000"/>
+                  <a:alpha val="59000"/>
+                </a:schemeClr>
+              </a:gs>
+              <a:gs pos="100000">
+                <a:srgbClr val="000000">
+                  <a:alpha val="70000"/>
+                </a:srgbClr>
+              </a:gs>
+            </a:gsLst>
+            <a:lin ang="11400000" scaled="0"/>
+          </a:gradFill>
+          <a:ln>
+            <a:noFill/>
+          </a:ln>
+        </p:spPr>
+        <p:style>
+          <a:lnRef idx="2">
+            <a:schemeClr val="accent1">
+              <a:shade val="50000"/>
+            </a:schemeClr>
+          </a:lnRef>
+          <a:fillRef idx="1">
+            <a:schemeClr val="accent1"/>
+          </a:fillRef>
+          <a:effectRef idx="0">
+            <a:schemeClr val="accent1"/>
+          </a:effectRef>
+          <a:fontRef idx="minor">
+            <a:schemeClr val="lt1"/>
+          </a:fontRef>
+        </p:style>
+        <p:txBody>
+          <a:bodyPr rtlCol="0" anchor="ctr"/>
+          <a:lstStyle/>
+          <a:p>
+            <a:pPr algn="ctr"/>
+            <a:endParaRPr lang="en-US"/>
+          </a:p>
+        </p:txBody>
+      </p:sp>
+    </p:spTree>
+    <p:extLst>
+      <p:ext uri="{BB962C8B-B14F-4D97-AF65-F5344CB8AC3E}">
+        <p14:creationId xmlns:p14="http://schemas.microsoft.com/office/powerpoint/2010/main" val="1364650187"/>
+      </p:ext>
+    </p:extLst>
+  </p:cSld>
+  <p:clrMapOvr>
+    <a:masterClrMapping/>
+  </p:clrMapOvr>
+</p:sld>
+</file>
+
+<file path=ppt/slides/slide4.xml><?xml version="1.0" encoding="utf-8"?>
+<p:sld xmlns:a="http://schemas.openxmlformats.org/drawingml/2006/main" xmlns:r="http://schemas.openxmlformats.org/officeDocument/2006/relationships" xmlns:p="http://schemas.openxmlformats.org/presentationml/2006/main">
+  <p:cSld>
+    <p:bg>
+      <p:bgPr>
+        <a:solidFill>
+          <a:schemeClr val="bg1"/>
+        </a:solidFill>
+        <a:effectLst/>
+      </p:bgPr>
+    </p:bg>
+    <p:spTree>
+      <p:nvGrpSpPr>
+        <p:cNvPr id="1" name=""/>
+        <p:cNvGrpSpPr/>
+        <p:nvPr/>
+      </p:nvGrpSpPr>
+      <p:grpSpPr>
+        <a:xfrm>
+          <a:off x="0" y="0"/>
+          <a:ext cx="0" cy="0"/>
+          <a:chOff x="0" y="0"/>
+          <a:chExt cx="0" cy="0"/>
+        </a:xfrm>
+      </p:grpSpPr>
+      <p:sp useBgFill="1">
+        <p:nvSpPr>
+          <p:cNvPr id="18" name="Rectangle 17">
+            <a:extLst>
+              <a:ext uri="{FF2B5EF4-FFF2-40B4-BE49-F238E27FC236}">
+                <a16:creationId xmlns:a16="http://schemas.microsoft.com/office/drawing/2014/main" id="{B95B9BA8-1D69-4796-85F5-B6D0BD52354B}"/>
+              </a:ext>
+              <a:ext uri="{C183D7F6-B498-43B3-948B-1728B52AA6E4}">
+                <adec:decorative xmlns:adec="http://schemas.microsoft.com/office/drawing/2017/decorative" val="1"/>
+              </a:ext>
+            </a:extLst>
+          </p:cNvPr>
+          <p:cNvSpPr>
+            <a:spLocks noGrp="1" noRot="1" noChangeAspect="1" noMove="1" noResize="1" noEditPoints="1" noAdjustHandles="1" noChangeArrowheads="1" noChangeShapeType="1" noTextEdit="1"/>
+          </p:cNvSpPr>
+          <p:nvPr>
+            <p:extLst>
+              <p:ext uri="{386F3935-93C4-4BCD-93E2-E3B085C9AB24}">
+                <p16:designElem xmlns:p16="http://schemas.microsoft.com/office/powerpoint/2015/main" val="1"/>
+              </p:ext>
+            </p:extLst>
+          </p:nvPr>
+        </p:nvSpPr>
+        <p:spPr>
+          <a:xfrm>
+            <a:off x="0" y="0"/>
+            <a:ext cx="12192000" cy="6858000"/>
+          </a:xfrm>
+          <a:prstGeom prst="rect">
+            <a:avLst/>
+          </a:prstGeom>
+          <a:solidFill>
+            <a:schemeClr val="tx1"/>
+          </a:solidFill>
+          <a:ln w="12700" cap="flat" cmpd="sng" algn="ctr">
+            <a:noFill/>
+            <a:prstDash val="solid"/>
+            <a:miter lim="800000"/>
+          </a:ln>
+          <a:effectLst/>
+        </p:spPr>
+        <p:style>
+          <a:lnRef idx="2">
+            <a:schemeClr val="accent1">
+              <a:shade val="50000"/>
+            </a:schemeClr>
+          </a:lnRef>
+          <a:fillRef idx="1">
+            <a:schemeClr val="accent1"/>
+          </a:fillRef>
+          <a:effectRef idx="0">
+            <a:schemeClr val="accent1"/>
+          </a:effectRef>
+          <a:fontRef idx="minor">
+            <a:schemeClr val="lt1"/>
+          </a:fontRef>
+        </p:style>
+        <p:txBody>
+          <a:bodyPr rtlCol="0" anchor="ctr"/>
+          <a:lstStyle/>
+          <a:p>
+            <a:pPr algn="ctr"/>
+            <a:endParaRPr lang="en-US"/>
+          </a:p>
+        </p:txBody>
+      </p:sp>
+      <p:sp>
+        <p:nvSpPr>
+          <p:cNvPr id="2" name="Title 1">
+            <a:extLst>
+              <a:ext uri="{FF2B5EF4-FFF2-40B4-BE49-F238E27FC236}">
+                <a16:creationId xmlns:a16="http://schemas.microsoft.com/office/drawing/2014/main" id="{B138A54A-EFFC-AA7D-7B27-F98AC107BA13}"/>
+              </a:ext>
+            </a:extLst>
+          </p:cNvPr>
+          <p:cNvSpPr>
+            <a:spLocks noGrp="1"/>
+          </p:cNvSpPr>
+          <p:nvPr>
+            <p:ph type="title"/>
+          </p:nvPr>
+        </p:nvSpPr>
+        <p:spPr>
+          <a:xfrm>
+            <a:off x="629164" y="565661"/>
+            <a:ext cx="2915895" cy="1323439"/>
+          </a:xfrm>
+        </p:spPr>
+        <p:txBody>
+          <a:bodyPr anchor="t">
+            <a:normAutofit/>
+          </a:bodyPr>
+          <a:lstStyle/>
+          <a:p>
+            <a:r>
+              <a:rPr lang="en-GB" sz="4000" b="1" dirty="0">
+                <a:solidFill>
+                  <a:schemeClr val="bg1"/>
+                </a:solidFill>
+              </a:rPr>
+              <a:t>Game Mechanics</a:t>
+            </a:r>
+            <a:endParaRPr lang="fi-FI" sz="4000" b="1" dirty="0">
+              <a:solidFill>
+                <a:schemeClr val="bg1"/>
+              </a:solidFill>
+            </a:endParaRPr>
+          </a:p>
+        </p:txBody>
+      </p:sp>
+      <p:pic>
+        <p:nvPicPr>
+          <p:cNvPr id="5" name="Content Placeholder 4" descr="A black and white page with white text&#10;&#10;Description automatically generated">
+            <a:extLst>
+              <a:ext uri="{FF2B5EF4-FFF2-40B4-BE49-F238E27FC236}">
+                <a16:creationId xmlns:a16="http://schemas.microsoft.com/office/drawing/2014/main" id="{42A40257-75A6-8975-E042-D477038FF9D6}"/>
+              </a:ext>
+            </a:extLst>
+          </p:cNvPr>
+          <p:cNvPicPr>
+            <a:picLocks noChangeAspect="1"/>
+          </p:cNvPicPr>
+          <p:nvPr/>
+        </p:nvPicPr>
+        <p:blipFill>
+          <a:blip r:embed="rId2">
+            <a:extLst>
+              <a:ext uri="{28A0092B-C50C-407E-A947-70E740481C1C}">
+                <a14:useLocalDpi xmlns:a14="http://schemas.microsoft.com/office/drawing/2010/main" val="0"/>
+              </a:ext>
+            </a:extLst>
+          </a:blip>
+          <a:stretch>
+            <a:fillRect/>
+          </a:stretch>
+        </p:blipFill>
+        <p:spPr>
+          <a:xfrm>
+            <a:off x="3116062" y="215213"/>
+            <a:ext cx="8266977" cy="6427574"/>
+          </a:xfrm>
+          <a:prstGeom prst="rect">
+            <a:avLst/>
+          </a:prstGeom>
+        </p:spPr>
+      </p:pic>
+    </p:spTree>
+    <p:extLst>
+      <p:ext uri="{BB962C8B-B14F-4D97-AF65-F5344CB8AC3E}">
+        <p14:creationId xmlns:p14="http://schemas.microsoft.com/office/powerpoint/2010/main" val="2127185182"/>
+      </p:ext>
+    </p:extLst>
+  </p:cSld>
+  <p:clrMapOvr>
+    <a:masterClrMapping/>
+  </p:clrMapOvr>
+</p:sld>
+</file>
+
+<file path=ppt/slides/slide5.xml><?xml version="1.0" encoding="utf-8"?>
+<p:sld xmlns:a="http://schemas.openxmlformats.org/drawingml/2006/main" xmlns:r="http://schemas.openxmlformats.org/officeDocument/2006/relationships" xmlns:p="http://schemas.openxmlformats.org/presentationml/2006/main">
+  <p:cSld>
+    <p:bg>
+      <p:bgPr>
+        <a:solidFill>
+          <a:schemeClr val="bg1"/>
+        </a:solidFill>
+        <a:effectLst/>
+      </p:bgPr>
+    </p:bg>
+    <p:spTree>
+      <p:nvGrpSpPr>
+        <p:cNvPr id="1" name=""/>
+        <p:cNvGrpSpPr/>
+        <p:nvPr/>
+      </p:nvGrpSpPr>
+      <p:grpSpPr>
+        <a:xfrm>
+          <a:off x="0" y="0"/>
+          <a:ext cx="0" cy="0"/>
+          <a:chOff x="0" y="0"/>
+          <a:chExt cx="0" cy="0"/>
+        </a:xfrm>
+      </p:grpSpPr>
+      <p:sp useBgFill="1">
+        <p:nvSpPr>
+          <p:cNvPr id="9" name="Rectangle 8">
+            <a:extLst>
+              <a:ext uri="{FF2B5EF4-FFF2-40B4-BE49-F238E27FC236}">
+                <a16:creationId xmlns:a16="http://schemas.microsoft.com/office/drawing/2014/main" id="{BACC6370-2D7E-4714-9D71-7542949D7D5D}"/>
+              </a:ext>
+              <a:ext uri="{C183D7F6-B498-43B3-948B-1728B52AA6E4}">
+                <adec:decorative xmlns:adec="http://schemas.microsoft.com/office/drawing/2017/decorative" val="1"/>
+              </a:ext>
+            </a:extLst>
+          </p:cNvPr>
+          <p:cNvSpPr>
+            <a:spLocks noGrp="1" noRot="1" noChangeAspect="1" noMove="1" noResize="1" noEditPoints="1" noAdjustHandles="1" noChangeArrowheads="1" noChangeShapeType="1" noTextEdit="1"/>
+          </p:cNvSpPr>
+          <p:nvPr>
+            <p:extLst>
+              <p:ext uri="{386F3935-93C4-4BCD-93E2-E3B085C9AB24}">
+                <p16:designElem xmlns:p16="http://schemas.microsoft.com/office/powerpoint/2015/main" val="1"/>
+              </p:ext>
+            </p:extLst>
+          </p:nvPr>
+        </p:nvSpPr>
+        <p:spPr>
+          <a:xfrm>
+            <a:off x="0" y="0"/>
+            <a:ext cx="12192000" cy="6858000"/>
+          </a:xfrm>
+          <a:prstGeom prst="rect">
+            <a:avLst/>
+          </a:prstGeom>
+          <a:ln w="12700" cap="flat" cmpd="sng" algn="ctr">
+            <a:noFill/>
+            <a:prstDash val="solid"/>
+            <a:miter lim="800000"/>
+          </a:ln>
+          <a:effectLst/>
+          <a:extLst>
+            <a:ext uri="{91240B29-F687-4F45-9708-019B960494DF}">
+              <a14:hiddenLine xmlns:a14="http://schemas.microsoft.com/office/drawing/2010/main" w="12700" cap="flat" cmpd="sng" algn="ctr">
+                <a:solidFill>
+                  <a:schemeClr val="accent1">
+                    <a:shade val="50000"/>
+                  </a:schemeClr>
+                </a:solidFill>
+                <a:prstDash val="solid"/>
+                <a:miter lim="800000"/>
+              </a14:hiddenLine>
+            </a:ext>
+          </a:extLst>
+        </p:spPr>
+        <p:style>
+          <a:lnRef idx="2">
+            <a:schemeClr val="accent1">
+              <a:shade val="50000"/>
+            </a:schemeClr>
+          </a:lnRef>
+          <a:fillRef idx="1">
+            <a:schemeClr val="accent1"/>
+          </a:fillRef>
+          <a:effectRef idx="0">
+            <a:schemeClr val="accent1"/>
+          </a:effectRef>
+          <a:fontRef idx="minor">
+            <a:schemeClr val="lt1"/>
+          </a:fontRef>
+        </p:style>
+        <p:txBody>
+          <a:bodyPr rtlCol="0" anchor="ctr"/>
+          <a:lstStyle/>
+          <a:p>
+            <a:pPr algn="ctr"/>
+            <a:endParaRPr lang="en-US"/>
+          </a:p>
+        </p:txBody>
+      </p:sp>
+      <p:sp>
+        <p:nvSpPr>
+          <p:cNvPr id="11" name="Rectangle 10">
+            <a:extLst>
+              <a:ext uri="{FF2B5EF4-FFF2-40B4-BE49-F238E27FC236}">
+                <a16:creationId xmlns:a16="http://schemas.microsoft.com/office/drawing/2014/main" id="{F68B3F68-107C-434F-AA38-110D5EA91B85}"/>
+              </a:ext>
+              <a:ext uri="{C183D7F6-B498-43B3-948B-1728B52AA6E4}">
+                <adec:decorative xmlns:adec="http://schemas.microsoft.com/office/drawing/2017/decorative" val="1"/>
+              </a:ext>
+            </a:extLst>
+          </p:cNvPr>
+          <p:cNvSpPr>
+            <a:spLocks noGrp="1" noRot="1" noChangeAspect="1" noMove="1" noResize="1" noEditPoints="1" noAdjustHandles="1" noChangeArrowheads="1" noChangeShapeType="1" noTextEdit="1"/>
+          </p:cNvSpPr>
+          <p:nvPr>
+            <p:extLst>
+              <p:ext uri="{386F3935-93C4-4BCD-93E2-E3B085C9AB24}">
+                <p16:designElem xmlns:p16="http://schemas.microsoft.com/office/powerpoint/2015/main" val="1"/>
+              </p:ext>
+            </p:extLst>
+          </p:nvPr>
+        </p:nvSpPr>
+        <p:spPr>
+          <a:xfrm flipH="1">
+            <a:off x="2" y="0"/>
+            <a:ext cx="12191998" cy="1575955"/>
+          </a:xfrm>
+          <a:prstGeom prst="rect">
+            <a:avLst/>
+          </a:prstGeom>
+          <a:gradFill>
+            <a:gsLst>
+              <a:gs pos="0">
+                <a:srgbClr val="000000">
+                  <a:alpha val="96000"/>
+                </a:srgbClr>
+              </a:gs>
+              <a:gs pos="100000">
+                <a:schemeClr val="accent1">
+                  <a:lumMod val="75000"/>
+                </a:schemeClr>
+              </a:gs>
+            </a:gsLst>
+            <a:lin ang="8400000" scaled="0"/>
+          </a:gradFill>
+          <a:ln>
+            <a:noFill/>
+          </a:ln>
+        </p:spPr>
+        <p:style>
+          <a:lnRef idx="2">
+            <a:schemeClr val="accent1">
+              <a:shade val="50000"/>
+            </a:schemeClr>
+          </a:lnRef>
+          <a:fillRef idx="1">
+            <a:schemeClr val="accent1"/>
+          </a:fillRef>
+          <a:effectRef idx="0">
+            <a:schemeClr val="accent1"/>
+          </a:effectRef>
+          <a:fontRef idx="minor">
+            <a:schemeClr val="lt1"/>
+          </a:fontRef>
+        </p:style>
+        <p:txBody>
+          <a:bodyPr rtlCol="0" anchor="ctr"/>
+          <a:lstStyle/>
+          <a:p>
+            <a:pPr algn="ctr"/>
+            <a:endParaRPr lang="en-US"/>
+          </a:p>
+        </p:txBody>
+      </p:sp>
+      <p:sp>
+        <p:nvSpPr>
+          <p:cNvPr id="13" name="Rectangle 12">
+            <a:extLst>
+              <a:ext uri="{FF2B5EF4-FFF2-40B4-BE49-F238E27FC236}">
+                <a16:creationId xmlns:a16="http://schemas.microsoft.com/office/drawing/2014/main" id="{AAD0DBB9-1A4B-4391-81D4-CB19F9AB918A}"/>
+              </a:ext>
+              <a:ext uri="{C183D7F6-B498-43B3-948B-1728B52AA6E4}">
+                <adec:decorative xmlns:adec="http://schemas.microsoft.com/office/drawing/2017/decorative" val="1"/>
+              </a:ext>
+            </a:extLst>
+          </p:cNvPr>
+          <p:cNvSpPr>
+            <a:spLocks noGrp="1" noRot="1" noChangeAspect="1" noMove="1" noResize="1" noEditPoints="1" noAdjustHandles="1" noChangeArrowheads="1" noChangeShapeType="1" noTextEdit="1"/>
+          </p:cNvSpPr>
+          <p:nvPr>
+            <p:extLst>
+              <p:ext uri="{386F3935-93C4-4BCD-93E2-E3B085C9AB24}">
+                <p16:designElem xmlns:p16="http://schemas.microsoft.com/office/powerpoint/2015/main" val="1"/>
+              </p:ext>
+            </p:extLst>
+          </p:nvPr>
+        </p:nvSpPr>
+        <p:spPr>
+          <a:xfrm rot="10800000" flipH="1">
+            <a:off x="8128857" y="0"/>
+            <a:ext cx="4063143" cy="1576412"/>
+          </a:xfrm>
+          <a:prstGeom prst="rect">
+            <a:avLst/>
+          </a:prstGeom>
+          <a:gradFill>
+            <a:gsLst>
+              <a:gs pos="19000">
+                <a:schemeClr val="accent1">
+                  <a:lumMod val="50000"/>
+                  <a:alpha val="68000"/>
+                </a:schemeClr>
+              </a:gs>
+              <a:gs pos="100000">
+                <a:schemeClr val="accent1">
+                  <a:alpha val="79000"/>
+                </a:schemeClr>
+              </a:gs>
+            </a:gsLst>
+            <a:lin ang="19200000" scaled="0"/>
+          </a:gradFill>
+          <a:ln>
+            <a:noFill/>
+          </a:ln>
+        </p:spPr>
+        <p:style>
+          <a:lnRef idx="2">
+            <a:schemeClr val="accent1">
+              <a:shade val="50000"/>
+            </a:schemeClr>
+          </a:lnRef>
+          <a:fillRef idx="1">
+            <a:schemeClr val="accent1"/>
+          </a:fillRef>
+          <a:effectRef idx="0">
+            <a:schemeClr val="accent1"/>
+          </a:effectRef>
+          <a:fontRef idx="minor">
+            <a:schemeClr val="lt1"/>
+          </a:fontRef>
+        </p:style>
+        <p:txBody>
+          <a:bodyPr rtlCol="0" anchor="ctr"/>
+          <a:lstStyle/>
+          <a:p>
+            <a:pPr algn="ctr"/>
+            <a:endParaRPr lang="en-US"/>
+          </a:p>
+        </p:txBody>
+      </p:sp>
+      <p:sp>
+        <p:nvSpPr>
+          <p:cNvPr id="15" name="Rectangle 14">
+            <a:extLst>
+              <a:ext uri="{FF2B5EF4-FFF2-40B4-BE49-F238E27FC236}">
+                <a16:creationId xmlns:a16="http://schemas.microsoft.com/office/drawing/2014/main" id="{063BBA22-50EA-4C4D-BE05-F1CE4E63AA56}"/>
+              </a:ext>
+              <a:ext uri="{C183D7F6-B498-43B3-948B-1728B52AA6E4}">
+                <adec:decorative xmlns:adec="http://schemas.microsoft.com/office/drawing/2017/decorative" val="1"/>
+              </a:ext>
+            </a:extLst>
+          </p:cNvPr>
+          <p:cNvSpPr>
+            <a:spLocks noGrp="1" noRot="1" noChangeAspect="1" noMove="1" noResize="1" noEditPoints="1" noAdjustHandles="1" noChangeArrowheads="1" noChangeShapeType="1" noTextEdit="1"/>
+          </p:cNvSpPr>
+          <p:nvPr>
+            <p:extLst>
+              <p:ext uri="{386F3935-93C4-4BCD-93E2-E3B085C9AB24}">
+                <p16:designElem xmlns:p16="http://schemas.microsoft.com/office/powerpoint/2015/main" val="1"/>
+              </p:ext>
+            </p:extLst>
+          </p:nvPr>
+        </p:nvSpPr>
+        <p:spPr>
+          <a:xfrm rot="5400000">
+            <a:off x="5307777" y="-5307778"/>
+            <a:ext cx="1576446" cy="12192002"/>
+          </a:xfrm>
+          <a:prstGeom prst="rect">
+            <a:avLst/>
+          </a:prstGeom>
+          <a:gradFill>
+            <a:gsLst>
+              <a:gs pos="23000">
+                <a:schemeClr val="accent1">
+                  <a:alpha val="0"/>
+                </a:schemeClr>
+              </a:gs>
+              <a:gs pos="99000">
+                <a:srgbClr val="000000">
+                  <a:alpha val="74000"/>
+                </a:srgbClr>
+              </a:gs>
+            </a:gsLst>
+            <a:lin ang="20400000" scaled="0"/>
+          </a:gradFill>
+          <a:ln>
+            <a:noFill/>
+          </a:ln>
+        </p:spPr>
+        <p:style>
+          <a:lnRef idx="2">
+            <a:schemeClr val="accent1">
+              <a:shade val="50000"/>
+            </a:schemeClr>
+          </a:lnRef>
+          <a:fillRef idx="1">
+            <a:schemeClr val="accent1"/>
+          </a:fillRef>
+          <a:effectRef idx="0">
+            <a:schemeClr val="accent1"/>
+          </a:effectRef>
+          <a:fontRef idx="minor">
+            <a:schemeClr val="lt1"/>
+          </a:fontRef>
+        </p:style>
+        <p:txBody>
+          <a:bodyPr rtlCol="0" anchor="ctr"/>
+          <a:lstStyle/>
+          <a:p>
+            <a:pPr algn="ctr"/>
+            <a:endParaRPr lang="en-US" dirty="0"/>
+          </a:p>
+        </p:txBody>
+      </p:sp>
+      <p:sp>
+        <p:nvSpPr>
+          <p:cNvPr id="2" name="Title 1">
+            <a:extLst>
+              <a:ext uri="{FF2B5EF4-FFF2-40B4-BE49-F238E27FC236}">
+                <a16:creationId xmlns:a16="http://schemas.microsoft.com/office/drawing/2014/main" id="{B7CF3145-7103-2077-25B2-FADC2A486217}"/>
+              </a:ext>
+            </a:extLst>
+          </p:cNvPr>
+          <p:cNvSpPr>
+            <a:spLocks noGrp="1"/>
+          </p:cNvSpPr>
+          <p:nvPr>
+            <p:ph type="title"/>
+          </p:nvPr>
+        </p:nvSpPr>
+        <p:spPr>
+          <a:xfrm>
+            <a:off x="1371597" y="348865"/>
+            <a:ext cx="10044023" cy="877729"/>
+          </a:xfrm>
+        </p:spPr>
+        <p:txBody>
+          <a:bodyPr anchor="ctr">
+            <a:normAutofit/>
+          </a:bodyPr>
+          <a:lstStyle/>
+          <a:p>
+            <a:r>
+              <a:rPr lang="en-GB" sz="4000">
+                <a:solidFill>
+                  <a:srgbClr val="FFFFFF"/>
+                </a:solidFill>
+              </a:rPr>
+              <a:t>Technical Implementation</a:t>
+            </a:r>
+            <a:endParaRPr lang="fi-FI" sz="4000">
+              <a:solidFill>
+                <a:srgbClr val="FFFFFF"/>
+              </a:solidFill>
+            </a:endParaRPr>
+          </a:p>
+        </p:txBody>
+      </p:sp>
+      <p:graphicFrame>
+        <p:nvGraphicFramePr>
+          <p:cNvPr id="5" name="Content Placeholder 2">
+            <a:extLst>
+              <a:ext uri="{FF2B5EF4-FFF2-40B4-BE49-F238E27FC236}">
+                <a16:creationId xmlns:a16="http://schemas.microsoft.com/office/drawing/2014/main" id="{CF3CC8C1-05AA-1E0F-1848-9B5586DA0227}"/>
+              </a:ext>
+            </a:extLst>
+          </p:cNvPr>
+          <p:cNvGraphicFramePr>
+            <a:graphicFrameLocks noGrp="1"/>
+          </p:cNvGraphicFramePr>
+          <p:nvPr>
+            <p:ph idx="1"/>
+            <p:extLst>
+              <p:ext uri="{D42A27DB-BD31-4B8C-83A1-F6EECF244321}">
+                <p14:modId xmlns:p14="http://schemas.microsoft.com/office/powerpoint/2010/main" val="2278296280"/>
+              </p:ext>
+            </p:extLst>
+          </p:nvPr>
+        </p:nvGraphicFramePr>
+        <p:xfrm>
+          <a:off x="644056" y="2112579"/>
+          <a:ext cx="10927829" cy="4192805"/>
+        </p:xfrm>
+        <a:graphic>
+          <a:graphicData uri="http://schemas.openxmlformats.org/drawingml/2006/diagram">
+            <dgm:relIds xmlns:dgm="http://schemas.openxmlformats.org/drawingml/2006/diagram" xmlns:r="http://schemas.openxmlformats.org/officeDocument/2006/relationships" r:dm="rId2" r:lo="rId3" r:qs="rId4" r:cs="rId5"/>
+          </a:graphicData>
+        </a:graphic>
+      </p:graphicFrame>
+    </p:spTree>
+    <p:extLst>
+      <p:ext uri="{BB962C8B-B14F-4D97-AF65-F5344CB8AC3E}">
+        <p14:creationId xmlns:p14="http://schemas.microsoft.com/office/powerpoint/2010/main" val="2767544912"/>
       </p:ext>
     </p:extLst>
   </p:cSld>
